--- a/Docs/FASTChain-PPT-Review-1.pptx
+++ b/Docs/FASTChain-PPT-Review-1.pptx
@@ -5,7 +5,7 @@
     <p:sldMasterId id="2147483648" r:id="rId1"/>
   </p:sldMasterIdLst>
   <p:notesMasterIdLst>
-    <p:notesMasterId r:id="rId20"/>
+    <p:notesMasterId r:id="rId27"/>
   </p:notesMasterIdLst>
   <p:sldIdLst>
     <p:sldId id="256" r:id="rId2"/>
@@ -13,29 +13,36 @@
     <p:sldId id="304" r:id="rId4"/>
     <p:sldId id="305" r:id="rId5"/>
     <p:sldId id="306" r:id="rId6"/>
-    <p:sldId id="311" r:id="rId7"/>
-    <p:sldId id="307" r:id="rId8"/>
-    <p:sldId id="308" r:id="rId9"/>
-    <p:sldId id="309" r:id="rId10"/>
-    <p:sldId id="310" r:id="rId11"/>
-    <p:sldId id="312" r:id="rId12"/>
-    <p:sldId id="313" r:id="rId13"/>
-    <p:sldId id="314" r:id="rId14"/>
-    <p:sldId id="315" r:id="rId15"/>
-    <p:sldId id="318" r:id="rId16"/>
-    <p:sldId id="317" r:id="rId17"/>
-    <p:sldId id="270" r:id="rId18"/>
-    <p:sldId id="271" r:id="rId19"/>
+    <p:sldId id="324" r:id="rId7"/>
+    <p:sldId id="325" r:id="rId8"/>
+    <p:sldId id="311" r:id="rId9"/>
+    <p:sldId id="307" r:id="rId10"/>
+    <p:sldId id="308" r:id="rId11"/>
+    <p:sldId id="309" r:id="rId12"/>
+    <p:sldId id="310" r:id="rId13"/>
+    <p:sldId id="312" r:id="rId14"/>
+    <p:sldId id="313" r:id="rId15"/>
+    <p:sldId id="314" r:id="rId16"/>
+    <p:sldId id="315" r:id="rId17"/>
+    <p:sldId id="318" r:id="rId18"/>
+    <p:sldId id="319" r:id="rId19"/>
+    <p:sldId id="320" r:id="rId20"/>
+    <p:sldId id="321" r:id="rId21"/>
+    <p:sldId id="322" r:id="rId22"/>
+    <p:sldId id="323" r:id="rId23"/>
+    <p:sldId id="317" r:id="rId24"/>
+    <p:sldId id="270" r:id="rId25"/>
+    <p:sldId id="271" r:id="rId26"/>
   </p:sldIdLst>
   <p:sldSz cx="9144000" cy="5143500" type="screen16x9"/>
   <p:notesSz cx="6858000" cy="9144000"/>
   <p:embeddedFontLst>
     <p:embeddedFont>
-      <p:font typeface="Lucida Sans" panose="020B0602030504020204" pitchFamily="34" charset="0"/>
-      <p:regular r:id="rId21"/>
-      <p:bold r:id="rId22"/>
-      <p:italic r:id="rId23"/>
-      <p:boldItalic r:id="rId24"/>
+      <p:font typeface="Lucida Sans" panose="020B0602030504020204" pitchFamily="34" charset="77"/>
+      <p:regular r:id="rId28"/>
+      <p:bold r:id="rId29"/>
+      <p:italic r:id="rId30"/>
+      <p:boldItalic r:id="rId31"/>
     </p:embeddedFont>
   </p:embeddedFontLst>
   <p:defaultTextStyle>
@@ -1001,7 +1008,7 @@
     </p:spTree>
     <p:extLst>
       <p:ext uri="{BB962C8B-B14F-4D97-AF65-F5344CB8AC3E}">
-        <p14:creationId xmlns:p14="http://schemas.microsoft.com/office/powerpoint/2010/main" val="2040565606"/>
+        <p14:creationId xmlns:p14="http://schemas.microsoft.com/office/powerpoint/2010/main" val="768355354"/>
       </p:ext>
     </p:extLst>
   </p:cSld>
@@ -1110,7 +1117,7 @@
     </p:spTree>
     <p:extLst>
       <p:ext uri="{BB962C8B-B14F-4D97-AF65-F5344CB8AC3E}">
-        <p14:creationId xmlns:p14="http://schemas.microsoft.com/office/powerpoint/2010/main" val="3422668616"/>
+        <p14:creationId xmlns:p14="http://schemas.microsoft.com/office/powerpoint/2010/main" val="2474702192"/>
       </p:ext>
     </p:extLst>
   </p:cSld>
@@ -1219,7 +1226,7 @@
     </p:spTree>
     <p:extLst>
       <p:ext uri="{BB962C8B-B14F-4D97-AF65-F5344CB8AC3E}">
-        <p14:creationId xmlns:p14="http://schemas.microsoft.com/office/powerpoint/2010/main" val="3775588510"/>
+        <p14:creationId xmlns:p14="http://schemas.microsoft.com/office/powerpoint/2010/main" val="2040565606"/>
       </p:ext>
     </p:extLst>
   </p:cSld>
@@ -1328,7 +1335,7 @@
     </p:spTree>
     <p:extLst>
       <p:ext uri="{BB962C8B-B14F-4D97-AF65-F5344CB8AC3E}">
-        <p14:creationId xmlns:p14="http://schemas.microsoft.com/office/powerpoint/2010/main" val="3128408966"/>
+        <p14:creationId xmlns:p14="http://schemas.microsoft.com/office/powerpoint/2010/main" val="3422668616"/>
       </p:ext>
     </p:extLst>
   </p:cSld>
@@ -1437,7 +1444,7 @@
     </p:spTree>
     <p:extLst>
       <p:ext uri="{BB962C8B-B14F-4D97-AF65-F5344CB8AC3E}">
-        <p14:creationId xmlns:p14="http://schemas.microsoft.com/office/powerpoint/2010/main" val="2218982330"/>
+        <p14:creationId xmlns:p14="http://schemas.microsoft.com/office/powerpoint/2010/main" val="3775588510"/>
       </p:ext>
     </p:extLst>
   </p:cSld>
@@ -1546,6 +1553,873 @@
     </p:spTree>
     <p:extLst>
       <p:ext uri="{BB962C8B-B14F-4D97-AF65-F5344CB8AC3E}">
+        <p14:creationId xmlns:p14="http://schemas.microsoft.com/office/powerpoint/2010/main" val="3128408966"/>
+      </p:ext>
+    </p:extLst>
+  </p:cSld>
+  <p:clrMapOvr>
+    <a:masterClrMapping/>
+  </p:clrMapOvr>
+</p:notes>
+</file>
+
+<file path=ppt/notesSlides/notesSlide16.xml><?xml version="1.0" encoding="utf-8"?>
+<p:notes xmlns:a="http://schemas.openxmlformats.org/drawingml/2006/main" xmlns:r="http://schemas.openxmlformats.org/officeDocument/2006/relationships" xmlns:p="http://schemas.openxmlformats.org/presentationml/2006/main" showMasterSp="0" showMasterPhAnim="0">
+  <p:cSld>
+    <p:spTree>
+      <p:nvGrpSpPr>
+        <p:cNvPr id="1" name="Shape 65"/>
+        <p:cNvGrpSpPr/>
+        <p:nvPr/>
+      </p:nvGrpSpPr>
+      <p:grpSpPr>
+        <a:xfrm>
+          <a:off x="0" y="0"/>
+          <a:ext cx="0" cy="0"/>
+          <a:chOff x="0" y="0"/>
+          <a:chExt cx="0" cy="0"/>
+        </a:xfrm>
+      </p:grpSpPr>
+      <p:sp>
+        <p:nvSpPr>
+          <p:cNvPr id="66" name="Google Shape;66;g1c8fb098ac3_1_16:notes"/>
+          <p:cNvSpPr>
+            <a:spLocks noGrp="1" noRot="1" noChangeAspect="1"/>
+          </p:cNvSpPr>
+          <p:nvPr>
+            <p:ph type="sldImg" idx="2"/>
+          </p:nvPr>
+        </p:nvSpPr>
+        <p:spPr>
+          <a:xfrm>
+            <a:off x="381000" y="685800"/>
+            <a:ext cx="6096000" cy="3429000"/>
+          </a:xfrm>
+          <a:custGeom>
+            <a:avLst/>
+            <a:gdLst/>
+            <a:ahLst/>
+            <a:cxnLst/>
+            <a:rect l="l" t="t" r="r" b="b"/>
+            <a:pathLst>
+              <a:path w="120000" h="120000" extrusionOk="0">
+                <a:moveTo>
+                  <a:pt x="0" y="0"/>
+                </a:moveTo>
+                <a:lnTo>
+                  <a:pt x="120000" y="0"/>
+                </a:lnTo>
+                <a:lnTo>
+                  <a:pt x="120000" y="120000"/>
+                </a:lnTo>
+                <a:lnTo>
+                  <a:pt x="0" y="120000"/>
+                </a:lnTo>
+                <a:close/>
+              </a:path>
+            </a:pathLst>
+          </a:custGeom>
+        </p:spPr>
+      </p:sp>
+      <p:sp>
+        <p:nvSpPr>
+          <p:cNvPr id="67" name="Google Shape;67;g1c8fb098ac3_1_16:notes"/>
+          <p:cNvSpPr txBox="1">
+            <a:spLocks noGrp="1"/>
+          </p:cNvSpPr>
+          <p:nvPr>
+            <p:ph type="body" idx="1"/>
+          </p:nvPr>
+        </p:nvSpPr>
+        <p:spPr>
+          <a:xfrm>
+            <a:off x="685800" y="4343400"/>
+            <a:ext cx="5486400" cy="4114800"/>
+          </a:xfrm>
+          <a:prstGeom prst="rect">
+            <a:avLst/>
+          </a:prstGeom>
+        </p:spPr>
+        <p:txBody>
+          <a:bodyPr spcFirstLastPara="1" wrap="square" lIns="91425" tIns="91425" rIns="91425" bIns="91425" anchor="t" anchorCtr="0">
+            <a:noAutofit/>
+          </a:bodyPr>
+          <a:lstStyle/>
+          <a:p>
+            <a:pPr marL="0" lvl="0" indent="0" algn="l" rtl="0">
+              <a:spcBef>
+                <a:spcPts val="0"/>
+              </a:spcBef>
+              <a:spcAft>
+                <a:spcPts val="0"/>
+              </a:spcAft>
+              <a:buNone/>
+            </a:pPr>
+            <a:endParaRPr/>
+          </a:p>
+        </p:txBody>
+      </p:sp>
+    </p:spTree>
+    <p:extLst>
+      <p:ext uri="{BB962C8B-B14F-4D97-AF65-F5344CB8AC3E}">
+        <p14:creationId xmlns:p14="http://schemas.microsoft.com/office/powerpoint/2010/main" val="2218982330"/>
+      </p:ext>
+    </p:extLst>
+  </p:cSld>
+  <p:clrMapOvr>
+    <a:masterClrMapping/>
+  </p:clrMapOvr>
+</p:notes>
+</file>
+
+<file path=ppt/notesSlides/notesSlide17.xml><?xml version="1.0" encoding="utf-8"?>
+<p:notes xmlns:a="http://schemas.openxmlformats.org/drawingml/2006/main" xmlns:r="http://schemas.openxmlformats.org/officeDocument/2006/relationships" xmlns:p="http://schemas.openxmlformats.org/presentationml/2006/main" showMasterSp="0" showMasterPhAnim="0">
+  <p:cSld>
+    <p:spTree>
+      <p:nvGrpSpPr>
+        <p:cNvPr id="1" name="Shape 65"/>
+        <p:cNvGrpSpPr/>
+        <p:nvPr/>
+      </p:nvGrpSpPr>
+      <p:grpSpPr>
+        <a:xfrm>
+          <a:off x="0" y="0"/>
+          <a:ext cx="0" cy="0"/>
+          <a:chOff x="0" y="0"/>
+          <a:chExt cx="0" cy="0"/>
+        </a:xfrm>
+      </p:grpSpPr>
+      <p:sp>
+        <p:nvSpPr>
+          <p:cNvPr id="66" name="Google Shape;66;g1c8fb098ac3_1_16:notes"/>
+          <p:cNvSpPr>
+            <a:spLocks noGrp="1" noRot="1" noChangeAspect="1"/>
+          </p:cNvSpPr>
+          <p:nvPr>
+            <p:ph type="sldImg" idx="2"/>
+          </p:nvPr>
+        </p:nvSpPr>
+        <p:spPr>
+          <a:xfrm>
+            <a:off x="381000" y="685800"/>
+            <a:ext cx="6096000" cy="3429000"/>
+          </a:xfrm>
+          <a:custGeom>
+            <a:avLst/>
+            <a:gdLst/>
+            <a:ahLst/>
+            <a:cxnLst/>
+            <a:rect l="l" t="t" r="r" b="b"/>
+            <a:pathLst>
+              <a:path w="120000" h="120000" extrusionOk="0">
+                <a:moveTo>
+                  <a:pt x="0" y="0"/>
+                </a:moveTo>
+                <a:lnTo>
+                  <a:pt x="120000" y="0"/>
+                </a:lnTo>
+                <a:lnTo>
+                  <a:pt x="120000" y="120000"/>
+                </a:lnTo>
+                <a:lnTo>
+                  <a:pt x="0" y="120000"/>
+                </a:lnTo>
+                <a:close/>
+              </a:path>
+            </a:pathLst>
+          </a:custGeom>
+        </p:spPr>
+      </p:sp>
+      <p:sp>
+        <p:nvSpPr>
+          <p:cNvPr id="67" name="Google Shape;67;g1c8fb098ac3_1_16:notes"/>
+          <p:cNvSpPr txBox="1">
+            <a:spLocks noGrp="1"/>
+          </p:cNvSpPr>
+          <p:nvPr>
+            <p:ph type="body" idx="1"/>
+          </p:nvPr>
+        </p:nvSpPr>
+        <p:spPr>
+          <a:xfrm>
+            <a:off x="685800" y="4343400"/>
+            <a:ext cx="5486400" cy="4114800"/>
+          </a:xfrm>
+          <a:prstGeom prst="rect">
+            <a:avLst/>
+          </a:prstGeom>
+        </p:spPr>
+        <p:txBody>
+          <a:bodyPr spcFirstLastPara="1" wrap="square" lIns="91425" tIns="91425" rIns="91425" bIns="91425" anchor="t" anchorCtr="0">
+            <a:noAutofit/>
+          </a:bodyPr>
+          <a:lstStyle/>
+          <a:p>
+            <a:pPr marL="0" lvl="0" indent="0" algn="l" rtl="0">
+              <a:spcBef>
+                <a:spcPts val="0"/>
+              </a:spcBef>
+              <a:spcAft>
+                <a:spcPts val="0"/>
+              </a:spcAft>
+              <a:buNone/>
+            </a:pPr>
+            <a:endParaRPr/>
+          </a:p>
+        </p:txBody>
+      </p:sp>
+    </p:spTree>
+    <p:extLst>
+      <p:ext uri="{BB962C8B-B14F-4D97-AF65-F5344CB8AC3E}">
+        <p14:creationId xmlns:p14="http://schemas.microsoft.com/office/powerpoint/2010/main" val="252895505"/>
+      </p:ext>
+    </p:extLst>
+  </p:cSld>
+  <p:clrMapOvr>
+    <a:masterClrMapping/>
+  </p:clrMapOvr>
+</p:notes>
+</file>
+
+<file path=ppt/notesSlides/notesSlide18.xml><?xml version="1.0" encoding="utf-8"?>
+<p:notes xmlns:a="http://schemas.openxmlformats.org/drawingml/2006/main" xmlns:r="http://schemas.openxmlformats.org/officeDocument/2006/relationships" xmlns:p="http://schemas.openxmlformats.org/presentationml/2006/main" showMasterSp="0" showMasterPhAnim="0">
+  <p:cSld>
+    <p:spTree>
+      <p:nvGrpSpPr>
+        <p:cNvPr id="1" name="Shape 65"/>
+        <p:cNvGrpSpPr/>
+        <p:nvPr/>
+      </p:nvGrpSpPr>
+      <p:grpSpPr>
+        <a:xfrm>
+          <a:off x="0" y="0"/>
+          <a:ext cx="0" cy="0"/>
+          <a:chOff x="0" y="0"/>
+          <a:chExt cx="0" cy="0"/>
+        </a:xfrm>
+      </p:grpSpPr>
+      <p:sp>
+        <p:nvSpPr>
+          <p:cNvPr id="66" name="Google Shape;66;g1c8fb098ac3_1_16:notes"/>
+          <p:cNvSpPr>
+            <a:spLocks noGrp="1" noRot="1" noChangeAspect="1"/>
+          </p:cNvSpPr>
+          <p:nvPr>
+            <p:ph type="sldImg" idx="2"/>
+          </p:nvPr>
+        </p:nvSpPr>
+        <p:spPr>
+          <a:xfrm>
+            <a:off x="381000" y="685800"/>
+            <a:ext cx="6096000" cy="3429000"/>
+          </a:xfrm>
+          <a:custGeom>
+            <a:avLst/>
+            <a:gdLst/>
+            <a:ahLst/>
+            <a:cxnLst/>
+            <a:rect l="l" t="t" r="r" b="b"/>
+            <a:pathLst>
+              <a:path w="120000" h="120000" extrusionOk="0">
+                <a:moveTo>
+                  <a:pt x="0" y="0"/>
+                </a:moveTo>
+                <a:lnTo>
+                  <a:pt x="120000" y="0"/>
+                </a:lnTo>
+                <a:lnTo>
+                  <a:pt x="120000" y="120000"/>
+                </a:lnTo>
+                <a:lnTo>
+                  <a:pt x="0" y="120000"/>
+                </a:lnTo>
+                <a:close/>
+              </a:path>
+            </a:pathLst>
+          </a:custGeom>
+        </p:spPr>
+      </p:sp>
+      <p:sp>
+        <p:nvSpPr>
+          <p:cNvPr id="67" name="Google Shape;67;g1c8fb098ac3_1_16:notes"/>
+          <p:cNvSpPr txBox="1">
+            <a:spLocks noGrp="1"/>
+          </p:cNvSpPr>
+          <p:nvPr>
+            <p:ph type="body" idx="1"/>
+          </p:nvPr>
+        </p:nvSpPr>
+        <p:spPr>
+          <a:xfrm>
+            <a:off x="685800" y="4343400"/>
+            <a:ext cx="5486400" cy="4114800"/>
+          </a:xfrm>
+          <a:prstGeom prst="rect">
+            <a:avLst/>
+          </a:prstGeom>
+        </p:spPr>
+        <p:txBody>
+          <a:bodyPr spcFirstLastPara="1" wrap="square" lIns="91425" tIns="91425" rIns="91425" bIns="91425" anchor="t" anchorCtr="0">
+            <a:noAutofit/>
+          </a:bodyPr>
+          <a:lstStyle/>
+          <a:p>
+            <a:pPr marL="0" lvl="0" indent="0" algn="l" rtl="0">
+              <a:spcBef>
+                <a:spcPts val="0"/>
+              </a:spcBef>
+              <a:spcAft>
+                <a:spcPts val="0"/>
+              </a:spcAft>
+              <a:buNone/>
+            </a:pPr>
+            <a:endParaRPr/>
+          </a:p>
+        </p:txBody>
+      </p:sp>
+    </p:spTree>
+    <p:extLst>
+      <p:ext uri="{BB962C8B-B14F-4D97-AF65-F5344CB8AC3E}">
+        <p14:creationId xmlns:p14="http://schemas.microsoft.com/office/powerpoint/2010/main" val="3358136606"/>
+      </p:ext>
+    </p:extLst>
+  </p:cSld>
+  <p:clrMapOvr>
+    <a:masterClrMapping/>
+  </p:clrMapOvr>
+</p:notes>
+</file>
+
+<file path=ppt/notesSlides/notesSlide19.xml><?xml version="1.0" encoding="utf-8"?>
+<p:notes xmlns:a="http://schemas.openxmlformats.org/drawingml/2006/main" xmlns:r="http://schemas.openxmlformats.org/officeDocument/2006/relationships" xmlns:p="http://schemas.openxmlformats.org/presentationml/2006/main" showMasterSp="0" showMasterPhAnim="0">
+  <p:cSld>
+    <p:spTree>
+      <p:nvGrpSpPr>
+        <p:cNvPr id="1" name="Shape 65"/>
+        <p:cNvGrpSpPr/>
+        <p:nvPr/>
+      </p:nvGrpSpPr>
+      <p:grpSpPr>
+        <a:xfrm>
+          <a:off x="0" y="0"/>
+          <a:ext cx="0" cy="0"/>
+          <a:chOff x="0" y="0"/>
+          <a:chExt cx="0" cy="0"/>
+        </a:xfrm>
+      </p:grpSpPr>
+      <p:sp>
+        <p:nvSpPr>
+          <p:cNvPr id="66" name="Google Shape;66;g1c8fb098ac3_1_16:notes"/>
+          <p:cNvSpPr>
+            <a:spLocks noGrp="1" noRot="1" noChangeAspect="1"/>
+          </p:cNvSpPr>
+          <p:nvPr>
+            <p:ph type="sldImg" idx="2"/>
+          </p:nvPr>
+        </p:nvSpPr>
+        <p:spPr>
+          <a:xfrm>
+            <a:off x="381000" y="685800"/>
+            <a:ext cx="6096000" cy="3429000"/>
+          </a:xfrm>
+          <a:custGeom>
+            <a:avLst/>
+            <a:gdLst/>
+            <a:ahLst/>
+            <a:cxnLst/>
+            <a:rect l="l" t="t" r="r" b="b"/>
+            <a:pathLst>
+              <a:path w="120000" h="120000" extrusionOk="0">
+                <a:moveTo>
+                  <a:pt x="0" y="0"/>
+                </a:moveTo>
+                <a:lnTo>
+                  <a:pt x="120000" y="0"/>
+                </a:lnTo>
+                <a:lnTo>
+                  <a:pt x="120000" y="120000"/>
+                </a:lnTo>
+                <a:lnTo>
+                  <a:pt x="0" y="120000"/>
+                </a:lnTo>
+                <a:close/>
+              </a:path>
+            </a:pathLst>
+          </a:custGeom>
+        </p:spPr>
+      </p:sp>
+      <p:sp>
+        <p:nvSpPr>
+          <p:cNvPr id="67" name="Google Shape;67;g1c8fb098ac3_1_16:notes"/>
+          <p:cNvSpPr txBox="1">
+            <a:spLocks noGrp="1"/>
+          </p:cNvSpPr>
+          <p:nvPr>
+            <p:ph type="body" idx="1"/>
+          </p:nvPr>
+        </p:nvSpPr>
+        <p:spPr>
+          <a:xfrm>
+            <a:off x="685800" y="4343400"/>
+            <a:ext cx="5486400" cy="4114800"/>
+          </a:xfrm>
+          <a:prstGeom prst="rect">
+            <a:avLst/>
+          </a:prstGeom>
+        </p:spPr>
+        <p:txBody>
+          <a:bodyPr spcFirstLastPara="1" wrap="square" lIns="91425" tIns="91425" rIns="91425" bIns="91425" anchor="t" anchorCtr="0">
+            <a:noAutofit/>
+          </a:bodyPr>
+          <a:lstStyle/>
+          <a:p>
+            <a:pPr marL="0" lvl="0" indent="0" algn="l" rtl="0">
+              <a:spcBef>
+                <a:spcPts val="0"/>
+              </a:spcBef>
+              <a:spcAft>
+                <a:spcPts val="0"/>
+              </a:spcAft>
+              <a:buNone/>
+            </a:pPr>
+            <a:endParaRPr/>
+          </a:p>
+        </p:txBody>
+      </p:sp>
+    </p:spTree>
+    <p:extLst>
+      <p:ext uri="{BB962C8B-B14F-4D97-AF65-F5344CB8AC3E}">
+        <p14:creationId xmlns:p14="http://schemas.microsoft.com/office/powerpoint/2010/main" val="2069143024"/>
+      </p:ext>
+    </p:extLst>
+  </p:cSld>
+  <p:clrMapOvr>
+    <a:masterClrMapping/>
+  </p:clrMapOvr>
+</p:notes>
+</file>
+
+<file path=ppt/notesSlides/notesSlide2.xml><?xml version="1.0" encoding="utf-8"?>
+<p:notes xmlns:a="http://schemas.openxmlformats.org/drawingml/2006/main" xmlns:r="http://schemas.openxmlformats.org/officeDocument/2006/relationships" xmlns:p="http://schemas.openxmlformats.org/presentationml/2006/main" showMasterSp="0" showMasterPhAnim="0">
+  <p:cSld>
+    <p:spTree>
+      <p:nvGrpSpPr>
+        <p:cNvPr id="1" name="Shape 65"/>
+        <p:cNvGrpSpPr/>
+        <p:nvPr/>
+      </p:nvGrpSpPr>
+      <p:grpSpPr>
+        <a:xfrm>
+          <a:off x="0" y="0"/>
+          <a:ext cx="0" cy="0"/>
+          <a:chOff x="0" y="0"/>
+          <a:chExt cx="0" cy="0"/>
+        </a:xfrm>
+      </p:grpSpPr>
+      <p:sp>
+        <p:nvSpPr>
+          <p:cNvPr id="66" name="Google Shape;66;g1c8fb098ac3_1_16:notes"/>
+          <p:cNvSpPr>
+            <a:spLocks noGrp="1" noRot="1" noChangeAspect="1"/>
+          </p:cNvSpPr>
+          <p:nvPr>
+            <p:ph type="sldImg" idx="2"/>
+          </p:nvPr>
+        </p:nvSpPr>
+        <p:spPr>
+          <a:xfrm>
+            <a:off x="381000" y="685800"/>
+            <a:ext cx="6096000" cy="3429000"/>
+          </a:xfrm>
+          <a:custGeom>
+            <a:avLst/>
+            <a:gdLst/>
+            <a:ahLst/>
+            <a:cxnLst/>
+            <a:rect l="l" t="t" r="r" b="b"/>
+            <a:pathLst>
+              <a:path w="120000" h="120000" extrusionOk="0">
+                <a:moveTo>
+                  <a:pt x="0" y="0"/>
+                </a:moveTo>
+                <a:lnTo>
+                  <a:pt x="120000" y="0"/>
+                </a:lnTo>
+                <a:lnTo>
+                  <a:pt x="120000" y="120000"/>
+                </a:lnTo>
+                <a:lnTo>
+                  <a:pt x="0" y="120000"/>
+                </a:lnTo>
+                <a:close/>
+              </a:path>
+            </a:pathLst>
+          </a:custGeom>
+        </p:spPr>
+      </p:sp>
+      <p:sp>
+        <p:nvSpPr>
+          <p:cNvPr id="67" name="Google Shape;67;g1c8fb098ac3_1_16:notes"/>
+          <p:cNvSpPr txBox="1">
+            <a:spLocks noGrp="1"/>
+          </p:cNvSpPr>
+          <p:nvPr>
+            <p:ph type="body" idx="1"/>
+          </p:nvPr>
+        </p:nvSpPr>
+        <p:spPr>
+          <a:xfrm>
+            <a:off x="685800" y="4343400"/>
+            <a:ext cx="5486400" cy="4114800"/>
+          </a:xfrm>
+          <a:prstGeom prst="rect">
+            <a:avLst/>
+          </a:prstGeom>
+        </p:spPr>
+        <p:txBody>
+          <a:bodyPr spcFirstLastPara="1" wrap="square" lIns="91425" tIns="91425" rIns="91425" bIns="91425" anchor="t" anchorCtr="0">
+            <a:noAutofit/>
+          </a:bodyPr>
+          <a:lstStyle/>
+          <a:p>
+            <a:pPr marL="0" lvl="0" indent="0" algn="l" rtl="0">
+              <a:spcBef>
+                <a:spcPts val="0"/>
+              </a:spcBef>
+              <a:spcAft>
+                <a:spcPts val="0"/>
+              </a:spcAft>
+              <a:buNone/>
+            </a:pPr>
+            <a:endParaRPr/>
+          </a:p>
+        </p:txBody>
+      </p:sp>
+    </p:spTree>
+  </p:cSld>
+  <p:clrMapOvr>
+    <a:masterClrMapping/>
+  </p:clrMapOvr>
+</p:notes>
+</file>
+
+<file path=ppt/notesSlides/notesSlide20.xml><?xml version="1.0" encoding="utf-8"?>
+<p:notes xmlns:a="http://schemas.openxmlformats.org/drawingml/2006/main" xmlns:r="http://schemas.openxmlformats.org/officeDocument/2006/relationships" xmlns:p="http://schemas.openxmlformats.org/presentationml/2006/main" showMasterSp="0" showMasterPhAnim="0">
+  <p:cSld>
+    <p:spTree>
+      <p:nvGrpSpPr>
+        <p:cNvPr id="1" name="Shape 65"/>
+        <p:cNvGrpSpPr/>
+        <p:nvPr/>
+      </p:nvGrpSpPr>
+      <p:grpSpPr>
+        <a:xfrm>
+          <a:off x="0" y="0"/>
+          <a:ext cx="0" cy="0"/>
+          <a:chOff x="0" y="0"/>
+          <a:chExt cx="0" cy="0"/>
+        </a:xfrm>
+      </p:grpSpPr>
+      <p:sp>
+        <p:nvSpPr>
+          <p:cNvPr id="66" name="Google Shape;66;g1c8fb098ac3_1_16:notes"/>
+          <p:cNvSpPr>
+            <a:spLocks noGrp="1" noRot="1" noChangeAspect="1"/>
+          </p:cNvSpPr>
+          <p:nvPr>
+            <p:ph type="sldImg" idx="2"/>
+          </p:nvPr>
+        </p:nvSpPr>
+        <p:spPr>
+          <a:xfrm>
+            <a:off x="381000" y="685800"/>
+            <a:ext cx="6096000" cy="3429000"/>
+          </a:xfrm>
+          <a:custGeom>
+            <a:avLst/>
+            <a:gdLst/>
+            <a:ahLst/>
+            <a:cxnLst/>
+            <a:rect l="l" t="t" r="r" b="b"/>
+            <a:pathLst>
+              <a:path w="120000" h="120000" extrusionOk="0">
+                <a:moveTo>
+                  <a:pt x="0" y="0"/>
+                </a:moveTo>
+                <a:lnTo>
+                  <a:pt x="120000" y="0"/>
+                </a:lnTo>
+                <a:lnTo>
+                  <a:pt x="120000" y="120000"/>
+                </a:lnTo>
+                <a:lnTo>
+                  <a:pt x="0" y="120000"/>
+                </a:lnTo>
+                <a:close/>
+              </a:path>
+            </a:pathLst>
+          </a:custGeom>
+        </p:spPr>
+      </p:sp>
+      <p:sp>
+        <p:nvSpPr>
+          <p:cNvPr id="67" name="Google Shape;67;g1c8fb098ac3_1_16:notes"/>
+          <p:cNvSpPr txBox="1">
+            <a:spLocks noGrp="1"/>
+          </p:cNvSpPr>
+          <p:nvPr>
+            <p:ph type="body" idx="1"/>
+          </p:nvPr>
+        </p:nvSpPr>
+        <p:spPr>
+          <a:xfrm>
+            <a:off x="685800" y="4343400"/>
+            <a:ext cx="5486400" cy="4114800"/>
+          </a:xfrm>
+          <a:prstGeom prst="rect">
+            <a:avLst/>
+          </a:prstGeom>
+        </p:spPr>
+        <p:txBody>
+          <a:bodyPr spcFirstLastPara="1" wrap="square" lIns="91425" tIns="91425" rIns="91425" bIns="91425" anchor="t" anchorCtr="0">
+            <a:noAutofit/>
+          </a:bodyPr>
+          <a:lstStyle/>
+          <a:p>
+            <a:pPr marL="0" lvl="0" indent="0" algn="l" rtl="0">
+              <a:spcBef>
+                <a:spcPts val="0"/>
+              </a:spcBef>
+              <a:spcAft>
+                <a:spcPts val="0"/>
+              </a:spcAft>
+              <a:buNone/>
+            </a:pPr>
+            <a:endParaRPr/>
+          </a:p>
+        </p:txBody>
+      </p:sp>
+    </p:spTree>
+    <p:extLst>
+      <p:ext uri="{BB962C8B-B14F-4D97-AF65-F5344CB8AC3E}">
+        <p14:creationId xmlns:p14="http://schemas.microsoft.com/office/powerpoint/2010/main" val="759422864"/>
+      </p:ext>
+    </p:extLst>
+  </p:cSld>
+  <p:clrMapOvr>
+    <a:masterClrMapping/>
+  </p:clrMapOvr>
+</p:notes>
+</file>
+
+<file path=ppt/notesSlides/notesSlide21.xml><?xml version="1.0" encoding="utf-8"?>
+<p:notes xmlns:a="http://schemas.openxmlformats.org/drawingml/2006/main" xmlns:r="http://schemas.openxmlformats.org/officeDocument/2006/relationships" xmlns:p="http://schemas.openxmlformats.org/presentationml/2006/main" showMasterSp="0" showMasterPhAnim="0">
+  <p:cSld>
+    <p:spTree>
+      <p:nvGrpSpPr>
+        <p:cNvPr id="1" name="Shape 65"/>
+        <p:cNvGrpSpPr/>
+        <p:nvPr/>
+      </p:nvGrpSpPr>
+      <p:grpSpPr>
+        <a:xfrm>
+          <a:off x="0" y="0"/>
+          <a:ext cx="0" cy="0"/>
+          <a:chOff x="0" y="0"/>
+          <a:chExt cx="0" cy="0"/>
+        </a:xfrm>
+      </p:grpSpPr>
+      <p:sp>
+        <p:nvSpPr>
+          <p:cNvPr id="66" name="Google Shape;66;g1c8fb098ac3_1_16:notes"/>
+          <p:cNvSpPr>
+            <a:spLocks noGrp="1" noRot="1" noChangeAspect="1"/>
+          </p:cNvSpPr>
+          <p:nvPr>
+            <p:ph type="sldImg" idx="2"/>
+          </p:nvPr>
+        </p:nvSpPr>
+        <p:spPr>
+          <a:xfrm>
+            <a:off x="381000" y="685800"/>
+            <a:ext cx="6096000" cy="3429000"/>
+          </a:xfrm>
+          <a:custGeom>
+            <a:avLst/>
+            <a:gdLst/>
+            <a:ahLst/>
+            <a:cxnLst/>
+            <a:rect l="l" t="t" r="r" b="b"/>
+            <a:pathLst>
+              <a:path w="120000" h="120000" extrusionOk="0">
+                <a:moveTo>
+                  <a:pt x="0" y="0"/>
+                </a:moveTo>
+                <a:lnTo>
+                  <a:pt x="120000" y="0"/>
+                </a:lnTo>
+                <a:lnTo>
+                  <a:pt x="120000" y="120000"/>
+                </a:lnTo>
+                <a:lnTo>
+                  <a:pt x="0" y="120000"/>
+                </a:lnTo>
+                <a:close/>
+              </a:path>
+            </a:pathLst>
+          </a:custGeom>
+        </p:spPr>
+      </p:sp>
+      <p:sp>
+        <p:nvSpPr>
+          <p:cNvPr id="67" name="Google Shape;67;g1c8fb098ac3_1_16:notes"/>
+          <p:cNvSpPr txBox="1">
+            <a:spLocks noGrp="1"/>
+          </p:cNvSpPr>
+          <p:nvPr>
+            <p:ph type="body" idx="1"/>
+          </p:nvPr>
+        </p:nvSpPr>
+        <p:spPr>
+          <a:xfrm>
+            <a:off x="685800" y="4343400"/>
+            <a:ext cx="5486400" cy="4114800"/>
+          </a:xfrm>
+          <a:prstGeom prst="rect">
+            <a:avLst/>
+          </a:prstGeom>
+        </p:spPr>
+        <p:txBody>
+          <a:bodyPr spcFirstLastPara="1" wrap="square" lIns="91425" tIns="91425" rIns="91425" bIns="91425" anchor="t" anchorCtr="0">
+            <a:noAutofit/>
+          </a:bodyPr>
+          <a:lstStyle/>
+          <a:p>
+            <a:pPr marL="0" lvl="0" indent="0" algn="l" rtl="0">
+              <a:spcBef>
+                <a:spcPts val="0"/>
+              </a:spcBef>
+              <a:spcAft>
+                <a:spcPts val="0"/>
+              </a:spcAft>
+              <a:buNone/>
+            </a:pPr>
+            <a:endParaRPr/>
+          </a:p>
+        </p:txBody>
+      </p:sp>
+    </p:spTree>
+    <p:extLst>
+      <p:ext uri="{BB962C8B-B14F-4D97-AF65-F5344CB8AC3E}">
+        <p14:creationId xmlns:p14="http://schemas.microsoft.com/office/powerpoint/2010/main" val="3095357853"/>
+      </p:ext>
+    </p:extLst>
+  </p:cSld>
+  <p:clrMapOvr>
+    <a:masterClrMapping/>
+  </p:clrMapOvr>
+</p:notes>
+</file>
+
+<file path=ppt/notesSlides/notesSlide22.xml><?xml version="1.0" encoding="utf-8"?>
+<p:notes xmlns:a="http://schemas.openxmlformats.org/drawingml/2006/main" xmlns:r="http://schemas.openxmlformats.org/officeDocument/2006/relationships" xmlns:p="http://schemas.openxmlformats.org/presentationml/2006/main" showMasterSp="0" showMasterPhAnim="0">
+  <p:cSld>
+    <p:spTree>
+      <p:nvGrpSpPr>
+        <p:cNvPr id="1" name="Shape 65"/>
+        <p:cNvGrpSpPr/>
+        <p:nvPr/>
+      </p:nvGrpSpPr>
+      <p:grpSpPr>
+        <a:xfrm>
+          <a:off x="0" y="0"/>
+          <a:ext cx="0" cy="0"/>
+          <a:chOff x="0" y="0"/>
+          <a:chExt cx="0" cy="0"/>
+        </a:xfrm>
+      </p:grpSpPr>
+      <p:sp>
+        <p:nvSpPr>
+          <p:cNvPr id="66" name="Google Shape;66;g1c8fb098ac3_1_16:notes"/>
+          <p:cNvSpPr>
+            <a:spLocks noGrp="1" noRot="1" noChangeAspect="1"/>
+          </p:cNvSpPr>
+          <p:nvPr>
+            <p:ph type="sldImg" idx="2"/>
+          </p:nvPr>
+        </p:nvSpPr>
+        <p:spPr>
+          <a:xfrm>
+            <a:off x="381000" y="685800"/>
+            <a:ext cx="6096000" cy="3429000"/>
+          </a:xfrm>
+          <a:custGeom>
+            <a:avLst/>
+            <a:gdLst/>
+            <a:ahLst/>
+            <a:cxnLst/>
+            <a:rect l="l" t="t" r="r" b="b"/>
+            <a:pathLst>
+              <a:path w="120000" h="120000" extrusionOk="0">
+                <a:moveTo>
+                  <a:pt x="0" y="0"/>
+                </a:moveTo>
+                <a:lnTo>
+                  <a:pt x="120000" y="0"/>
+                </a:lnTo>
+                <a:lnTo>
+                  <a:pt x="120000" y="120000"/>
+                </a:lnTo>
+                <a:lnTo>
+                  <a:pt x="0" y="120000"/>
+                </a:lnTo>
+                <a:close/>
+              </a:path>
+            </a:pathLst>
+          </a:custGeom>
+        </p:spPr>
+      </p:sp>
+      <p:sp>
+        <p:nvSpPr>
+          <p:cNvPr id="67" name="Google Shape;67;g1c8fb098ac3_1_16:notes"/>
+          <p:cNvSpPr txBox="1">
+            <a:spLocks noGrp="1"/>
+          </p:cNvSpPr>
+          <p:nvPr>
+            <p:ph type="body" idx="1"/>
+          </p:nvPr>
+        </p:nvSpPr>
+        <p:spPr>
+          <a:xfrm>
+            <a:off x="685800" y="4343400"/>
+            <a:ext cx="5486400" cy="4114800"/>
+          </a:xfrm>
+          <a:prstGeom prst="rect">
+            <a:avLst/>
+          </a:prstGeom>
+        </p:spPr>
+        <p:txBody>
+          <a:bodyPr spcFirstLastPara="1" wrap="square" lIns="91425" tIns="91425" rIns="91425" bIns="91425" anchor="t" anchorCtr="0">
+            <a:noAutofit/>
+          </a:bodyPr>
+          <a:lstStyle/>
+          <a:p>
+            <a:pPr marL="0" lvl="0" indent="0" algn="l" rtl="0">
+              <a:spcBef>
+                <a:spcPts val="0"/>
+              </a:spcBef>
+              <a:spcAft>
+                <a:spcPts val="0"/>
+              </a:spcAft>
+              <a:buNone/>
+            </a:pPr>
+            <a:endParaRPr/>
+          </a:p>
+        </p:txBody>
+      </p:sp>
+    </p:spTree>
+    <p:extLst>
+      <p:ext uri="{BB962C8B-B14F-4D97-AF65-F5344CB8AC3E}">
         <p14:creationId xmlns:p14="http://schemas.microsoft.com/office/powerpoint/2010/main" val="3738362369"/>
       </p:ext>
     </p:extLst>
@@ -1556,7 +2430,7 @@
 </p:notes>
 </file>
 
-<file path=ppt/notesSlides/notesSlide16.xml><?xml version="1.0" encoding="utf-8"?>
+<file path=ppt/notesSlides/notesSlide23.xml><?xml version="1.0" encoding="utf-8"?>
 <p:notes xmlns:a="http://schemas.openxmlformats.org/drawingml/2006/main" xmlns:r="http://schemas.openxmlformats.org/officeDocument/2006/relationships" xmlns:p="http://schemas.openxmlformats.org/presentationml/2006/main" showMasterSp="0" showMasterPhAnim="0">
   <p:cSld>
     <p:spTree>
@@ -1660,7 +2534,7 @@
 </p:notes>
 </file>
 
-<file path=ppt/notesSlides/notesSlide17.xml><?xml version="1.0" encoding="utf-8"?>
+<file path=ppt/notesSlides/notesSlide24.xml><?xml version="1.0" encoding="utf-8"?>
 <p:notes xmlns:a="http://schemas.openxmlformats.org/drawingml/2006/main" xmlns:r="http://schemas.openxmlformats.org/officeDocument/2006/relationships" xmlns:p="http://schemas.openxmlformats.org/presentationml/2006/main" showMasterSp="0" showMasterPhAnim="0">
   <p:cSld>
     <p:spTree>
@@ -1721,110 +2595,6 @@
       <p:sp>
         <p:nvSpPr>
           <p:cNvPr id="191" name="Google Shape;191;g1c8fb098ac3_1_84:notes"/>
-          <p:cNvSpPr txBox="1">
-            <a:spLocks noGrp="1"/>
-          </p:cNvSpPr>
-          <p:nvPr>
-            <p:ph type="body" idx="1"/>
-          </p:nvPr>
-        </p:nvSpPr>
-        <p:spPr>
-          <a:xfrm>
-            <a:off x="685800" y="4343400"/>
-            <a:ext cx="5486400" cy="4114800"/>
-          </a:xfrm>
-          <a:prstGeom prst="rect">
-            <a:avLst/>
-          </a:prstGeom>
-        </p:spPr>
-        <p:txBody>
-          <a:bodyPr spcFirstLastPara="1" wrap="square" lIns="91425" tIns="91425" rIns="91425" bIns="91425" anchor="t" anchorCtr="0">
-            <a:noAutofit/>
-          </a:bodyPr>
-          <a:lstStyle/>
-          <a:p>
-            <a:pPr marL="0" lvl="0" indent="0" algn="l" rtl="0">
-              <a:spcBef>
-                <a:spcPts val="0"/>
-              </a:spcBef>
-              <a:spcAft>
-                <a:spcPts val="0"/>
-              </a:spcAft>
-              <a:buNone/>
-            </a:pPr>
-            <a:endParaRPr/>
-          </a:p>
-        </p:txBody>
-      </p:sp>
-    </p:spTree>
-  </p:cSld>
-  <p:clrMapOvr>
-    <a:masterClrMapping/>
-  </p:clrMapOvr>
-</p:notes>
-</file>
-
-<file path=ppt/notesSlides/notesSlide2.xml><?xml version="1.0" encoding="utf-8"?>
-<p:notes xmlns:a="http://schemas.openxmlformats.org/drawingml/2006/main" xmlns:r="http://schemas.openxmlformats.org/officeDocument/2006/relationships" xmlns:p="http://schemas.openxmlformats.org/presentationml/2006/main" showMasterSp="0" showMasterPhAnim="0">
-  <p:cSld>
-    <p:spTree>
-      <p:nvGrpSpPr>
-        <p:cNvPr id="1" name="Shape 65"/>
-        <p:cNvGrpSpPr/>
-        <p:nvPr/>
-      </p:nvGrpSpPr>
-      <p:grpSpPr>
-        <a:xfrm>
-          <a:off x="0" y="0"/>
-          <a:ext cx="0" cy="0"/>
-          <a:chOff x="0" y="0"/>
-          <a:chExt cx="0" cy="0"/>
-        </a:xfrm>
-      </p:grpSpPr>
-      <p:sp>
-        <p:nvSpPr>
-          <p:cNvPr id="66" name="Google Shape;66;g1c8fb098ac3_1_16:notes"/>
-          <p:cNvSpPr>
-            <a:spLocks noGrp="1" noRot="1" noChangeAspect="1"/>
-          </p:cNvSpPr>
-          <p:nvPr>
-            <p:ph type="sldImg" idx="2"/>
-          </p:nvPr>
-        </p:nvSpPr>
-        <p:spPr>
-          <a:xfrm>
-            <a:off x="381000" y="685800"/>
-            <a:ext cx="6096000" cy="3429000"/>
-          </a:xfrm>
-          <a:custGeom>
-            <a:avLst/>
-            <a:gdLst/>
-            <a:ahLst/>
-            <a:cxnLst/>
-            <a:rect l="l" t="t" r="r" b="b"/>
-            <a:pathLst>
-              <a:path w="120000" h="120000" extrusionOk="0">
-                <a:moveTo>
-                  <a:pt x="0" y="0"/>
-                </a:moveTo>
-                <a:lnTo>
-                  <a:pt x="120000" y="0"/>
-                </a:lnTo>
-                <a:lnTo>
-                  <a:pt x="120000" y="120000"/>
-                </a:lnTo>
-                <a:lnTo>
-                  <a:pt x="0" y="120000"/>
-                </a:lnTo>
-                <a:close/>
-              </a:path>
-            </a:pathLst>
-          </a:custGeom>
-        </p:spPr>
-      </p:sp>
-      <p:sp>
-        <p:nvSpPr>
-          <p:cNvPr id="67" name="Google Shape;67;g1c8fb098ac3_1_16:notes"/>
           <p:cNvSpPr txBox="1">
             <a:spLocks noGrp="1"/>
           </p:cNvSpPr>
@@ -2294,7 +3064,7 @@
     </p:spTree>
     <p:extLst>
       <p:ext uri="{BB962C8B-B14F-4D97-AF65-F5344CB8AC3E}">
-        <p14:creationId xmlns:p14="http://schemas.microsoft.com/office/powerpoint/2010/main" val="1993210493"/>
+        <p14:creationId xmlns:p14="http://schemas.microsoft.com/office/powerpoint/2010/main" val="1427862096"/>
       </p:ext>
     </p:extLst>
   </p:cSld>
@@ -2403,7 +3173,7 @@
     </p:spTree>
     <p:extLst>
       <p:ext uri="{BB962C8B-B14F-4D97-AF65-F5344CB8AC3E}">
-        <p14:creationId xmlns:p14="http://schemas.microsoft.com/office/powerpoint/2010/main" val="4104187014"/>
+        <p14:creationId xmlns:p14="http://schemas.microsoft.com/office/powerpoint/2010/main" val="2524513911"/>
       </p:ext>
     </p:extLst>
   </p:cSld>
@@ -2512,7 +3282,7 @@
     </p:spTree>
     <p:extLst>
       <p:ext uri="{BB962C8B-B14F-4D97-AF65-F5344CB8AC3E}">
-        <p14:creationId xmlns:p14="http://schemas.microsoft.com/office/powerpoint/2010/main" val="768355354"/>
+        <p14:creationId xmlns:p14="http://schemas.microsoft.com/office/powerpoint/2010/main" val="1993210493"/>
       </p:ext>
     </p:extLst>
   </p:cSld>
@@ -2621,7 +3391,7 @@
     </p:spTree>
     <p:extLst>
       <p:ext uri="{BB962C8B-B14F-4D97-AF65-F5344CB8AC3E}">
-        <p14:creationId xmlns:p14="http://schemas.microsoft.com/office/powerpoint/2010/main" val="2474702192"/>
+        <p14:creationId xmlns:p14="http://schemas.microsoft.com/office/powerpoint/2010/main" val="4104187014"/>
       </p:ext>
     </p:extLst>
   </p:cSld>
@@ -7504,6 +8274,515 @@
                 <a:latin typeface="Times New Roman" panose="02020603050405020304" pitchFamily="18" charset="0"/>
                 <a:cs typeface="Times New Roman" panose="02020603050405020304" pitchFamily="18" charset="0"/>
               </a:rPr>
+              <a:t>System Design Diagram:</a:t>
+            </a:r>
+          </a:p>
+          <a:p>
+            <a:endParaRPr lang="en-US" sz="2400" b="1" dirty="0">
+              <a:latin typeface="Times New Roman" panose="02020603050405020304" pitchFamily="18" charset="0"/>
+              <a:cs typeface="Times New Roman" panose="02020603050405020304" pitchFamily="18" charset="0"/>
+            </a:endParaRPr>
+          </a:p>
+        </p:txBody>
+      </p:sp>
+      <p:sp>
+        <p:nvSpPr>
+          <p:cNvPr id="71" name="Google Shape;71;p15"/>
+          <p:cNvSpPr txBox="1">
+            <a:spLocks noGrp="1"/>
+          </p:cNvSpPr>
+          <p:nvPr>
+            <p:ph type="title" idx="4294967295"/>
+          </p:nvPr>
+        </p:nvSpPr>
+        <p:spPr>
+          <a:xfrm>
+            <a:off x="2537100" y="188723"/>
+            <a:ext cx="4069800" cy="514500"/>
+          </a:xfrm>
+          <a:prstGeom prst="rect">
+            <a:avLst/>
+          </a:prstGeom>
+          <a:noFill/>
+          <a:ln>
+            <a:noFill/>
+          </a:ln>
+        </p:spPr>
+        <p:txBody>
+          <a:bodyPr spcFirstLastPara="1" wrap="square" lIns="0" tIns="6350" rIns="0" bIns="0" anchor="t" anchorCtr="0">
+            <a:spAutoFit/>
+          </a:bodyPr>
+          <a:lstStyle/>
+          <a:p>
+            <a:pPr marL="12700" lvl="0" indent="0" algn="ctr" rtl="0">
+              <a:lnSpc>
+                <a:spcPct val="100000"/>
+              </a:lnSpc>
+              <a:spcBef>
+                <a:spcPts val="0"/>
+              </a:spcBef>
+              <a:spcAft>
+                <a:spcPts val="0"/>
+              </a:spcAft>
+              <a:buSzPts val="2800"/>
+              <a:buNone/>
+            </a:pPr>
+            <a:r>
+              <a:rPr lang="en-GB" sz="3200" dirty="0">
+                <a:latin typeface="Times New Roman" panose="02020603050405020304" pitchFamily="18" charset="0"/>
+                <a:ea typeface="Lucida Sans" panose="020B0602030504020204"/>
+                <a:cs typeface="Times New Roman" panose="02020603050405020304" pitchFamily="18" charset="0"/>
+                <a:sym typeface="Lucida Sans" panose="020B0602030504020204"/>
+              </a:rPr>
+              <a:t>Proposed System</a:t>
+            </a:r>
+            <a:endParaRPr sz="3200" dirty="0">
+              <a:latin typeface="Times New Roman" panose="02020603050405020304" pitchFamily="18" charset="0"/>
+              <a:ea typeface="Lucida Sans" panose="020B0602030504020204"/>
+              <a:cs typeface="Times New Roman" panose="02020603050405020304" pitchFamily="18" charset="0"/>
+              <a:sym typeface="Lucida Sans" panose="020B0602030504020204"/>
+            </a:endParaRPr>
+          </a:p>
+        </p:txBody>
+      </p:sp>
+      <p:pic>
+        <p:nvPicPr>
+          <p:cNvPr id="3" name="Picture 2">
+            <a:extLst>
+              <a:ext uri="{FF2B5EF4-FFF2-40B4-BE49-F238E27FC236}">
+                <a16:creationId xmlns:a16="http://schemas.microsoft.com/office/drawing/2014/main" id="{A52A713B-A6CD-5092-B942-D67A3EBA5186}"/>
+              </a:ext>
+            </a:extLst>
+          </p:cNvPr>
+          <p:cNvPicPr>
+            <a:picLocks noChangeAspect="1"/>
+          </p:cNvPicPr>
+          <p:nvPr/>
+        </p:nvPicPr>
+        <p:blipFill>
+          <a:blip r:embed="rId4"/>
+          <a:stretch>
+            <a:fillRect/>
+          </a:stretch>
+        </p:blipFill>
+        <p:spPr>
+          <a:xfrm>
+            <a:off x="170327" y="1769791"/>
+            <a:ext cx="8820001" cy="2758723"/>
+          </a:xfrm>
+          <a:prstGeom prst="rect">
+            <a:avLst/>
+          </a:prstGeom>
+        </p:spPr>
+      </p:pic>
+    </p:spTree>
+    <p:extLst>
+      <p:ext uri="{BB962C8B-B14F-4D97-AF65-F5344CB8AC3E}">
+        <p14:creationId xmlns:p14="http://schemas.microsoft.com/office/powerpoint/2010/main" val="4207119221"/>
+      </p:ext>
+    </p:extLst>
+  </p:cSld>
+  <p:clrMapOvr>
+    <a:masterClrMapping/>
+  </p:clrMapOvr>
+</p:sld>
+</file>
+
+<file path=ppt/slides/slide11.xml><?xml version="1.0" encoding="utf-8"?>
+<p:sld xmlns:a="http://schemas.openxmlformats.org/drawingml/2006/main" xmlns:r="http://schemas.openxmlformats.org/officeDocument/2006/relationships" xmlns:p="http://schemas.openxmlformats.org/presentationml/2006/main">
+  <p:cSld>
+    <p:spTree>
+      <p:nvGrpSpPr>
+        <p:cNvPr id="1" name="Shape 68"/>
+        <p:cNvGrpSpPr/>
+        <p:nvPr/>
+      </p:nvGrpSpPr>
+      <p:grpSpPr>
+        <a:xfrm>
+          <a:off x="0" y="0"/>
+          <a:ext cx="0" cy="0"/>
+          <a:chOff x="0" y="0"/>
+          <a:chExt cx="0" cy="0"/>
+        </a:xfrm>
+      </p:grpSpPr>
+      <p:pic>
+        <p:nvPicPr>
+          <p:cNvPr id="69" name="Google Shape;69;p15"/>
+          <p:cNvPicPr preferRelativeResize="0"/>
+          <p:nvPr/>
+        </p:nvPicPr>
+        <p:blipFill rotWithShape="1">
+          <a:blip r:embed="rId3"/>
+          <a:srcRect/>
+          <a:stretch>
+            <a:fillRect/>
+          </a:stretch>
+        </p:blipFill>
+        <p:spPr>
+          <a:xfrm>
+            <a:off x="170327" y="218750"/>
+            <a:ext cx="1968300" cy="666875"/>
+          </a:xfrm>
+          <a:prstGeom prst="rect">
+            <a:avLst/>
+          </a:prstGeom>
+          <a:noFill/>
+          <a:ln>
+            <a:noFill/>
+          </a:ln>
+        </p:spPr>
+      </p:pic>
+      <p:sp>
+        <p:nvSpPr>
+          <p:cNvPr id="70" name="Google Shape;70;p15"/>
+          <p:cNvSpPr txBox="1"/>
+          <p:nvPr/>
+        </p:nvSpPr>
+        <p:spPr>
+          <a:xfrm>
+            <a:off x="243293" y="1071049"/>
+            <a:ext cx="8657414" cy="3293179"/>
+          </a:xfrm>
+          <a:prstGeom prst="rect">
+            <a:avLst/>
+          </a:prstGeom>
+          <a:noFill/>
+          <a:ln>
+            <a:noFill/>
+          </a:ln>
+        </p:spPr>
+        <p:txBody>
+          <a:bodyPr spcFirstLastPara="1" wrap="square" lIns="91425" tIns="91425" rIns="91425" bIns="91425" anchor="t" anchorCtr="0">
+            <a:spAutoFit/>
+          </a:bodyPr>
+          <a:lstStyle/>
+          <a:p>
+            <a:r>
+              <a:rPr lang="en-US" sz="2400" b="1" dirty="0">
+                <a:latin typeface="Times New Roman" panose="02020603050405020304" pitchFamily="18" charset="0"/>
+                <a:cs typeface="Times New Roman" panose="02020603050405020304" pitchFamily="18" charset="0"/>
+              </a:rPr>
+              <a:t>Architecture:</a:t>
+            </a:r>
+          </a:p>
+          <a:p>
+            <a:endParaRPr lang="en-US" sz="2400" b="1" dirty="0">
+              <a:latin typeface="Times New Roman" panose="02020603050405020304" pitchFamily="18" charset="0"/>
+              <a:cs typeface="Times New Roman" panose="02020603050405020304" pitchFamily="18" charset="0"/>
+            </a:endParaRPr>
+          </a:p>
+          <a:p>
+            <a:r>
+              <a:rPr lang="en-US" dirty="0">
+                <a:latin typeface="Times New Roman" panose="02020603050405020304" pitchFamily="18" charset="0"/>
+                <a:cs typeface="Times New Roman" panose="02020603050405020304" pitchFamily="18" charset="0"/>
+              </a:rPr>
+              <a:t>The </a:t>
+            </a:r>
+            <a:r>
+              <a:rPr lang="en-US" b="1" dirty="0">
+                <a:latin typeface="Times New Roman" panose="02020603050405020304" pitchFamily="18" charset="0"/>
+                <a:cs typeface="Times New Roman" panose="02020603050405020304" pitchFamily="18" charset="0"/>
+              </a:rPr>
+              <a:t>Architecture Diagram</a:t>
+            </a:r>
+            <a:r>
+              <a:rPr lang="en-US" dirty="0">
+                <a:latin typeface="Times New Roman" panose="02020603050405020304" pitchFamily="18" charset="0"/>
+                <a:cs typeface="Times New Roman" panose="02020603050405020304" pitchFamily="18" charset="0"/>
+              </a:rPr>
+              <a:t> for </a:t>
+            </a:r>
+            <a:r>
+              <a:rPr lang="en-US" dirty="0" err="1">
+                <a:latin typeface="Times New Roman" panose="02020603050405020304" pitchFamily="18" charset="0"/>
+                <a:cs typeface="Times New Roman" panose="02020603050405020304" pitchFamily="18" charset="0"/>
+              </a:rPr>
+              <a:t>FASTChain</a:t>
+            </a:r>
+            <a:r>
+              <a:rPr lang="en-US" dirty="0">
+                <a:latin typeface="Times New Roman" panose="02020603050405020304" pitchFamily="18" charset="0"/>
+                <a:cs typeface="Times New Roman" panose="02020603050405020304" pitchFamily="18" charset="0"/>
+              </a:rPr>
+              <a:t> demonstrates a layered and modular design that ensures security, scalability, and user-friendliness. At the </a:t>
+            </a:r>
+            <a:r>
+              <a:rPr lang="en-US" b="1" dirty="0">
+                <a:latin typeface="Times New Roman" panose="02020603050405020304" pitchFamily="18" charset="0"/>
+                <a:cs typeface="Times New Roman" panose="02020603050405020304" pitchFamily="18" charset="0"/>
+              </a:rPr>
+              <a:t>User Interaction Layer</a:t>
+            </a:r>
+            <a:r>
+              <a:rPr lang="en-US" dirty="0">
+                <a:latin typeface="Times New Roman" panose="02020603050405020304" pitchFamily="18" charset="0"/>
+                <a:cs typeface="Times New Roman" panose="02020603050405020304" pitchFamily="18" charset="0"/>
+              </a:rPr>
+              <a:t>, users interact with the system through a web application for Anon-Aadhaar login, </a:t>
+            </a:r>
+            <a:r>
+              <a:rPr lang="en-US" dirty="0" err="1">
+                <a:latin typeface="Times New Roman" panose="02020603050405020304" pitchFamily="18" charset="0"/>
+                <a:cs typeface="Times New Roman" panose="02020603050405020304" pitchFamily="18" charset="0"/>
+              </a:rPr>
+              <a:t>FASTag</a:t>
+            </a:r>
+            <a:r>
+              <a:rPr lang="en-US" dirty="0">
+                <a:latin typeface="Times New Roman" panose="02020603050405020304" pitchFamily="18" charset="0"/>
+                <a:cs typeface="Times New Roman" panose="02020603050405020304" pitchFamily="18" charset="0"/>
+              </a:rPr>
+              <a:t> registration, and wallet top-ups or balance monitoring. This layer connects to the </a:t>
+            </a:r>
+            <a:r>
+              <a:rPr lang="en-US" b="1" dirty="0">
+                <a:latin typeface="Times New Roman" panose="02020603050405020304" pitchFamily="18" charset="0"/>
+                <a:cs typeface="Times New Roman" panose="02020603050405020304" pitchFamily="18" charset="0"/>
+              </a:rPr>
+              <a:t>Service Layer</a:t>
+            </a:r>
+            <a:r>
+              <a:rPr lang="en-US" dirty="0">
+                <a:latin typeface="Times New Roman" panose="02020603050405020304" pitchFamily="18" charset="0"/>
+                <a:cs typeface="Times New Roman" panose="02020603050405020304" pitchFamily="18" charset="0"/>
+              </a:rPr>
+              <a:t>, which handles core operations like authentication, registration, and wallet management via dedicated services. The </a:t>
+            </a:r>
+            <a:r>
+              <a:rPr lang="en-US" b="1" dirty="0">
+                <a:latin typeface="Times New Roman" panose="02020603050405020304" pitchFamily="18" charset="0"/>
+                <a:cs typeface="Times New Roman" panose="02020603050405020304" pitchFamily="18" charset="0"/>
+              </a:rPr>
+              <a:t>RFID and Toll Plaza Layer</a:t>
+            </a:r>
+            <a:r>
+              <a:rPr lang="en-US" dirty="0">
+                <a:latin typeface="Times New Roman" panose="02020603050405020304" pitchFamily="18" charset="0"/>
+                <a:cs typeface="Times New Roman" panose="02020603050405020304" pitchFamily="18" charset="0"/>
+              </a:rPr>
+              <a:t> facilitates toll payment processing, where RFID readers identify vehicles using </a:t>
+            </a:r>
+            <a:r>
+              <a:rPr lang="en-US" dirty="0" err="1">
+                <a:latin typeface="Times New Roman" panose="02020603050405020304" pitchFamily="18" charset="0"/>
+                <a:cs typeface="Times New Roman" panose="02020603050405020304" pitchFamily="18" charset="0"/>
+              </a:rPr>
+              <a:t>FASTag</a:t>
+            </a:r>
+            <a:r>
+              <a:rPr lang="en-US" dirty="0">
+                <a:latin typeface="Times New Roman" panose="02020603050405020304" pitchFamily="18" charset="0"/>
+                <a:cs typeface="Times New Roman" panose="02020603050405020304" pitchFamily="18" charset="0"/>
+              </a:rPr>
+              <a:t> IDs and forward payment requests to the blockchain. At the </a:t>
+            </a:r>
+            <a:r>
+              <a:rPr lang="en-US" b="1" dirty="0">
+                <a:latin typeface="Times New Roman" panose="02020603050405020304" pitchFamily="18" charset="0"/>
+                <a:cs typeface="Times New Roman" panose="02020603050405020304" pitchFamily="18" charset="0"/>
+              </a:rPr>
+              <a:t>Blockchain Layer</a:t>
+            </a:r>
+            <a:r>
+              <a:rPr lang="en-US" dirty="0">
+                <a:latin typeface="Times New Roman" panose="02020603050405020304" pitchFamily="18" charset="0"/>
+                <a:cs typeface="Times New Roman" panose="02020603050405020304" pitchFamily="18" charset="0"/>
+              </a:rPr>
+              <a:t>, smart contracts such as </a:t>
+            </a:r>
+            <a:r>
+              <a:rPr lang="en-US" dirty="0" err="1">
+                <a:latin typeface="Times New Roman" panose="02020603050405020304" pitchFamily="18" charset="0"/>
+                <a:cs typeface="Times New Roman" panose="02020603050405020304" pitchFamily="18" charset="0"/>
+              </a:rPr>
+              <a:t>UserWallet.sol</a:t>
+            </a:r>
+            <a:r>
+              <a:rPr lang="en-US" dirty="0">
+                <a:latin typeface="Times New Roman" panose="02020603050405020304" pitchFamily="18" charset="0"/>
+                <a:cs typeface="Times New Roman" panose="02020603050405020304" pitchFamily="18" charset="0"/>
+              </a:rPr>
+              <a:t>, </a:t>
+            </a:r>
+            <a:r>
+              <a:rPr lang="en-US" dirty="0" err="1">
+                <a:latin typeface="Times New Roman" panose="02020603050405020304" pitchFamily="18" charset="0"/>
+                <a:cs typeface="Times New Roman" panose="02020603050405020304" pitchFamily="18" charset="0"/>
+              </a:rPr>
+              <a:t>WalletManager.sol</a:t>
+            </a:r>
+            <a:r>
+              <a:rPr lang="en-US" dirty="0">
+                <a:latin typeface="Times New Roman" panose="02020603050405020304" pitchFamily="18" charset="0"/>
+                <a:cs typeface="Times New Roman" panose="02020603050405020304" pitchFamily="18" charset="0"/>
+              </a:rPr>
+              <a:t>, and the Paymaster Contract handle transaction logic, gasless operations, and wallet management, while the blockchain ledger stores immutable transaction records for transparency and dispute resolution. Lastly, the </a:t>
+            </a:r>
+            <a:r>
+              <a:rPr lang="en-US" b="1" dirty="0">
+                <a:latin typeface="Times New Roman" panose="02020603050405020304" pitchFamily="18" charset="0"/>
+                <a:cs typeface="Times New Roman" panose="02020603050405020304" pitchFamily="18" charset="0"/>
+              </a:rPr>
+              <a:t>Cross-Chain Integration Layer</a:t>
+            </a:r>
+            <a:r>
+              <a:rPr lang="en-US" dirty="0">
+                <a:latin typeface="Times New Roman" panose="02020603050405020304" pitchFamily="18" charset="0"/>
+                <a:cs typeface="Times New Roman" panose="02020603050405020304" pitchFamily="18" charset="0"/>
+              </a:rPr>
+              <a:t> supports wallet top-ups via fiat or cryptocurrency and enables multi-chain payment compatibility through a payment gateway. The interconnected layers ensure a seamless, secure, and decentralized toll collection experience.</a:t>
+            </a:r>
+          </a:p>
+        </p:txBody>
+      </p:sp>
+      <p:sp>
+        <p:nvSpPr>
+          <p:cNvPr id="71" name="Google Shape;71;p15"/>
+          <p:cNvSpPr txBox="1">
+            <a:spLocks noGrp="1"/>
+          </p:cNvSpPr>
+          <p:nvPr>
+            <p:ph type="title" idx="4294967295"/>
+          </p:nvPr>
+        </p:nvSpPr>
+        <p:spPr>
+          <a:xfrm>
+            <a:off x="2537100" y="188723"/>
+            <a:ext cx="4069800" cy="514500"/>
+          </a:xfrm>
+          <a:prstGeom prst="rect">
+            <a:avLst/>
+          </a:prstGeom>
+          <a:noFill/>
+          <a:ln>
+            <a:noFill/>
+          </a:ln>
+        </p:spPr>
+        <p:txBody>
+          <a:bodyPr spcFirstLastPara="1" wrap="square" lIns="0" tIns="6350" rIns="0" bIns="0" anchor="t" anchorCtr="0">
+            <a:spAutoFit/>
+          </a:bodyPr>
+          <a:lstStyle/>
+          <a:p>
+            <a:pPr marL="12700" lvl="0" indent="0" algn="ctr" rtl="0">
+              <a:lnSpc>
+                <a:spcPct val="100000"/>
+              </a:lnSpc>
+              <a:spcBef>
+                <a:spcPts val="0"/>
+              </a:spcBef>
+              <a:spcAft>
+                <a:spcPts val="0"/>
+              </a:spcAft>
+              <a:buSzPts val="2800"/>
+              <a:buNone/>
+            </a:pPr>
+            <a:r>
+              <a:rPr lang="en-GB" sz="3200" dirty="0">
+                <a:latin typeface="Times New Roman" panose="02020603050405020304" pitchFamily="18" charset="0"/>
+                <a:ea typeface="Lucida Sans" panose="020B0602030504020204"/>
+                <a:cs typeface="Times New Roman" panose="02020603050405020304" pitchFamily="18" charset="0"/>
+                <a:sym typeface="Lucida Sans" panose="020B0602030504020204"/>
+              </a:rPr>
+              <a:t>Proposed System</a:t>
+            </a:r>
+            <a:endParaRPr sz="3200" dirty="0">
+              <a:latin typeface="Times New Roman" panose="02020603050405020304" pitchFamily="18" charset="0"/>
+              <a:ea typeface="Lucida Sans" panose="020B0602030504020204"/>
+              <a:cs typeface="Times New Roman" panose="02020603050405020304" pitchFamily="18" charset="0"/>
+              <a:sym typeface="Lucida Sans" panose="020B0602030504020204"/>
+            </a:endParaRPr>
+          </a:p>
+        </p:txBody>
+      </p:sp>
+    </p:spTree>
+    <p:extLst>
+      <p:ext uri="{BB962C8B-B14F-4D97-AF65-F5344CB8AC3E}">
+        <p14:creationId xmlns:p14="http://schemas.microsoft.com/office/powerpoint/2010/main" val="2602786689"/>
+      </p:ext>
+    </p:extLst>
+  </p:cSld>
+  <p:clrMapOvr>
+    <a:masterClrMapping/>
+  </p:clrMapOvr>
+</p:sld>
+</file>
+
+<file path=ppt/slides/slide12.xml><?xml version="1.0" encoding="utf-8"?>
+<p:sld xmlns:a="http://schemas.openxmlformats.org/drawingml/2006/main" xmlns:r="http://schemas.openxmlformats.org/officeDocument/2006/relationships" xmlns:p="http://schemas.openxmlformats.org/presentationml/2006/main">
+  <p:cSld>
+    <p:spTree>
+      <p:nvGrpSpPr>
+        <p:cNvPr id="1" name="Shape 68"/>
+        <p:cNvGrpSpPr/>
+        <p:nvPr/>
+      </p:nvGrpSpPr>
+      <p:grpSpPr>
+        <a:xfrm>
+          <a:off x="0" y="0"/>
+          <a:ext cx="0" cy="0"/>
+          <a:chOff x="0" y="0"/>
+          <a:chExt cx="0" cy="0"/>
+        </a:xfrm>
+      </p:grpSpPr>
+      <p:pic>
+        <p:nvPicPr>
+          <p:cNvPr id="69" name="Google Shape;69;p15"/>
+          <p:cNvPicPr preferRelativeResize="0"/>
+          <p:nvPr/>
+        </p:nvPicPr>
+        <p:blipFill rotWithShape="1">
+          <a:blip r:embed="rId3"/>
+          <a:srcRect/>
+          <a:stretch>
+            <a:fillRect/>
+          </a:stretch>
+        </p:blipFill>
+        <p:spPr>
+          <a:xfrm>
+            <a:off x="170327" y="218750"/>
+            <a:ext cx="1968300" cy="666875"/>
+          </a:xfrm>
+          <a:prstGeom prst="rect">
+            <a:avLst/>
+          </a:prstGeom>
+          <a:noFill/>
+          <a:ln>
+            <a:noFill/>
+          </a:ln>
+        </p:spPr>
+      </p:pic>
+      <p:sp>
+        <p:nvSpPr>
+          <p:cNvPr id="70" name="Google Shape;70;p15"/>
+          <p:cNvSpPr txBox="1"/>
+          <p:nvPr/>
+        </p:nvSpPr>
+        <p:spPr>
+          <a:xfrm>
+            <a:off x="243293" y="1071049"/>
+            <a:ext cx="8657414" cy="923299"/>
+          </a:xfrm>
+          <a:prstGeom prst="rect">
+            <a:avLst/>
+          </a:prstGeom>
+          <a:noFill/>
+          <a:ln>
+            <a:noFill/>
+          </a:ln>
+        </p:spPr>
+        <p:txBody>
+          <a:bodyPr spcFirstLastPara="1" wrap="square" lIns="91425" tIns="91425" rIns="91425" bIns="91425" anchor="t" anchorCtr="0">
+            <a:spAutoFit/>
+          </a:bodyPr>
+          <a:lstStyle/>
+          <a:p>
+            <a:r>
+              <a:rPr lang="en-US" sz="2400" b="1" dirty="0">
+                <a:latin typeface="Times New Roman" panose="02020603050405020304" pitchFamily="18" charset="0"/>
+                <a:cs typeface="Times New Roman" panose="02020603050405020304" pitchFamily="18" charset="0"/>
+              </a:rPr>
               <a:t>Architecture Diagram:</a:t>
             </a:r>
           </a:p>
@@ -7618,7 +8897,7 @@
 </p:sld>
 </file>
 
-<file path=ppt/slides/slide11.xml><?xml version="1.0" encoding="utf-8"?>
+<file path=ppt/slides/slide13.xml><?xml version="1.0" encoding="utf-8"?>
 <p:sld xmlns:a="http://schemas.openxmlformats.org/drawingml/2006/main" xmlns:r="http://schemas.openxmlformats.org/officeDocument/2006/relationships" xmlns:p="http://schemas.openxmlformats.org/presentationml/2006/main">
   <p:cSld>
     <p:spTree>
@@ -7989,7 +9268,7 @@
 </p:sld>
 </file>
 
-<file path=ppt/slides/slide12.xml><?xml version="1.0" encoding="utf-8"?>
+<file path=ppt/slides/slide14.xml><?xml version="1.0" encoding="utf-8"?>
 <p:sld xmlns:a="http://schemas.openxmlformats.org/drawingml/2006/main" xmlns:r="http://schemas.openxmlformats.org/officeDocument/2006/relationships" xmlns:p="http://schemas.openxmlformats.org/presentationml/2006/main">
   <p:cSld>
     <p:spTree>
@@ -8388,7 +9667,7 @@
 </p:sld>
 </file>
 
-<file path=ppt/slides/slide13.xml><?xml version="1.0" encoding="utf-8"?>
+<file path=ppt/slides/slide15.xml><?xml version="1.0" encoding="utf-8"?>
 <p:sld xmlns:a="http://schemas.openxmlformats.org/drawingml/2006/main" xmlns:r="http://schemas.openxmlformats.org/officeDocument/2006/relationships" xmlns:p="http://schemas.openxmlformats.org/presentationml/2006/main">
   <p:cSld>
     <p:spTree>
@@ -8731,7 +10010,7 @@
 </p:sld>
 </file>
 
-<file path=ppt/slides/slide14.xml><?xml version="1.0" encoding="utf-8"?>
+<file path=ppt/slides/slide16.xml><?xml version="1.0" encoding="utf-8"?>
 <p:sld xmlns:a="http://schemas.openxmlformats.org/drawingml/2006/main" xmlns:r="http://schemas.openxmlformats.org/officeDocument/2006/relationships" xmlns:p="http://schemas.openxmlformats.org/presentationml/2006/main">
   <p:cSld>
     <p:spTree>
@@ -8878,7 +10157,7 @@
 </p:sld>
 </file>
 
-<file path=ppt/slides/slide15.xml><?xml version="1.0" encoding="utf-8"?>
+<file path=ppt/slides/slide17.xml><?xml version="1.0" encoding="utf-8"?>
 <p:sld xmlns:a="http://schemas.openxmlformats.org/drawingml/2006/main" xmlns:r="http://schemas.openxmlformats.org/officeDocument/2006/relationships" xmlns:p="http://schemas.openxmlformats.org/presentationml/2006/main">
   <p:cSld>
     <p:spTree>
@@ -9015,7 +10294,3414 @@
 </p:sld>
 </file>
 
-<file path=ppt/slides/slide16.xml><?xml version="1.0" encoding="utf-8"?>
+<file path=ppt/slides/slide18.xml><?xml version="1.0" encoding="utf-8"?>
+<p:sld xmlns:a="http://schemas.openxmlformats.org/drawingml/2006/main" xmlns:r="http://schemas.openxmlformats.org/officeDocument/2006/relationships" xmlns:p="http://schemas.openxmlformats.org/presentationml/2006/main">
+  <p:cSld>
+    <p:spTree>
+      <p:nvGrpSpPr>
+        <p:cNvPr id="1" name="Shape 68"/>
+        <p:cNvGrpSpPr/>
+        <p:nvPr/>
+      </p:nvGrpSpPr>
+      <p:grpSpPr>
+        <a:xfrm>
+          <a:off x="0" y="0"/>
+          <a:ext cx="0" cy="0"/>
+          <a:chOff x="0" y="0"/>
+          <a:chExt cx="0" cy="0"/>
+        </a:xfrm>
+      </p:grpSpPr>
+      <p:pic>
+        <p:nvPicPr>
+          <p:cNvPr id="69" name="Google Shape;69;p15"/>
+          <p:cNvPicPr preferRelativeResize="0"/>
+          <p:nvPr/>
+        </p:nvPicPr>
+        <p:blipFill rotWithShape="1">
+          <a:blip r:embed="rId3"/>
+          <a:srcRect/>
+          <a:stretch>
+            <a:fillRect/>
+          </a:stretch>
+        </p:blipFill>
+        <p:spPr>
+          <a:xfrm>
+            <a:off x="170327" y="218750"/>
+            <a:ext cx="1968300" cy="666875"/>
+          </a:xfrm>
+          <a:prstGeom prst="rect">
+            <a:avLst/>
+          </a:prstGeom>
+          <a:noFill/>
+          <a:ln>
+            <a:noFill/>
+          </a:ln>
+        </p:spPr>
+      </p:pic>
+      <p:sp>
+        <p:nvSpPr>
+          <p:cNvPr id="70" name="Google Shape;70;p15"/>
+          <p:cNvSpPr txBox="1"/>
+          <p:nvPr/>
+        </p:nvSpPr>
+        <p:spPr>
+          <a:xfrm>
+            <a:off x="316259" y="859668"/>
+            <a:ext cx="8657414" cy="3877954"/>
+          </a:xfrm>
+          <a:prstGeom prst="rect">
+            <a:avLst/>
+          </a:prstGeom>
+          <a:noFill/>
+          <a:ln>
+            <a:noFill/>
+          </a:ln>
+        </p:spPr>
+        <p:txBody>
+          <a:bodyPr spcFirstLastPara="1" wrap="square" lIns="91425" tIns="91425" rIns="91425" bIns="91425" anchor="t" anchorCtr="0">
+            <a:spAutoFit/>
+          </a:bodyPr>
+          <a:lstStyle/>
+          <a:p>
+            <a:pPr algn="l"/>
+            <a:r>
+              <a:rPr lang="en-US" sz="1200" b="1" i="0" dirty="0">
+                <a:solidFill>
+                  <a:schemeClr val="tx1"/>
+                </a:solidFill>
+                <a:effectLst/>
+                <a:latin typeface="Times New Roman" panose="02020603050405020304" pitchFamily="18" charset="0"/>
+                <a:cs typeface="Times New Roman" panose="02020603050405020304" pitchFamily="18" charset="0"/>
+              </a:rPr>
+              <a:t>Phase 1: Project Initialization and Environment Setup</a:t>
+            </a:r>
+            <a:endParaRPr lang="en-US" sz="1200" b="0" i="0" dirty="0">
+              <a:solidFill>
+                <a:schemeClr val="tx1"/>
+              </a:solidFill>
+              <a:effectLst/>
+              <a:latin typeface="Times New Roman" panose="02020603050405020304" pitchFamily="18" charset="0"/>
+              <a:cs typeface="Times New Roman" panose="02020603050405020304" pitchFamily="18" charset="0"/>
+            </a:endParaRPr>
+          </a:p>
+          <a:p>
+            <a:pPr algn="l">
+              <a:buFont typeface="Arial" panose="020B0604020202020204" pitchFamily="34" charset="0"/>
+              <a:buChar char="•"/>
+            </a:pPr>
+            <a:r>
+              <a:rPr lang="en-US" sz="1200" b="1" i="0" dirty="0">
+                <a:solidFill>
+                  <a:schemeClr val="tx1"/>
+                </a:solidFill>
+                <a:effectLst/>
+                <a:latin typeface="Times New Roman" panose="02020603050405020304" pitchFamily="18" charset="0"/>
+                <a:cs typeface="Times New Roman" panose="02020603050405020304" pitchFamily="18" charset="0"/>
+              </a:rPr>
+              <a:t>Directory Structure and Repository Setup</a:t>
+            </a:r>
+            <a:endParaRPr lang="en-US" sz="1200" b="0" i="0" dirty="0">
+              <a:solidFill>
+                <a:schemeClr val="tx1"/>
+              </a:solidFill>
+              <a:effectLst/>
+              <a:latin typeface="Times New Roman" panose="02020603050405020304" pitchFamily="18" charset="0"/>
+              <a:cs typeface="Times New Roman" panose="02020603050405020304" pitchFamily="18" charset="0"/>
+            </a:endParaRPr>
+          </a:p>
+          <a:p>
+            <a:pPr marL="742950" lvl="1" indent="-285750" algn="l">
+              <a:buFont typeface="Arial" panose="020B0604020202020204" pitchFamily="34" charset="0"/>
+              <a:buChar char="•"/>
+            </a:pPr>
+            <a:r>
+              <a:rPr lang="en-US" sz="1200" b="0" i="0" dirty="0">
+                <a:solidFill>
+                  <a:schemeClr val="tx1"/>
+                </a:solidFill>
+                <a:effectLst/>
+                <a:latin typeface="Times New Roman" panose="02020603050405020304" pitchFamily="18" charset="0"/>
+                <a:cs typeface="Times New Roman" panose="02020603050405020304" pitchFamily="18" charset="0"/>
+              </a:rPr>
+              <a:t>Overview of the project’s hierarchical structure (contracts, frontend, web‑</a:t>
+            </a:r>
+            <a:r>
+              <a:rPr lang="en-US" sz="1200" b="0" i="0" dirty="0" err="1">
+                <a:solidFill>
+                  <a:schemeClr val="tx1"/>
+                </a:solidFill>
+                <a:effectLst/>
+                <a:latin typeface="Times New Roman" panose="02020603050405020304" pitchFamily="18" charset="0"/>
+                <a:cs typeface="Times New Roman" panose="02020603050405020304" pitchFamily="18" charset="0"/>
+              </a:rPr>
+              <a:t>nfc</a:t>
+            </a:r>
+            <a:r>
+              <a:rPr lang="en-US" sz="1200" b="0" i="0" dirty="0">
+                <a:solidFill>
+                  <a:schemeClr val="tx1"/>
+                </a:solidFill>
+                <a:effectLst/>
+                <a:latin typeface="Times New Roman" panose="02020603050405020304" pitchFamily="18" charset="0"/>
+                <a:cs typeface="Times New Roman" panose="02020603050405020304" pitchFamily="18" charset="0"/>
+              </a:rPr>
+              <a:t>, </a:t>
+            </a:r>
+            <a:r>
+              <a:rPr lang="en-US" sz="1200" b="0" i="0" dirty="0" err="1">
+                <a:solidFill>
+                  <a:schemeClr val="tx1"/>
+                </a:solidFill>
+                <a:effectLst/>
+                <a:latin typeface="Times New Roman" panose="02020603050405020304" pitchFamily="18" charset="0"/>
+                <a:cs typeface="Times New Roman" panose="02020603050405020304" pitchFamily="18" charset="0"/>
+              </a:rPr>
+              <a:t>webviews</a:t>
+            </a:r>
+            <a:r>
+              <a:rPr lang="en-US" sz="1200" b="0" i="0" dirty="0">
+                <a:solidFill>
+                  <a:schemeClr val="tx1"/>
+                </a:solidFill>
+                <a:effectLst/>
+                <a:latin typeface="Times New Roman" panose="02020603050405020304" pitchFamily="18" charset="0"/>
+                <a:cs typeface="Times New Roman" panose="02020603050405020304" pitchFamily="18" charset="0"/>
+              </a:rPr>
+              <a:t>, etc.)</a:t>
+            </a:r>
+          </a:p>
+          <a:p>
+            <a:pPr marL="742950" lvl="1" indent="-285750" algn="l">
+              <a:buFont typeface="Arial" panose="020B0604020202020204" pitchFamily="34" charset="0"/>
+              <a:buChar char="•"/>
+            </a:pPr>
+            <a:r>
+              <a:rPr lang="en-US" sz="1200" b="0" i="0" dirty="0">
+                <a:solidFill>
+                  <a:schemeClr val="tx1"/>
+                </a:solidFill>
+                <a:effectLst/>
+                <a:latin typeface="Times New Roman" panose="02020603050405020304" pitchFamily="18" charset="0"/>
+                <a:cs typeface="Times New Roman" panose="02020603050405020304" pitchFamily="18" charset="0"/>
+              </a:rPr>
+              <a:t>Cloning the repository and setting up version control</a:t>
+            </a:r>
+          </a:p>
+          <a:p>
+            <a:pPr marL="742950" lvl="1" indent="-285750" algn="l">
+              <a:buFont typeface="Arial" panose="020B0604020202020204" pitchFamily="34" charset="0"/>
+              <a:buChar char="•"/>
+            </a:pPr>
+            <a:r>
+              <a:rPr lang="en-US" sz="1200" b="0" i="0" dirty="0">
+                <a:solidFill>
+                  <a:schemeClr val="tx1"/>
+                </a:solidFill>
+                <a:effectLst/>
+                <a:latin typeface="Times New Roman" panose="02020603050405020304" pitchFamily="18" charset="0"/>
+                <a:cs typeface="Times New Roman" panose="02020603050405020304" pitchFamily="18" charset="0"/>
+              </a:rPr>
+              <a:t>Configuration files: </a:t>
+            </a:r>
+            <a:r>
+              <a:rPr lang="en-US" sz="1200" b="0" i="0" dirty="0" err="1">
+                <a:solidFill>
+                  <a:schemeClr val="tx1"/>
+                </a:solidFill>
+                <a:effectLst/>
+                <a:latin typeface="Times New Roman" panose="02020603050405020304" pitchFamily="18" charset="0"/>
+                <a:cs typeface="Times New Roman" panose="02020603050405020304" pitchFamily="18" charset="0"/>
+              </a:rPr>
+              <a:t>foundry.toml</a:t>
+            </a:r>
+            <a:r>
+              <a:rPr lang="en-US" sz="1200" b="0" i="0" dirty="0">
+                <a:solidFill>
+                  <a:schemeClr val="tx1"/>
+                </a:solidFill>
+                <a:effectLst/>
+                <a:latin typeface="Times New Roman" panose="02020603050405020304" pitchFamily="18" charset="0"/>
+                <a:cs typeface="Times New Roman" panose="02020603050405020304" pitchFamily="18" charset="0"/>
+              </a:rPr>
+              <a:t> for smart contracts, </a:t>
+            </a:r>
+            <a:r>
+              <a:rPr lang="en-US" sz="1200" b="0" i="0" dirty="0" err="1">
+                <a:solidFill>
+                  <a:schemeClr val="tx1"/>
+                </a:solidFill>
+                <a:effectLst/>
+                <a:latin typeface="Times New Roman" panose="02020603050405020304" pitchFamily="18" charset="0"/>
+                <a:cs typeface="Times New Roman" panose="02020603050405020304" pitchFamily="18" charset="0"/>
+              </a:rPr>
+              <a:t>package.json</a:t>
+            </a:r>
+            <a:r>
+              <a:rPr lang="en-US" sz="1200" b="0" i="0" dirty="0">
+                <a:solidFill>
+                  <a:schemeClr val="tx1"/>
+                </a:solidFill>
+                <a:effectLst/>
+                <a:latin typeface="Times New Roman" panose="02020603050405020304" pitchFamily="18" charset="0"/>
+                <a:cs typeface="Times New Roman" panose="02020603050405020304" pitchFamily="18" charset="0"/>
+              </a:rPr>
+              <a:t> for frontend dependencies, and </a:t>
+            </a:r>
+            <a:r>
+              <a:rPr lang="en-US" sz="1200" b="0" i="0" dirty="0" err="1">
+                <a:solidFill>
+                  <a:schemeClr val="tx1"/>
+                </a:solidFill>
+                <a:effectLst/>
+                <a:latin typeface="Times New Roman" panose="02020603050405020304" pitchFamily="18" charset="0"/>
+                <a:cs typeface="Times New Roman" panose="02020603050405020304" pitchFamily="18" charset="0"/>
+              </a:rPr>
+              <a:t>tailwind.config.js</a:t>
+            </a:r>
+            <a:r>
+              <a:rPr lang="en-US" sz="1200" b="0" i="0" dirty="0">
+                <a:solidFill>
+                  <a:schemeClr val="tx1"/>
+                </a:solidFill>
+                <a:effectLst/>
+                <a:latin typeface="Times New Roman" panose="02020603050405020304" pitchFamily="18" charset="0"/>
+                <a:cs typeface="Times New Roman" panose="02020603050405020304" pitchFamily="18" charset="0"/>
+              </a:rPr>
+              <a:t> for styling</a:t>
+            </a:r>
+          </a:p>
+          <a:p>
+            <a:pPr algn="l">
+              <a:buFont typeface="Arial" panose="020B0604020202020204" pitchFamily="34" charset="0"/>
+              <a:buChar char="•"/>
+            </a:pPr>
+            <a:r>
+              <a:rPr lang="en-US" sz="1200" b="1" i="0" dirty="0">
+                <a:solidFill>
+                  <a:schemeClr val="tx1"/>
+                </a:solidFill>
+                <a:effectLst/>
+                <a:latin typeface="Times New Roman" panose="02020603050405020304" pitchFamily="18" charset="0"/>
+                <a:cs typeface="Times New Roman" panose="02020603050405020304" pitchFamily="18" charset="0"/>
+              </a:rPr>
+              <a:t>Toolchain Installation and Configuration</a:t>
+            </a:r>
+            <a:endParaRPr lang="en-US" sz="1200" b="0" i="0" dirty="0">
+              <a:solidFill>
+                <a:schemeClr val="tx1"/>
+              </a:solidFill>
+              <a:effectLst/>
+              <a:latin typeface="Times New Roman" panose="02020603050405020304" pitchFamily="18" charset="0"/>
+              <a:cs typeface="Times New Roman" panose="02020603050405020304" pitchFamily="18" charset="0"/>
+            </a:endParaRPr>
+          </a:p>
+          <a:p>
+            <a:pPr marL="742950" lvl="1" indent="-285750" algn="l">
+              <a:buFont typeface="Arial" panose="020B0604020202020204" pitchFamily="34" charset="0"/>
+              <a:buChar char="•"/>
+            </a:pPr>
+            <a:r>
+              <a:rPr lang="en-US" sz="1200" b="0" i="0" dirty="0">
+                <a:solidFill>
+                  <a:schemeClr val="tx1"/>
+                </a:solidFill>
+                <a:effectLst/>
+                <a:latin typeface="Times New Roman" panose="02020603050405020304" pitchFamily="18" charset="0"/>
+                <a:cs typeface="Times New Roman" panose="02020603050405020304" pitchFamily="18" charset="0"/>
+              </a:rPr>
+              <a:t>Installing and configuring Foundry for smart contract development</a:t>
+            </a:r>
+          </a:p>
+          <a:p>
+            <a:pPr marL="742950" lvl="1" indent="-285750" algn="l">
+              <a:buFont typeface="Arial" panose="020B0604020202020204" pitchFamily="34" charset="0"/>
+              <a:buChar char="•"/>
+            </a:pPr>
+            <a:r>
+              <a:rPr lang="en-US" sz="1200" b="0" i="0" dirty="0">
+                <a:solidFill>
+                  <a:schemeClr val="tx1"/>
+                </a:solidFill>
+                <a:effectLst/>
+                <a:latin typeface="Times New Roman" panose="02020603050405020304" pitchFamily="18" charset="0"/>
+                <a:cs typeface="Times New Roman" panose="02020603050405020304" pitchFamily="18" charset="0"/>
+              </a:rPr>
+              <a:t>Setting up Node.js, Yarn, and other package managers</a:t>
+            </a:r>
+          </a:p>
+          <a:p>
+            <a:pPr marL="742950" lvl="1" indent="-285750" algn="l">
+              <a:buFont typeface="Arial" panose="020B0604020202020204" pitchFamily="34" charset="0"/>
+              <a:buChar char="•"/>
+            </a:pPr>
+            <a:r>
+              <a:rPr lang="en-US" sz="1200" b="0" i="0" dirty="0">
+                <a:solidFill>
+                  <a:schemeClr val="tx1"/>
+                </a:solidFill>
+                <a:effectLst/>
+                <a:latin typeface="Times New Roman" panose="02020603050405020304" pitchFamily="18" charset="0"/>
+                <a:cs typeface="Times New Roman" panose="02020603050405020304" pitchFamily="18" charset="0"/>
+              </a:rPr>
+              <a:t>Environment configuration (local node, </a:t>
+            </a:r>
+            <a:r>
+              <a:rPr lang="en-US" sz="1200" b="0" i="0" dirty="0" err="1">
+                <a:solidFill>
+                  <a:schemeClr val="tx1"/>
+                </a:solidFill>
+                <a:effectLst/>
+                <a:latin typeface="Times New Roman" panose="02020603050405020304" pitchFamily="18" charset="0"/>
+                <a:cs typeface="Times New Roman" panose="02020603050405020304" pitchFamily="18" charset="0"/>
+              </a:rPr>
+              <a:t>testnet</a:t>
+            </a:r>
+            <a:r>
+              <a:rPr lang="en-US" sz="1200" b="0" i="0" dirty="0">
+                <a:solidFill>
+                  <a:schemeClr val="tx1"/>
+                </a:solidFill>
+                <a:effectLst/>
+                <a:latin typeface="Times New Roman" panose="02020603050405020304" pitchFamily="18" charset="0"/>
+                <a:cs typeface="Times New Roman" panose="02020603050405020304" pitchFamily="18" charset="0"/>
+              </a:rPr>
+              <a:t> parameters, etc.)</a:t>
+            </a:r>
+          </a:p>
+          <a:p>
+            <a:pPr marL="457200" lvl="1" algn="l"/>
+            <a:endParaRPr lang="en-US" sz="1200" dirty="0">
+              <a:solidFill>
+                <a:schemeClr val="tx1"/>
+              </a:solidFill>
+              <a:latin typeface="Times New Roman" panose="02020603050405020304" pitchFamily="18" charset="0"/>
+              <a:cs typeface="Times New Roman" panose="02020603050405020304" pitchFamily="18" charset="0"/>
+            </a:endParaRPr>
+          </a:p>
+          <a:p>
+            <a:pPr algn="l"/>
+            <a:r>
+              <a:rPr lang="en-US" sz="1200" b="1" i="0" dirty="0">
+                <a:solidFill>
+                  <a:schemeClr val="tx1"/>
+                </a:solidFill>
+                <a:effectLst/>
+                <a:latin typeface="Times New Roman" panose="02020603050405020304" pitchFamily="18" charset="0"/>
+                <a:cs typeface="Times New Roman" panose="02020603050405020304" pitchFamily="18" charset="0"/>
+              </a:rPr>
+              <a:t>Phase 2: Smart Contract Development and Testing</a:t>
+            </a:r>
+            <a:endParaRPr lang="en-US" sz="1200" b="0" i="0" dirty="0">
+              <a:solidFill>
+                <a:schemeClr val="tx1"/>
+              </a:solidFill>
+              <a:effectLst/>
+              <a:latin typeface="Times New Roman" panose="02020603050405020304" pitchFamily="18" charset="0"/>
+              <a:cs typeface="Times New Roman" panose="02020603050405020304" pitchFamily="18" charset="0"/>
+            </a:endParaRPr>
+          </a:p>
+          <a:p>
+            <a:pPr algn="l">
+              <a:buFont typeface="Arial" panose="020B0604020202020204" pitchFamily="34" charset="0"/>
+              <a:buChar char="•"/>
+            </a:pPr>
+            <a:r>
+              <a:rPr lang="en-US" sz="1200" b="1" i="0" dirty="0">
+                <a:solidFill>
+                  <a:schemeClr val="tx1"/>
+                </a:solidFill>
+                <a:effectLst/>
+                <a:latin typeface="Times New Roman" panose="02020603050405020304" pitchFamily="18" charset="0"/>
+                <a:cs typeface="Times New Roman" panose="02020603050405020304" pitchFamily="18" charset="0"/>
+              </a:rPr>
+              <a:t>Design and Implementation of Core Contracts</a:t>
+            </a:r>
+            <a:endParaRPr lang="en-US" sz="1200" b="0" i="0" dirty="0">
+              <a:solidFill>
+                <a:schemeClr val="tx1"/>
+              </a:solidFill>
+              <a:effectLst/>
+              <a:latin typeface="Times New Roman" panose="02020603050405020304" pitchFamily="18" charset="0"/>
+              <a:cs typeface="Times New Roman" panose="02020603050405020304" pitchFamily="18" charset="0"/>
+            </a:endParaRPr>
+          </a:p>
+          <a:p>
+            <a:pPr marL="742950" lvl="1" indent="-285750" algn="l">
+              <a:buFont typeface="Arial" panose="020B0604020202020204" pitchFamily="34" charset="0"/>
+              <a:buChar char="•"/>
+            </a:pPr>
+            <a:r>
+              <a:rPr lang="en-US" sz="1200" b="0" i="0" dirty="0">
+                <a:solidFill>
+                  <a:schemeClr val="tx1"/>
+                </a:solidFill>
+                <a:effectLst/>
+                <a:latin typeface="Times New Roman" panose="02020603050405020304" pitchFamily="18" charset="0"/>
+                <a:cs typeface="Times New Roman" panose="02020603050405020304" pitchFamily="18" charset="0"/>
+              </a:rPr>
+              <a:t>Developing smart contracts: </a:t>
+            </a:r>
+            <a:r>
+              <a:rPr lang="en-US" sz="1200" b="0" i="0" dirty="0" err="1">
+                <a:solidFill>
+                  <a:schemeClr val="tx1"/>
+                </a:solidFill>
+                <a:effectLst/>
+                <a:latin typeface="Times New Roman" panose="02020603050405020304" pitchFamily="18" charset="0"/>
+                <a:cs typeface="Times New Roman" panose="02020603050405020304" pitchFamily="18" charset="0"/>
+              </a:rPr>
+              <a:t>UserWallet.sol</a:t>
+            </a:r>
+            <a:r>
+              <a:rPr lang="en-US" sz="1200" b="0" i="0" dirty="0">
+                <a:solidFill>
+                  <a:schemeClr val="tx1"/>
+                </a:solidFill>
+                <a:effectLst/>
+                <a:latin typeface="Times New Roman" panose="02020603050405020304" pitchFamily="18" charset="0"/>
+                <a:cs typeface="Times New Roman" panose="02020603050405020304" pitchFamily="18" charset="0"/>
+              </a:rPr>
+              <a:t>, </a:t>
+            </a:r>
+            <a:r>
+              <a:rPr lang="en-US" sz="1200" b="0" i="0" dirty="0" err="1">
+                <a:solidFill>
+                  <a:schemeClr val="tx1"/>
+                </a:solidFill>
+                <a:effectLst/>
+                <a:latin typeface="Times New Roman" panose="02020603050405020304" pitchFamily="18" charset="0"/>
+                <a:cs typeface="Times New Roman" panose="02020603050405020304" pitchFamily="18" charset="0"/>
+              </a:rPr>
+              <a:t>WalletManager.sol</a:t>
+            </a:r>
+            <a:r>
+              <a:rPr lang="en-US" sz="1200" b="0" i="0" dirty="0">
+                <a:solidFill>
+                  <a:schemeClr val="tx1"/>
+                </a:solidFill>
+                <a:effectLst/>
+                <a:latin typeface="Times New Roman" panose="02020603050405020304" pitchFamily="18" charset="0"/>
+                <a:cs typeface="Times New Roman" panose="02020603050405020304" pitchFamily="18" charset="0"/>
+              </a:rPr>
+              <a:t>, and </a:t>
+            </a:r>
+            <a:r>
+              <a:rPr lang="en-US" sz="1200" b="0" i="0" dirty="0" err="1">
+                <a:solidFill>
+                  <a:schemeClr val="tx1"/>
+                </a:solidFill>
+                <a:effectLst/>
+                <a:latin typeface="Times New Roman" panose="02020603050405020304" pitchFamily="18" charset="0"/>
+                <a:cs typeface="Times New Roman" panose="02020603050405020304" pitchFamily="18" charset="0"/>
+              </a:rPr>
+              <a:t>Paymaster.sol</a:t>
+            </a:r>
+            <a:endParaRPr lang="en-US" sz="1200" b="0" i="0" dirty="0">
+              <a:solidFill>
+                <a:schemeClr val="tx1"/>
+              </a:solidFill>
+              <a:effectLst/>
+              <a:latin typeface="Times New Roman" panose="02020603050405020304" pitchFamily="18" charset="0"/>
+              <a:cs typeface="Times New Roman" panose="02020603050405020304" pitchFamily="18" charset="0"/>
+            </a:endParaRPr>
+          </a:p>
+          <a:p>
+            <a:pPr marL="742950" lvl="1" indent="-285750" algn="l">
+              <a:buFont typeface="Arial" panose="020B0604020202020204" pitchFamily="34" charset="0"/>
+              <a:buChar char="•"/>
+            </a:pPr>
+            <a:r>
+              <a:rPr lang="en-US" sz="1200" b="0" i="0" dirty="0">
+                <a:solidFill>
+                  <a:schemeClr val="tx1"/>
+                </a:solidFill>
+                <a:effectLst/>
+                <a:latin typeface="Times New Roman" panose="02020603050405020304" pitchFamily="18" charset="0"/>
+                <a:cs typeface="Times New Roman" panose="02020603050405020304" pitchFamily="18" charset="0"/>
+              </a:rPr>
+              <a:t>Defining business logic for wallet creation, toll transaction processing, and gasless operations</a:t>
+            </a:r>
+          </a:p>
+          <a:p>
+            <a:pPr algn="l">
+              <a:buFont typeface="Arial" panose="020B0604020202020204" pitchFamily="34" charset="0"/>
+              <a:buChar char="•"/>
+            </a:pPr>
+            <a:r>
+              <a:rPr lang="en-US" sz="1200" b="1" i="0" dirty="0">
+                <a:solidFill>
+                  <a:schemeClr val="tx1"/>
+                </a:solidFill>
+                <a:effectLst/>
+                <a:latin typeface="Times New Roman" panose="02020603050405020304" pitchFamily="18" charset="0"/>
+                <a:cs typeface="Times New Roman" panose="02020603050405020304" pitchFamily="18" charset="0"/>
+              </a:rPr>
+              <a:t>Compilation, Testing, and Deployment</a:t>
+            </a:r>
+            <a:endParaRPr lang="en-US" sz="1200" b="0" i="0" dirty="0">
+              <a:solidFill>
+                <a:schemeClr val="tx1"/>
+              </a:solidFill>
+              <a:effectLst/>
+              <a:latin typeface="Times New Roman" panose="02020603050405020304" pitchFamily="18" charset="0"/>
+              <a:cs typeface="Times New Roman" panose="02020603050405020304" pitchFamily="18" charset="0"/>
+            </a:endParaRPr>
+          </a:p>
+          <a:p>
+            <a:pPr marL="742950" lvl="1" indent="-285750" algn="l">
+              <a:buFont typeface="Arial" panose="020B0604020202020204" pitchFamily="34" charset="0"/>
+              <a:buChar char="•"/>
+            </a:pPr>
+            <a:r>
+              <a:rPr lang="en-US" sz="1200" b="0" i="0" dirty="0">
+                <a:solidFill>
+                  <a:schemeClr val="tx1"/>
+                </a:solidFill>
+                <a:effectLst/>
+                <a:latin typeface="Times New Roman" panose="02020603050405020304" pitchFamily="18" charset="0"/>
+                <a:cs typeface="Times New Roman" panose="02020603050405020304" pitchFamily="18" charset="0"/>
+              </a:rPr>
+              <a:t>Compiling contracts using Foundry (Forge)</a:t>
+            </a:r>
+          </a:p>
+          <a:p>
+            <a:pPr marL="742950" lvl="1" indent="-285750" algn="l">
+              <a:buFont typeface="Arial" panose="020B0604020202020204" pitchFamily="34" charset="0"/>
+              <a:buChar char="•"/>
+            </a:pPr>
+            <a:r>
+              <a:rPr lang="en-US" sz="1200" b="0" i="0" dirty="0">
+                <a:solidFill>
+                  <a:schemeClr val="tx1"/>
+                </a:solidFill>
+                <a:effectLst/>
+                <a:latin typeface="Times New Roman" panose="02020603050405020304" pitchFamily="18" charset="0"/>
+                <a:cs typeface="Times New Roman" panose="02020603050405020304" pitchFamily="18" charset="0"/>
+              </a:rPr>
+              <a:t>Running unit tests and integration tests to ensure contract reliability</a:t>
+            </a:r>
+          </a:p>
+          <a:p>
+            <a:pPr marL="742950" lvl="1" indent="-285750" algn="l">
+              <a:buFont typeface="Arial" panose="020B0604020202020204" pitchFamily="34" charset="0"/>
+              <a:buChar char="•"/>
+            </a:pPr>
+            <a:r>
+              <a:rPr lang="en-US" sz="1200" b="0" i="0" dirty="0">
+                <a:solidFill>
+                  <a:schemeClr val="tx1"/>
+                </a:solidFill>
+                <a:effectLst/>
+                <a:latin typeface="Times New Roman" panose="02020603050405020304" pitchFamily="18" charset="0"/>
+                <a:cs typeface="Times New Roman" panose="02020603050405020304" pitchFamily="18" charset="0"/>
+              </a:rPr>
+              <a:t>Continuous Integration (CI) setup (using GitHub workflows) to automate testing and formatting</a:t>
+            </a:r>
+          </a:p>
+          <a:p>
+            <a:pPr marL="742950" lvl="1" indent="-285750" algn="l">
+              <a:buFont typeface="Arial" panose="020B0604020202020204" pitchFamily="34" charset="0"/>
+              <a:buChar char="•"/>
+            </a:pPr>
+            <a:r>
+              <a:rPr lang="en-US" sz="1200" b="0" i="0" dirty="0">
+                <a:solidFill>
+                  <a:schemeClr val="tx1"/>
+                </a:solidFill>
+                <a:effectLst/>
+                <a:latin typeface="Times New Roman" panose="02020603050405020304" pitchFamily="18" charset="0"/>
+                <a:cs typeface="Times New Roman" panose="02020603050405020304" pitchFamily="18" charset="0"/>
+              </a:rPr>
+              <a:t>Deploying contracts to local networks (e.g., Anvil) for preliminary testing</a:t>
+            </a:r>
+          </a:p>
+        </p:txBody>
+      </p:sp>
+      <p:sp>
+        <p:nvSpPr>
+          <p:cNvPr id="71" name="Google Shape;71;p15"/>
+          <p:cNvSpPr txBox="1">
+            <a:spLocks noGrp="1"/>
+          </p:cNvSpPr>
+          <p:nvPr>
+            <p:ph type="title" idx="4294967295"/>
+          </p:nvPr>
+        </p:nvSpPr>
+        <p:spPr>
+          <a:xfrm>
+            <a:off x="2537100" y="188723"/>
+            <a:ext cx="4069800" cy="514500"/>
+          </a:xfrm>
+          <a:prstGeom prst="rect">
+            <a:avLst/>
+          </a:prstGeom>
+          <a:noFill/>
+          <a:ln>
+            <a:noFill/>
+          </a:ln>
+        </p:spPr>
+        <p:txBody>
+          <a:bodyPr spcFirstLastPara="1" wrap="square" lIns="0" tIns="6350" rIns="0" bIns="0" anchor="t" anchorCtr="0">
+            <a:spAutoFit/>
+          </a:bodyPr>
+          <a:lstStyle/>
+          <a:p>
+            <a:pPr marL="12700" lvl="0" indent="0" algn="ctr" rtl="0">
+              <a:lnSpc>
+                <a:spcPct val="100000"/>
+              </a:lnSpc>
+              <a:spcBef>
+                <a:spcPts val="0"/>
+              </a:spcBef>
+              <a:spcAft>
+                <a:spcPts val="0"/>
+              </a:spcAft>
+              <a:buSzPts val="2800"/>
+              <a:buNone/>
+            </a:pPr>
+            <a:r>
+              <a:rPr lang="en-GB" sz="3200" dirty="0">
+                <a:latin typeface="Times New Roman" panose="02020603050405020304" pitchFamily="18" charset="0"/>
+                <a:ea typeface="Lucida Sans" panose="020B0602030504020204"/>
+                <a:cs typeface="Times New Roman" panose="02020603050405020304" pitchFamily="18" charset="0"/>
+                <a:sym typeface="Lucida Sans" panose="020B0602030504020204"/>
+              </a:rPr>
+              <a:t>Implementation</a:t>
+            </a:r>
+            <a:endParaRPr sz="3200" dirty="0">
+              <a:latin typeface="Times New Roman" panose="02020603050405020304" pitchFamily="18" charset="0"/>
+              <a:ea typeface="Lucida Sans" panose="020B0602030504020204"/>
+              <a:cs typeface="Times New Roman" panose="02020603050405020304" pitchFamily="18" charset="0"/>
+              <a:sym typeface="Lucida Sans" panose="020B0602030504020204"/>
+            </a:endParaRPr>
+          </a:p>
+        </p:txBody>
+      </p:sp>
+    </p:spTree>
+    <p:extLst>
+      <p:ext uri="{BB962C8B-B14F-4D97-AF65-F5344CB8AC3E}">
+        <p14:creationId xmlns:p14="http://schemas.microsoft.com/office/powerpoint/2010/main" val="2631967584"/>
+      </p:ext>
+    </p:extLst>
+  </p:cSld>
+  <p:clrMapOvr>
+    <a:masterClrMapping/>
+  </p:clrMapOvr>
+</p:sld>
+</file>
+
+<file path=ppt/slides/slide19.xml><?xml version="1.0" encoding="utf-8"?>
+<p:sld xmlns:a="http://schemas.openxmlformats.org/drawingml/2006/main" xmlns:r="http://schemas.openxmlformats.org/officeDocument/2006/relationships" xmlns:p="http://schemas.openxmlformats.org/presentationml/2006/main">
+  <p:cSld>
+    <p:spTree>
+      <p:nvGrpSpPr>
+        <p:cNvPr id="1" name="Shape 68"/>
+        <p:cNvGrpSpPr/>
+        <p:nvPr/>
+      </p:nvGrpSpPr>
+      <p:grpSpPr>
+        <a:xfrm>
+          <a:off x="0" y="0"/>
+          <a:ext cx="0" cy="0"/>
+          <a:chOff x="0" y="0"/>
+          <a:chExt cx="0" cy="0"/>
+        </a:xfrm>
+      </p:grpSpPr>
+      <p:pic>
+        <p:nvPicPr>
+          <p:cNvPr id="69" name="Google Shape;69;p15"/>
+          <p:cNvPicPr preferRelativeResize="0"/>
+          <p:nvPr/>
+        </p:nvPicPr>
+        <p:blipFill rotWithShape="1">
+          <a:blip r:embed="rId3"/>
+          <a:srcRect/>
+          <a:stretch>
+            <a:fillRect/>
+          </a:stretch>
+        </p:blipFill>
+        <p:spPr>
+          <a:xfrm>
+            <a:off x="170327" y="218750"/>
+            <a:ext cx="1968300" cy="666875"/>
+          </a:xfrm>
+          <a:prstGeom prst="rect">
+            <a:avLst/>
+          </a:prstGeom>
+          <a:noFill/>
+          <a:ln>
+            <a:noFill/>
+          </a:ln>
+        </p:spPr>
+      </p:pic>
+      <p:sp>
+        <p:nvSpPr>
+          <p:cNvPr id="70" name="Google Shape;70;p15"/>
+          <p:cNvSpPr txBox="1"/>
+          <p:nvPr/>
+        </p:nvSpPr>
+        <p:spPr>
+          <a:xfrm>
+            <a:off x="316259" y="859668"/>
+            <a:ext cx="8657414" cy="3693288"/>
+          </a:xfrm>
+          <a:prstGeom prst="rect">
+            <a:avLst/>
+          </a:prstGeom>
+          <a:noFill/>
+          <a:ln>
+            <a:noFill/>
+          </a:ln>
+        </p:spPr>
+        <p:txBody>
+          <a:bodyPr spcFirstLastPara="1" wrap="square" lIns="91425" tIns="91425" rIns="91425" bIns="91425" anchor="t" anchorCtr="0">
+            <a:spAutoFit/>
+          </a:bodyPr>
+          <a:lstStyle/>
+          <a:p>
+            <a:pPr algn="l"/>
+            <a:r>
+              <a:rPr lang="en-US" sz="1200" b="1" i="0" dirty="0" err="1">
+                <a:solidFill>
+                  <a:schemeClr val="tx1"/>
+                </a:solidFill>
+                <a:effectLst/>
+                <a:latin typeface="Times New Roman" panose="02020603050405020304" pitchFamily="18" charset="0"/>
+                <a:cs typeface="Times New Roman" panose="02020603050405020304" pitchFamily="18" charset="0"/>
+              </a:rPr>
+              <a:t>UserWallet</a:t>
+            </a:r>
+            <a:r>
+              <a:rPr lang="en-US" sz="1200" b="1" i="0" dirty="0">
+                <a:solidFill>
+                  <a:schemeClr val="tx1"/>
+                </a:solidFill>
+                <a:effectLst/>
+                <a:latin typeface="Times New Roman" panose="02020603050405020304" pitchFamily="18" charset="0"/>
+                <a:cs typeface="Times New Roman" panose="02020603050405020304" pitchFamily="18" charset="0"/>
+              </a:rPr>
+              <a:t> Contract</a:t>
+            </a:r>
+            <a:endParaRPr lang="en-US" sz="1200" b="0" i="0" dirty="0">
+              <a:solidFill>
+                <a:schemeClr val="tx1"/>
+              </a:solidFill>
+              <a:effectLst/>
+              <a:latin typeface="Times New Roman" panose="02020603050405020304" pitchFamily="18" charset="0"/>
+              <a:cs typeface="Times New Roman" panose="02020603050405020304" pitchFamily="18" charset="0"/>
+            </a:endParaRPr>
+          </a:p>
+          <a:p>
+            <a:pPr marL="457200" lvl="1" algn="l"/>
+            <a:r>
+              <a:rPr lang="en-US" sz="1200" b="1" i="0" dirty="0">
+                <a:solidFill>
+                  <a:schemeClr val="tx1"/>
+                </a:solidFill>
+                <a:effectLst/>
+                <a:latin typeface="Times New Roman" panose="02020603050405020304" pitchFamily="18" charset="0"/>
+                <a:cs typeface="Times New Roman" panose="02020603050405020304" pitchFamily="18" charset="0"/>
+              </a:rPr>
+              <a:t>Purpose &amp; Design:</a:t>
+            </a:r>
+            <a:br>
+              <a:rPr lang="en-US" sz="1200" b="0" i="0" dirty="0">
+                <a:solidFill>
+                  <a:schemeClr val="tx1"/>
+                </a:solidFill>
+                <a:effectLst/>
+                <a:latin typeface="Times New Roman" panose="02020603050405020304" pitchFamily="18" charset="0"/>
+                <a:cs typeface="Times New Roman" panose="02020603050405020304" pitchFamily="18" charset="0"/>
+              </a:rPr>
+            </a:br>
+            <a:r>
+              <a:rPr lang="en-US" sz="1200" b="0" i="0" dirty="0">
+                <a:solidFill>
+                  <a:schemeClr val="tx1"/>
+                </a:solidFill>
+                <a:effectLst/>
+                <a:latin typeface="Times New Roman" panose="02020603050405020304" pitchFamily="18" charset="0"/>
+                <a:cs typeface="Times New Roman" panose="02020603050405020304" pitchFamily="18" charset="0"/>
+              </a:rPr>
+              <a:t>The </a:t>
+            </a:r>
+            <a:r>
+              <a:rPr lang="en-US" sz="1200" b="0" i="0" dirty="0" err="1">
+                <a:solidFill>
+                  <a:schemeClr val="tx1"/>
+                </a:solidFill>
+                <a:effectLst/>
+                <a:latin typeface="Times New Roman" panose="02020603050405020304" pitchFamily="18" charset="0"/>
+                <a:cs typeface="Times New Roman" panose="02020603050405020304" pitchFamily="18" charset="0"/>
+              </a:rPr>
+              <a:t>UserWallet</a:t>
+            </a:r>
+            <a:r>
+              <a:rPr lang="en-US" sz="1200" b="0" i="0" dirty="0">
+                <a:solidFill>
+                  <a:schemeClr val="tx1"/>
+                </a:solidFill>
+                <a:effectLst/>
+                <a:latin typeface="Times New Roman" panose="02020603050405020304" pitchFamily="18" charset="0"/>
+                <a:cs typeface="Times New Roman" panose="02020603050405020304" pitchFamily="18" charset="0"/>
+              </a:rPr>
+              <a:t> contract is designed as an account abstraction module that implements the </a:t>
+            </a:r>
+            <a:r>
+              <a:rPr lang="en-US" sz="1200" b="0" i="0" dirty="0" err="1">
+                <a:solidFill>
+                  <a:schemeClr val="tx1"/>
+                </a:solidFill>
+                <a:effectLst/>
+                <a:latin typeface="Times New Roman" panose="02020603050405020304" pitchFamily="18" charset="0"/>
+                <a:cs typeface="Times New Roman" panose="02020603050405020304" pitchFamily="18" charset="0"/>
+              </a:rPr>
+              <a:t>IAccount</a:t>
+            </a:r>
+            <a:r>
+              <a:rPr lang="en-US" sz="1200" b="0" i="0" dirty="0">
+                <a:solidFill>
+                  <a:schemeClr val="tx1"/>
+                </a:solidFill>
+                <a:effectLst/>
+                <a:latin typeface="Times New Roman" panose="02020603050405020304" pitchFamily="18" charset="0"/>
+                <a:cs typeface="Times New Roman" panose="02020603050405020304" pitchFamily="18" charset="0"/>
+              </a:rPr>
+              <a:t> interface. It provides a dedicated wallet for each registered vehicle, enabling automated toll payments. Built on top of </a:t>
+            </a:r>
+            <a:r>
+              <a:rPr lang="en-US" sz="1200" b="0" i="0" dirty="0" err="1">
+                <a:solidFill>
+                  <a:schemeClr val="tx1"/>
+                </a:solidFill>
+                <a:effectLst/>
+                <a:latin typeface="Times New Roman" panose="02020603050405020304" pitchFamily="18" charset="0"/>
+                <a:cs typeface="Times New Roman" panose="02020603050405020304" pitchFamily="18" charset="0"/>
+              </a:rPr>
+              <a:t>OpenZeppelin's</a:t>
+            </a:r>
+            <a:r>
+              <a:rPr lang="en-US" sz="1200" b="0" i="0" dirty="0">
+                <a:solidFill>
+                  <a:schemeClr val="tx1"/>
+                </a:solidFill>
+                <a:effectLst/>
+                <a:latin typeface="Times New Roman" panose="02020603050405020304" pitchFamily="18" charset="0"/>
+                <a:cs typeface="Times New Roman" panose="02020603050405020304" pitchFamily="18" charset="0"/>
+              </a:rPr>
+              <a:t> Ownable, it ensures that only the authorized owner or a trusted entry point can execute critical functions.</a:t>
+            </a:r>
+          </a:p>
+          <a:p>
+            <a:pPr marL="457200" lvl="1" algn="l"/>
+            <a:r>
+              <a:rPr lang="en-US" sz="1200" b="1" i="0" dirty="0">
+                <a:solidFill>
+                  <a:schemeClr val="tx1"/>
+                </a:solidFill>
+                <a:effectLst/>
+                <a:latin typeface="Times New Roman" panose="02020603050405020304" pitchFamily="18" charset="0"/>
+                <a:cs typeface="Times New Roman" panose="02020603050405020304" pitchFamily="18" charset="0"/>
+              </a:rPr>
+              <a:t>Key Functionalities:</a:t>
+            </a:r>
+            <a:endParaRPr lang="en-US" sz="1200" b="0" i="0" dirty="0">
+              <a:solidFill>
+                <a:schemeClr val="tx1"/>
+              </a:solidFill>
+              <a:effectLst/>
+              <a:latin typeface="Times New Roman" panose="02020603050405020304" pitchFamily="18" charset="0"/>
+              <a:cs typeface="Times New Roman" panose="02020603050405020304" pitchFamily="18" charset="0"/>
+            </a:endParaRPr>
+          </a:p>
+          <a:p>
+            <a:pPr marL="1143000" lvl="2" indent="-228600" algn="l">
+              <a:buFont typeface="+mj-lt"/>
+              <a:buAutoNum type="arabicPeriod"/>
+            </a:pPr>
+            <a:r>
+              <a:rPr lang="en-US" sz="1200" b="1" i="0" dirty="0">
+                <a:solidFill>
+                  <a:schemeClr val="tx1"/>
+                </a:solidFill>
+                <a:effectLst/>
+                <a:latin typeface="Times New Roman" panose="02020603050405020304" pitchFamily="18" charset="0"/>
+                <a:cs typeface="Times New Roman" panose="02020603050405020304" pitchFamily="18" charset="0"/>
+              </a:rPr>
+              <a:t>Validation &amp; Signature Verification:</a:t>
+            </a:r>
+            <a:br>
+              <a:rPr lang="en-US" sz="1200" b="0" i="0" dirty="0">
+                <a:solidFill>
+                  <a:schemeClr val="tx1"/>
+                </a:solidFill>
+                <a:effectLst/>
+                <a:latin typeface="Times New Roman" panose="02020603050405020304" pitchFamily="18" charset="0"/>
+                <a:cs typeface="Times New Roman" panose="02020603050405020304" pitchFamily="18" charset="0"/>
+              </a:rPr>
+            </a:br>
+            <a:r>
+              <a:rPr lang="en-US" sz="1200" b="0" i="0" dirty="0">
+                <a:solidFill>
+                  <a:schemeClr val="tx1"/>
+                </a:solidFill>
+                <a:effectLst/>
+                <a:latin typeface="Times New Roman" panose="02020603050405020304" pitchFamily="18" charset="0"/>
+                <a:cs typeface="Times New Roman" panose="02020603050405020304" pitchFamily="18" charset="0"/>
+              </a:rPr>
+              <a:t>The </a:t>
+            </a:r>
+            <a:r>
+              <a:rPr lang="en-US" sz="1200" b="0" i="0" dirty="0" err="1">
+                <a:solidFill>
+                  <a:schemeClr val="tx1"/>
+                </a:solidFill>
+                <a:effectLst/>
+                <a:latin typeface="Times New Roman" panose="02020603050405020304" pitchFamily="18" charset="0"/>
+                <a:cs typeface="Times New Roman" panose="02020603050405020304" pitchFamily="18" charset="0"/>
+              </a:rPr>
+              <a:t>validateUserOp</a:t>
+            </a:r>
+            <a:r>
+              <a:rPr lang="en-US" sz="1200" b="0" i="0" dirty="0">
+                <a:solidFill>
+                  <a:schemeClr val="tx1"/>
+                </a:solidFill>
+                <a:effectLst/>
+                <a:latin typeface="Times New Roman" panose="02020603050405020304" pitchFamily="18" charset="0"/>
+                <a:cs typeface="Times New Roman" panose="02020603050405020304" pitchFamily="18" charset="0"/>
+              </a:rPr>
+              <a:t> function verifies incoming user operations (packed as </a:t>
+            </a:r>
+            <a:r>
+              <a:rPr lang="en-US" sz="1200" b="0" i="0" dirty="0" err="1">
+                <a:solidFill>
+                  <a:schemeClr val="tx1"/>
+                </a:solidFill>
+                <a:effectLst/>
+                <a:latin typeface="Times New Roman" panose="02020603050405020304" pitchFamily="18" charset="0"/>
+                <a:cs typeface="Times New Roman" panose="02020603050405020304" pitchFamily="18" charset="0"/>
+              </a:rPr>
+              <a:t>PackedUserOperation</a:t>
+            </a:r>
+            <a:r>
+              <a:rPr lang="en-US" sz="1200" b="0" i="0" dirty="0">
+                <a:solidFill>
+                  <a:schemeClr val="tx1"/>
+                </a:solidFill>
+                <a:effectLst/>
+                <a:latin typeface="Times New Roman" panose="02020603050405020304" pitchFamily="18" charset="0"/>
+                <a:cs typeface="Times New Roman" panose="02020603050405020304" pitchFamily="18" charset="0"/>
+              </a:rPr>
+              <a:t>) by using cryptographic functions from the ECDSA library. The helper function _</a:t>
+            </a:r>
+            <a:r>
+              <a:rPr lang="en-US" sz="1200" b="0" i="0" dirty="0" err="1">
+                <a:solidFill>
+                  <a:schemeClr val="tx1"/>
+                </a:solidFill>
+                <a:effectLst/>
+                <a:latin typeface="Times New Roman" panose="02020603050405020304" pitchFamily="18" charset="0"/>
+                <a:cs typeface="Times New Roman" panose="02020603050405020304" pitchFamily="18" charset="0"/>
+              </a:rPr>
+              <a:t>validateSignature</a:t>
+            </a:r>
+            <a:r>
+              <a:rPr lang="en-US" sz="1200" b="0" i="0" dirty="0">
+                <a:solidFill>
+                  <a:schemeClr val="tx1"/>
+                </a:solidFill>
+                <a:effectLst/>
+                <a:latin typeface="Times New Roman" panose="02020603050405020304" pitchFamily="18" charset="0"/>
+                <a:cs typeface="Times New Roman" panose="02020603050405020304" pitchFamily="18" charset="0"/>
+              </a:rPr>
+              <a:t> recovers the signer from the operation's signature and compares it against the wallet's owner, returning a success or failure status.</a:t>
+            </a:r>
+          </a:p>
+          <a:p>
+            <a:pPr marL="1143000" lvl="2" indent="-228600" algn="l">
+              <a:buFont typeface="+mj-lt"/>
+              <a:buAutoNum type="arabicPeriod"/>
+            </a:pPr>
+            <a:r>
+              <a:rPr lang="en-US" sz="1200" b="1" i="0" dirty="0">
+                <a:solidFill>
+                  <a:schemeClr val="tx1"/>
+                </a:solidFill>
+                <a:effectLst/>
+                <a:latin typeface="Times New Roman" panose="02020603050405020304" pitchFamily="18" charset="0"/>
+                <a:cs typeface="Times New Roman" panose="02020603050405020304" pitchFamily="18" charset="0"/>
+              </a:rPr>
+              <a:t>Prefunding Mechanism:</a:t>
+            </a:r>
+            <a:br>
+              <a:rPr lang="en-US" sz="1200" b="0" i="0" dirty="0">
+                <a:solidFill>
+                  <a:schemeClr val="tx1"/>
+                </a:solidFill>
+                <a:effectLst/>
+                <a:latin typeface="Times New Roman" panose="02020603050405020304" pitchFamily="18" charset="0"/>
+                <a:cs typeface="Times New Roman" panose="02020603050405020304" pitchFamily="18" charset="0"/>
+              </a:rPr>
+            </a:br>
+            <a:r>
+              <a:rPr lang="en-US" sz="1200" b="0" i="0" dirty="0">
+                <a:solidFill>
+                  <a:schemeClr val="tx1"/>
+                </a:solidFill>
+                <a:effectLst/>
+                <a:latin typeface="Times New Roman" panose="02020603050405020304" pitchFamily="18" charset="0"/>
+                <a:cs typeface="Times New Roman" panose="02020603050405020304" pitchFamily="18" charset="0"/>
+              </a:rPr>
+              <a:t>The _</a:t>
+            </a:r>
+            <a:r>
+              <a:rPr lang="en-US" sz="1200" b="0" i="0" dirty="0" err="1">
+                <a:solidFill>
+                  <a:schemeClr val="tx1"/>
+                </a:solidFill>
+                <a:effectLst/>
+                <a:latin typeface="Times New Roman" panose="02020603050405020304" pitchFamily="18" charset="0"/>
+                <a:cs typeface="Times New Roman" panose="02020603050405020304" pitchFamily="18" charset="0"/>
+              </a:rPr>
+              <a:t>payPrefund</a:t>
+            </a:r>
+            <a:r>
+              <a:rPr lang="en-US" sz="1200" b="0" i="0" dirty="0">
+                <a:solidFill>
+                  <a:schemeClr val="tx1"/>
+                </a:solidFill>
+                <a:effectLst/>
+                <a:latin typeface="Times New Roman" panose="02020603050405020304" pitchFamily="18" charset="0"/>
+                <a:cs typeface="Times New Roman" panose="02020603050405020304" pitchFamily="18" charset="0"/>
+              </a:rPr>
+              <a:t> function ensures that any missing account funds are promptly prefunded, facilitating uninterrupted transaction processing.</a:t>
+            </a:r>
+          </a:p>
+          <a:p>
+            <a:pPr marL="1143000" lvl="2" indent="-228600" algn="l">
+              <a:buFont typeface="+mj-lt"/>
+              <a:buAutoNum type="arabicPeriod"/>
+            </a:pPr>
+            <a:r>
+              <a:rPr lang="en-US" sz="1200" b="1" i="0" dirty="0">
+                <a:solidFill>
+                  <a:schemeClr val="tx1"/>
+                </a:solidFill>
+                <a:effectLst/>
+                <a:latin typeface="Times New Roman" panose="02020603050405020304" pitchFamily="18" charset="0"/>
+                <a:cs typeface="Times New Roman" panose="02020603050405020304" pitchFamily="18" charset="0"/>
+              </a:rPr>
+              <a:t>Execution of External Calls:</a:t>
+            </a:r>
+            <a:br>
+              <a:rPr lang="en-US" sz="1200" b="0" i="0" dirty="0">
+                <a:solidFill>
+                  <a:schemeClr val="tx1"/>
+                </a:solidFill>
+                <a:effectLst/>
+                <a:latin typeface="Times New Roman" panose="02020603050405020304" pitchFamily="18" charset="0"/>
+                <a:cs typeface="Times New Roman" panose="02020603050405020304" pitchFamily="18" charset="0"/>
+              </a:rPr>
+            </a:br>
+            <a:r>
+              <a:rPr lang="en-US" sz="1200" b="0" i="0" dirty="0">
+                <a:solidFill>
+                  <a:schemeClr val="tx1"/>
+                </a:solidFill>
+                <a:effectLst/>
+                <a:latin typeface="Times New Roman" panose="02020603050405020304" pitchFamily="18" charset="0"/>
+                <a:cs typeface="Times New Roman" panose="02020603050405020304" pitchFamily="18" charset="0"/>
+              </a:rPr>
+              <a:t>The execute function allows the wallet (restricted to the entry point or the owner) to interact with other contracts or addresses, forwarding calls and handling value transfers securely.</a:t>
+            </a:r>
+          </a:p>
+          <a:p>
+            <a:pPr marL="1143000" lvl="2" indent="-228600" algn="l">
+              <a:buFont typeface="+mj-lt"/>
+              <a:buAutoNum type="arabicPeriod"/>
+            </a:pPr>
+            <a:r>
+              <a:rPr lang="en-US" sz="1200" b="1" i="0" dirty="0">
+                <a:solidFill>
+                  <a:schemeClr val="tx1"/>
+                </a:solidFill>
+                <a:effectLst/>
+                <a:latin typeface="Times New Roman" panose="02020603050405020304" pitchFamily="18" charset="0"/>
+                <a:cs typeface="Times New Roman" panose="02020603050405020304" pitchFamily="18" charset="0"/>
+              </a:rPr>
+              <a:t>Whitelist Management:</a:t>
+            </a:r>
+            <a:br>
+              <a:rPr lang="en-US" sz="1200" b="0" i="0" dirty="0">
+                <a:solidFill>
+                  <a:schemeClr val="tx1"/>
+                </a:solidFill>
+                <a:effectLst/>
+                <a:latin typeface="Times New Roman" panose="02020603050405020304" pitchFamily="18" charset="0"/>
+                <a:cs typeface="Times New Roman" panose="02020603050405020304" pitchFamily="18" charset="0"/>
+              </a:rPr>
+            </a:br>
+            <a:r>
+              <a:rPr lang="en-US" sz="1200" b="0" i="0" dirty="0">
+                <a:solidFill>
+                  <a:schemeClr val="tx1"/>
+                </a:solidFill>
+                <a:effectLst/>
+                <a:latin typeface="Times New Roman" panose="02020603050405020304" pitchFamily="18" charset="0"/>
+                <a:cs typeface="Times New Roman" panose="02020603050405020304" pitchFamily="18" charset="0"/>
+              </a:rPr>
+              <a:t>With functions such as </a:t>
+            </a:r>
+            <a:r>
+              <a:rPr lang="en-US" sz="1200" b="0" i="0" dirty="0" err="1">
+                <a:solidFill>
+                  <a:schemeClr val="tx1"/>
+                </a:solidFill>
+                <a:effectLst/>
+                <a:latin typeface="Times New Roman" panose="02020603050405020304" pitchFamily="18" charset="0"/>
+                <a:cs typeface="Times New Roman" panose="02020603050405020304" pitchFamily="18" charset="0"/>
+              </a:rPr>
+              <a:t>isWhitelisted</a:t>
+            </a:r>
+            <a:r>
+              <a:rPr lang="en-US" sz="1200" b="0" i="0" dirty="0">
+                <a:solidFill>
+                  <a:schemeClr val="tx1"/>
+                </a:solidFill>
+                <a:effectLst/>
+                <a:latin typeface="Times New Roman" panose="02020603050405020304" pitchFamily="18" charset="0"/>
+                <a:cs typeface="Times New Roman" panose="02020603050405020304" pitchFamily="18" charset="0"/>
+              </a:rPr>
+              <a:t> and </a:t>
+            </a:r>
+            <a:r>
+              <a:rPr lang="en-US" sz="1200" b="0" i="0" dirty="0" err="1">
+                <a:solidFill>
+                  <a:schemeClr val="tx1"/>
+                </a:solidFill>
+                <a:effectLst/>
+                <a:latin typeface="Times New Roman" panose="02020603050405020304" pitchFamily="18" charset="0"/>
+                <a:cs typeface="Times New Roman" panose="02020603050405020304" pitchFamily="18" charset="0"/>
+              </a:rPr>
+              <a:t>addToWhitelist</a:t>
+            </a:r>
+            <a:r>
+              <a:rPr lang="en-US" sz="1200" b="0" i="0" dirty="0">
+                <a:solidFill>
+                  <a:schemeClr val="tx1"/>
+                </a:solidFill>
+                <a:effectLst/>
+                <a:latin typeface="Times New Roman" panose="02020603050405020304" pitchFamily="18" charset="0"/>
+                <a:cs typeface="Times New Roman" panose="02020603050405020304" pitchFamily="18" charset="0"/>
+              </a:rPr>
+              <a:t>, the contract maintains a registry of approved addresses, ensuring that only trusted entities can initiate certain operations like withdrawing tolls.</a:t>
+            </a:r>
+          </a:p>
+        </p:txBody>
+      </p:sp>
+      <p:sp>
+        <p:nvSpPr>
+          <p:cNvPr id="71" name="Google Shape;71;p15"/>
+          <p:cNvSpPr txBox="1">
+            <a:spLocks noGrp="1"/>
+          </p:cNvSpPr>
+          <p:nvPr>
+            <p:ph type="title" idx="4294967295"/>
+          </p:nvPr>
+        </p:nvSpPr>
+        <p:spPr>
+          <a:xfrm>
+            <a:off x="2537100" y="188723"/>
+            <a:ext cx="4069800" cy="514500"/>
+          </a:xfrm>
+          <a:prstGeom prst="rect">
+            <a:avLst/>
+          </a:prstGeom>
+          <a:noFill/>
+          <a:ln>
+            <a:noFill/>
+          </a:ln>
+        </p:spPr>
+        <p:txBody>
+          <a:bodyPr spcFirstLastPara="1" wrap="square" lIns="0" tIns="6350" rIns="0" bIns="0" anchor="t" anchorCtr="0">
+            <a:spAutoFit/>
+          </a:bodyPr>
+          <a:lstStyle/>
+          <a:p>
+            <a:pPr marL="12700" lvl="0" indent="0" algn="ctr" rtl="0">
+              <a:lnSpc>
+                <a:spcPct val="100000"/>
+              </a:lnSpc>
+              <a:spcBef>
+                <a:spcPts val="0"/>
+              </a:spcBef>
+              <a:spcAft>
+                <a:spcPts val="0"/>
+              </a:spcAft>
+              <a:buSzPts val="2800"/>
+              <a:buNone/>
+            </a:pPr>
+            <a:r>
+              <a:rPr lang="en-GB" sz="3200" dirty="0">
+                <a:latin typeface="Times New Roman" panose="02020603050405020304" pitchFamily="18" charset="0"/>
+                <a:ea typeface="Lucida Sans" panose="020B0602030504020204"/>
+                <a:cs typeface="Times New Roman" panose="02020603050405020304" pitchFamily="18" charset="0"/>
+                <a:sym typeface="Lucida Sans" panose="020B0602030504020204"/>
+              </a:rPr>
+              <a:t>Implementation</a:t>
+            </a:r>
+            <a:endParaRPr sz="3200" dirty="0">
+              <a:latin typeface="Times New Roman" panose="02020603050405020304" pitchFamily="18" charset="0"/>
+              <a:ea typeface="Lucida Sans" panose="020B0602030504020204"/>
+              <a:cs typeface="Times New Roman" panose="02020603050405020304" pitchFamily="18" charset="0"/>
+              <a:sym typeface="Lucida Sans" panose="020B0602030504020204"/>
+            </a:endParaRPr>
+          </a:p>
+        </p:txBody>
+      </p:sp>
+    </p:spTree>
+    <p:extLst>
+      <p:ext uri="{BB962C8B-B14F-4D97-AF65-F5344CB8AC3E}">
+        <p14:creationId xmlns:p14="http://schemas.microsoft.com/office/powerpoint/2010/main" val="1532206606"/>
+      </p:ext>
+    </p:extLst>
+  </p:cSld>
+  <p:clrMapOvr>
+    <a:masterClrMapping/>
+  </p:clrMapOvr>
+</p:sld>
+</file>
+
+<file path=ppt/slides/slide2.xml><?xml version="1.0" encoding="utf-8"?>
+<p:sld xmlns:a="http://schemas.openxmlformats.org/drawingml/2006/main" xmlns:r="http://schemas.openxmlformats.org/officeDocument/2006/relationships" xmlns:p="http://schemas.openxmlformats.org/presentationml/2006/main">
+  <p:cSld>
+    <p:spTree>
+      <p:nvGrpSpPr>
+        <p:cNvPr id="1" name="Shape 68"/>
+        <p:cNvGrpSpPr/>
+        <p:nvPr/>
+      </p:nvGrpSpPr>
+      <p:grpSpPr>
+        <a:xfrm>
+          <a:off x="0" y="0"/>
+          <a:ext cx="0" cy="0"/>
+          <a:chOff x="0" y="0"/>
+          <a:chExt cx="0" cy="0"/>
+        </a:xfrm>
+      </p:grpSpPr>
+      <p:pic>
+        <p:nvPicPr>
+          <p:cNvPr id="69" name="Google Shape;69;p15"/>
+          <p:cNvPicPr preferRelativeResize="0"/>
+          <p:nvPr/>
+        </p:nvPicPr>
+        <p:blipFill rotWithShape="1">
+          <a:blip r:embed="rId3"/>
+          <a:srcRect/>
+          <a:stretch>
+            <a:fillRect/>
+          </a:stretch>
+        </p:blipFill>
+        <p:spPr>
+          <a:xfrm>
+            <a:off x="170327" y="218750"/>
+            <a:ext cx="1968300" cy="666875"/>
+          </a:xfrm>
+          <a:prstGeom prst="rect">
+            <a:avLst/>
+          </a:prstGeom>
+          <a:noFill/>
+          <a:ln>
+            <a:noFill/>
+          </a:ln>
+        </p:spPr>
+      </p:pic>
+      <p:sp>
+        <p:nvSpPr>
+          <p:cNvPr id="70" name="Google Shape;70;p15"/>
+          <p:cNvSpPr txBox="1"/>
+          <p:nvPr/>
+        </p:nvSpPr>
+        <p:spPr>
+          <a:xfrm>
+            <a:off x="170327" y="1186770"/>
+            <a:ext cx="8657414" cy="3877954"/>
+          </a:xfrm>
+          <a:prstGeom prst="rect">
+            <a:avLst/>
+          </a:prstGeom>
+          <a:noFill/>
+          <a:ln>
+            <a:noFill/>
+          </a:ln>
+        </p:spPr>
+        <p:txBody>
+          <a:bodyPr spcFirstLastPara="1" wrap="square" lIns="91425" tIns="91425" rIns="91425" bIns="91425" anchor="t" anchorCtr="0">
+            <a:spAutoFit/>
+          </a:bodyPr>
+          <a:lstStyle/>
+          <a:p>
+            <a:pPr marL="802640" lvl="0" indent="-581025" algn="l" rtl="0">
+              <a:spcBef>
+                <a:spcPts val="0"/>
+              </a:spcBef>
+              <a:spcAft>
+                <a:spcPts val="0"/>
+              </a:spcAft>
+              <a:buClr>
+                <a:schemeClr val="dk1"/>
+              </a:buClr>
+              <a:buSzPts val="1900"/>
+              <a:buAutoNum type="arabicPeriod"/>
+            </a:pPr>
+            <a:r>
+              <a:rPr lang="en-GB" sz="2400" dirty="0">
+                <a:solidFill>
+                  <a:schemeClr val="dk1"/>
+                </a:solidFill>
+                <a:latin typeface="Times New Roman" panose="02020603050405020304" pitchFamily="18" charset="0"/>
+                <a:cs typeface="Times New Roman" panose="02020603050405020304" pitchFamily="18" charset="0"/>
+              </a:rPr>
+              <a:t>Problem Statement – Abstract</a:t>
+            </a:r>
+          </a:p>
+          <a:p>
+            <a:pPr marL="802640" lvl="0" indent="-581025" algn="l" rtl="0">
+              <a:spcBef>
+                <a:spcPts val="0"/>
+              </a:spcBef>
+              <a:spcAft>
+                <a:spcPts val="0"/>
+              </a:spcAft>
+              <a:buClr>
+                <a:schemeClr val="dk1"/>
+              </a:buClr>
+              <a:buSzPts val="1900"/>
+              <a:buAutoNum type="arabicPeriod"/>
+            </a:pPr>
+            <a:r>
+              <a:rPr lang="en-GB" sz="2400" dirty="0">
+                <a:solidFill>
+                  <a:schemeClr val="dk1"/>
+                </a:solidFill>
+                <a:latin typeface="Times New Roman" panose="02020603050405020304" pitchFamily="18" charset="0"/>
+                <a:cs typeface="Times New Roman" panose="02020603050405020304" pitchFamily="18" charset="0"/>
+              </a:rPr>
+              <a:t>Objectives</a:t>
+            </a:r>
+          </a:p>
+          <a:p>
+            <a:pPr marL="802640" lvl="0" indent="-581025" algn="l" rtl="0">
+              <a:spcBef>
+                <a:spcPts val="0"/>
+              </a:spcBef>
+              <a:spcAft>
+                <a:spcPts val="0"/>
+              </a:spcAft>
+              <a:buClr>
+                <a:schemeClr val="dk1"/>
+              </a:buClr>
+              <a:buSzPts val="1900"/>
+              <a:buAutoNum type="arabicPeriod"/>
+            </a:pPr>
+            <a:r>
+              <a:rPr lang="en-US" altLang="en-GB" sz="2400" dirty="0">
+                <a:solidFill>
+                  <a:schemeClr val="dk1"/>
+                </a:solidFill>
+                <a:latin typeface="Times New Roman" panose="02020603050405020304" pitchFamily="18" charset="0"/>
+                <a:cs typeface="Times New Roman" panose="02020603050405020304" pitchFamily="18" charset="0"/>
+              </a:rPr>
+              <a:t>Daily Scrum Plan</a:t>
+            </a:r>
+            <a:endParaRPr lang="en-GB" sz="2400" dirty="0">
+              <a:solidFill>
+                <a:schemeClr val="dk1"/>
+              </a:solidFill>
+              <a:latin typeface="Times New Roman" panose="02020603050405020304" pitchFamily="18" charset="0"/>
+              <a:cs typeface="Times New Roman" panose="02020603050405020304" pitchFamily="18" charset="0"/>
+            </a:endParaRPr>
+          </a:p>
+          <a:p>
+            <a:pPr marL="802640" lvl="0" indent="-581025" algn="l" rtl="0">
+              <a:spcBef>
+                <a:spcPts val="0"/>
+              </a:spcBef>
+              <a:spcAft>
+                <a:spcPts val="0"/>
+              </a:spcAft>
+              <a:buClr>
+                <a:schemeClr val="dk1"/>
+              </a:buClr>
+              <a:buSzPts val="1900"/>
+              <a:buAutoNum type="arabicPeriod"/>
+            </a:pPr>
+            <a:r>
+              <a:rPr lang="en-US" sz="2400" dirty="0">
+                <a:solidFill>
+                  <a:schemeClr val="dk1"/>
+                </a:solidFill>
+                <a:latin typeface="Times New Roman" panose="02020603050405020304" pitchFamily="18" charset="0"/>
+                <a:cs typeface="Times New Roman" panose="02020603050405020304" pitchFamily="18" charset="0"/>
+              </a:rPr>
+              <a:t>Proposed System – System Design</a:t>
+            </a:r>
+          </a:p>
+          <a:p>
+            <a:pPr marL="802640" lvl="0" indent="-581025" algn="l" rtl="0">
+              <a:spcBef>
+                <a:spcPts val="0"/>
+              </a:spcBef>
+              <a:spcAft>
+                <a:spcPts val="0"/>
+              </a:spcAft>
+              <a:buClr>
+                <a:schemeClr val="dk1"/>
+              </a:buClr>
+              <a:buSzPts val="1900"/>
+              <a:buAutoNum type="arabicPeriod"/>
+            </a:pPr>
+            <a:r>
+              <a:rPr lang="en-US" sz="2400" dirty="0">
+                <a:solidFill>
+                  <a:schemeClr val="dk1"/>
+                </a:solidFill>
+                <a:latin typeface="Times New Roman" panose="02020603050405020304" pitchFamily="18" charset="0"/>
+                <a:cs typeface="Times New Roman" panose="02020603050405020304" pitchFamily="18" charset="0"/>
+              </a:rPr>
+              <a:t>Proposed System – Architecture </a:t>
+            </a:r>
+          </a:p>
+          <a:p>
+            <a:pPr marL="802640" indent="-581025">
+              <a:buClr>
+                <a:schemeClr val="dk1"/>
+              </a:buClr>
+              <a:buSzPts val="1900"/>
+              <a:buFont typeface="Arial" panose="020B0604020202020204"/>
+              <a:buAutoNum type="arabicPeriod"/>
+            </a:pPr>
+            <a:r>
+              <a:rPr lang="en-US" sz="2400" dirty="0">
+                <a:solidFill>
+                  <a:srgbClr val="000000"/>
+                </a:solidFill>
+                <a:effectLst/>
+                <a:latin typeface="Times New Roman" panose="02020603050405020304" pitchFamily="18" charset="0"/>
+                <a:ea typeface="Droid Sans"/>
+                <a:cs typeface="Times New Roman" panose="02020603050405020304" pitchFamily="18" charset="0"/>
+              </a:rPr>
+              <a:t>Functional Modules</a:t>
+            </a:r>
+          </a:p>
+          <a:p>
+            <a:pPr marL="802640" indent="-581025">
+              <a:buClr>
+                <a:schemeClr val="dk1"/>
+              </a:buClr>
+              <a:buSzPts val="1900"/>
+              <a:buFont typeface="Arial" panose="020B0604020202020204"/>
+              <a:buAutoNum type="arabicPeriod"/>
+            </a:pPr>
+            <a:r>
+              <a:rPr lang="en-US" sz="2400" dirty="0">
+                <a:solidFill>
+                  <a:schemeClr val="dk1"/>
+                </a:solidFill>
+                <a:latin typeface="Times New Roman" panose="02020603050405020304" pitchFamily="18" charset="0"/>
+                <a:cs typeface="Times New Roman" panose="02020603050405020304" pitchFamily="18" charset="0"/>
+              </a:rPr>
+              <a:t>Functional Test Case </a:t>
+            </a:r>
+          </a:p>
+          <a:p>
+            <a:pPr marL="802640" indent="-581025">
+              <a:buClr>
+                <a:schemeClr val="dk1"/>
+              </a:buClr>
+              <a:buSzPts val="1900"/>
+              <a:buFont typeface="Arial" panose="020B0604020202020204"/>
+              <a:buAutoNum type="arabicPeriod"/>
+            </a:pPr>
+            <a:r>
+              <a:rPr lang="en-US" sz="2400" dirty="0">
+                <a:solidFill>
+                  <a:schemeClr val="dk1"/>
+                </a:solidFill>
+                <a:latin typeface="Times New Roman" panose="02020603050405020304" pitchFamily="18" charset="0"/>
+                <a:cs typeface="Times New Roman" panose="02020603050405020304" pitchFamily="18" charset="0"/>
+              </a:rPr>
+              <a:t>Implementation Details</a:t>
+            </a:r>
+          </a:p>
+          <a:p>
+            <a:pPr marL="802640" lvl="0" indent="-581025" algn="l" rtl="0">
+              <a:spcBef>
+                <a:spcPts val="0"/>
+              </a:spcBef>
+              <a:spcAft>
+                <a:spcPts val="0"/>
+              </a:spcAft>
+              <a:buClr>
+                <a:schemeClr val="dk1"/>
+              </a:buClr>
+              <a:buSzPts val="1900"/>
+              <a:buAutoNum type="arabicPeriod"/>
+            </a:pPr>
+            <a:r>
+              <a:rPr lang="en-US" sz="2400" dirty="0">
+                <a:solidFill>
+                  <a:schemeClr val="dk1"/>
+                </a:solidFill>
+                <a:latin typeface="Times New Roman" panose="02020603050405020304" pitchFamily="18" charset="0"/>
+                <a:cs typeface="Times New Roman" panose="02020603050405020304" pitchFamily="18" charset="0"/>
+              </a:rPr>
+              <a:t>Result analysis </a:t>
+            </a:r>
+          </a:p>
+          <a:p>
+            <a:pPr marL="802640" lvl="0" indent="-581025" algn="l" rtl="0">
+              <a:spcBef>
+                <a:spcPts val="0"/>
+              </a:spcBef>
+              <a:spcAft>
+                <a:spcPts val="0"/>
+              </a:spcAft>
+              <a:buClr>
+                <a:schemeClr val="dk1"/>
+              </a:buClr>
+              <a:buSzPts val="1900"/>
+              <a:buAutoNum type="arabicPeriod"/>
+            </a:pPr>
+            <a:r>
+              <a:rPr lang="en-US" sz="2400" dirty="0">
+                <a:latin typeface="Times New Roman" panose="02020603050405020304" pitchFamily="18" charset="0"/>
+                <a:cs typeface="Times New Roman" panose="02020603050405020304" pitchFamily="18" charset="0"/>
+              </a:rPr>
+              <a:t>References </a:t>
+            </a:r>
+          </a:p>
+        </p:txBody>
+      </p:sp>
+      <p:sp>
+        <p:nvSpPr>
+          <p:cNvPr id="71" name="Google Shape;71;p15"/>
+          <p:cNvSpPr txBox="1">
+            <a:spLocks noGrp="1"/>
+          </p:cNvSpPr>
+          <p:nvPr>
+            <p:ph type="title" idx="4294967295"/>
+          </p:nvPr>
+        </p:nvSpPr>
+        <p:spPr>
+          <a:xfrm>
+            <a:off x="2537100" y="188723"/>
+            <a:ext cx="4069800" cy="514500"/>
+          </a:xfrm>
+          <a:prstGeom prst="rect">
+            <a:avLst/>
+          </a:prstGeom>
+          <a:noFill/>
+          <a:ln>
+            <a:noFill/>
+          </a:ln>
+        </p:spPr>
+        <p:txBody>
+          <a:bodyPr spcFirstLastPara="1" wrap="square" lIns="0" tIns="6350" rIns="0" bIns="0" anchor="t" anchorCtr="0">
+            <a:spAutoFit/>
+          </a:bodyPr>
+          <a:lstStyle/>
+          <a:p>
+            <a:pPr marL="12700" lvl="0" indent="0" algn="ctr" rtl="0">
+              <a:lnSpc>
+                <a:spcPct val="100000"/>
+              </a:lnSpc>
+              <a:spcBef>
+                <a:spcPts val="0"/>
+              </a:spcBef>
+              <a:spcAft>
+                <a:spcPts val="0"/>
+              </a:spcAft>
+              <a:buSzPts val="2800"/>
+              <a:buNone/>
+            </a:pPr>
+            <a:r>
+              <a:rPr lang="en-GB" sz="3200" dirty="0">
+                <a:latin typeface="Times New Roman" panose="02020603050405020304" pitchFamily="18" charset="0"/>
+                <a:ea typeface="Lucida Sans" panose="020B0602030504020204"/>
+                <a:cs typeface="Times New Roman" panose="02020603050405020304" pitchFamily="18" charset="0"/>
+                <a:sym typeface="Lucida Sans" panose="020B0602030504020204"/>
+              </a:rPr>
+              <a:t>Table of Contents</a:t>
+            </a:r>
+            <a:endParaRPr sz="3200" dirty="0">
+              <a:latin typeface="Times New Roman" panose="02020603050405020304" pitchFamily="18" charset="0"/>
+              <a:ea typeface="Lucida Sans" panose="020B0602030504020204"/>
+              <a:cs typeface="Times New Roman" panose="02020603050405020304" pitchFamily="18" charset="0"/>
+              <a:sym typeface="Lucida Sans" panose="020B0602030504020204"/>
+            </a:endParaRPr>
+          </a:p>
+        </p:txBody>
+      </p:sp>
+    </p:spTree>
+  </p:cSld>
+  <p:clrMapOvr>
+    <a:masterClrMapping/>
+  </p:clrMapOvr>
+</p:sld>
+</file>
+
+<file path=ppt/slides/slide20.xml><?xml version="1.0" encoding="utf-8"?>
+<p:sld xmlns:a="http://schemas.openxmlformats.org/drawingml/2006/main" xmlns:r="http://schemas.openxmlformats.org/officeDocument/2006/relationships" xmlns:p="http://schemas.openxmlformats.org/presentationml/2006/main">
+  <p:cSld>
+    <p:spTree>
+      <p:nvGrpSpPr>
+        <p:cNvPr id="1" name="Shape 68"/>
+        <p:cNvGrpSpPr/>
+        <p:nvPr/>
+      </p:nvGrpSpPr>
+      <p:grpSpPr>
+        <a:xfrm>
+          <a:off x="0" y="0"/>
+          <a:ext cx="0" cy="0"/>
+          <a:chOff x="0" y="0"/>
+          <a:chExt cx="0" cy="0"/>
+        </a:xfrm>
+      </p:grpSpPr>
+      <p:pic>
+        <p:nvPicPr>
+          <p:cNvPr id="69" name="Google Shape;69;p15"/>
+          <p:cNvPicPr preferRelativeResize="0"/>
+          <p:nvPr/>
+        </p:nvPicPr>
+        <p:blipFill rotWithShape="1">
+          <a:blip r:embed="rId3"/>
+          <a:srcRect/>
+          <a:stretch>
+            <a:fillRect/>
+          </a:stretch>
+        </p:blipFill>
+        <p:spPr>
+          <a:xfrm>
+            <a:off x="170327" y="218750"/>
+            <a:ext cx="1968300" cy="666875"/>
+          </a:xfrm>
+          <a:prstGeom prst="rect">
+            <a:avLst/>
+          </a:prstGeom>
+          <a:noFill/>
+          <a:ln>
+            <a:noFill/>
+          </a:ln>
+        </p:spPr>
+      </p:pic>
+      <p:sp>
+        <p:nvSpPr>
+          <p:cNvPr id="70" name="Google Shape;70;p15"/>
+          <p:cNvSpPr txBox="1"/>
+          <p:nvPr/>
+        </p:nvSpPr>
+        <p:spPr>
+          <a:xfrm>
+            <a:off x="316259" y="859668"/>
+            <a:ext cx="8657414" cy="3139291"/>
+          </a:xfrm>
+          <a:prstGeom prst="rect">
+            <a:avLst/>
+          </a:prstGeom>
+          <a:noFill/>
+          <a:ln>
+            <a:noFill/>
+          </a:ln>
+        </p:spPr>
+        <p:txBody>
+          <a:bodyPr spcFirstLastPara="1" wrap="square" lIns="91425" tIns="91425" rIns="91425" bIns="91425" anchor="t" anchorCtr="0">
+            <a:spAutoFit/>
+          </a:bodyPr>
+          <a:lstStyle/>
+          <a:p>
+            <a:pPr algn="l"/>
+            <a:r>
+              <a:rPr lang="en-US" sz="1200" b="1" i="0" dirty="0" err="1">
+                <a:solidFill>
+                  <a:schemeClr val="tx1"/>
+                </a:solidFill>
+                <a:effectLst/>
+                <a:latin typeface="Times New Roman" panose="02020603050405020304" pitchFamily="18" charset="0"/>
+                <a:cs typeface="Times New Roman" panose="02020603050405020304" pitchFamily="18" charset="0"/>
+              </a:rPr>
+              <a:t>WalletManager</a:t>
+            </a:r>
+            <a:r>
+              <a:rPr lang="en-US" sz="1200" b="1" i="0" dirty="0">
+                <a:solidFill>
+                  <a:schemeClr val="tx1"/>
+                </a:solidFill>
+                <a:effectLst/>
+                <a:latin typeface="Times New Roman" panose="02020603050405020304" pitchFamily="18" charset="0"/>
+                <a:cs typeface="Times New Roman" panose="02020603050405020304" pitchFamily="18" charset="0"/>
+              </a:rPr>
+              <a:t> Contract</a:t>
+            </a:r>
+            <a:endParaRPr lang="en-US" sz="1200" b="0" i="0" dirty="0">
+              <a:solidFill>
+                <a:schemeClr val="tx1"/>
+              </a:solidFill>
+              <a:effectLst/>
+              <a:latin typeface="Times New Roman" panose="02020603050405020304" pitchFamily="18" charset="0"/>
+              <a:cs typeface="Times New Roman" panose="02020603050405020304" pitchFamily="18" charset="0"/>
+            </a:endParaRPr>
+          </a:p>
+          <a:p>
+            <a:pPr marL="457200" lvl="1" algn="l"/>
+            <a:r>
+              <a:rPr lang="en-US" sz="1200" b="1" i="0" dirty="0">
+                <a:solidFill>
+                  <a:schemeClr val="tx1"/>
+                </a:solidFill>
+                <a:effectLst/>
+                <a:latin typeface="Times New Roman" panose="02020603050405020304" pitchFamily="18" charset="0"/>
+                <a:cs typeface="Times New Roman" panose="02020603050405020304" pitchFamily="18" charset="0"/>
+              </a:rPr>
+              <a:t>Purpose &amp; Design:</a:t>
+            </a:r>
+            <a:br>
+              <a:rPr lang="en-US" sz="1200" b="0" i="0" dirty="0">
+                <a:solidFill>
+                  <a:schemeClr val="tx1"/>
+                </a:solidFill>
+                <a:effectLst/>
+                <a:latin typeface="Times New Roman" panose="02020603050405020304" pitchFamily="18" charset="0"/>
+                <a:cs typeface="Times New Roman" panose="02020603050405020304" pitchFamily="18" charset="0"/>
+              </a:rPr>
+            </a:br>
+            <a:r>
+              <a:rPr lang="en-US" sz="1200" b="0" i="0" dirty="0">
+                <a:solidFill>
+                  <a:schemeClr val="tx1"/>
+                </a:solidFill>
+                <a:effectLst/>
+                <a:latin typeface="Times New Roman" panose="02020603050405020304" pitchFamily="18" charset="0"/>
+                <a:cs typeface="Times New Roman" panose="02020603050405020304" pitchFamily="18" charset="0"/>
+              </a:rPr>
+              <a:t>The </a:t>
+            </a:r>
+            <a:r>
+              <a:rPr lang="en-US" sz="1200" b="0" i="0" dirty="0" err="1">
+                <a:solidFill>
+                  <a:schemeClr val="tx1"/>
+                </a:solidFill>
+                <a:effectLst/>
+                <a:latin typeface="Times New Roman" panose="02020603050405020304" pitchFamily="18" charset="0"/>
+                <a:cs typeface="Times New Roman" panose="02020603050405020304" pitchFamily="18" charset="0"/>
+              </a:rPr>
+              <a:t>WalletManager</a:t>
+            </a:r>
+            <a:r>
+              <a:rPr lang="en-US" sz="1200" b="0" i="0" dirty="0">
+                <a:solidFill>
+                  <a:schemeClr val="tx1"/>
+                </a:solidFill>
+                <a:effectLst/>
+                <a:latin typeface="Times New Roman" panose="02020603050405020304" pitchFamily="18" charset="0"/>
+                <a:cs typeface="Times New Roman" panose="02020603050405020304" pitchFamily="18" charset="0"/>
+              </a:rPr>
+              <a:t> contract acts as a factory and manager for </a:t>
+            </a:r>
+            <a:r>
+              <a:rPr lang="en-US" sz="1200" b="0" i="0" dirty="0" err="1">
+                <a:solidFill>
+                  <a:schemeClr val="tx1"/>
+                </a:solidFill>
+                <a:effectLst/>
+                <a:latin typeface="Times New Roman" panose="02020603050405020304" pitchFamily="18" charset="0"/>
+                <a:cs typeface="Times New Roman" panose="02020603050405020304" pitchFamily="18" charset="0"/>
+              </a:rPr>
+              <a:t>UserWallet</a:t>
+            </a:r>
+            <a:r>
+              <a:rPr lang="en-US" sz="1200" b="0" i="0" dirty="0">
+                <a:solidFill>
+                  <a:schemeClr val="tx1"/>
+                </a:solidFill>
+                <a:effectLst/>
+                <a:latin typeface="Times New Roman" panose="02020603050405020304" pitchFamily="18" charset="0"/>
+                <a:cs typeface="Times New Roman" panose="02020603050405020304" pitchFamily="18" charset="0"/>
+              </a:rPr>
+              <a:t> contracts. It facilitates the creation of new wallets for vehicles and maintains mappings that associate vehicle identifiers (car IDs) with their corresponding wallets. Additionally, it stores user profiles securely on-chain.</a:t>
+            </a:r>
+          </a:p>
+          <a:p>
+            <a:pPr marL="457200" lvl="1" algn="l"/>
+            <a:r>
+              <a:rPr lang="en-US" sz="1200" b="1" i="0" dirty="0">
+                <a:solidFill>
+                  <a:schemeClr val="tx1"/>
+                </a:solidFill>
+                <a:effectLst/>
+                <a:latin typeface="Times New Roman" panose="02020603050405020304" pitchFamily="18" charset="0"/>
+                <a:cs typeface="Times New Roman" panose="02020603050405020304" pitchFamily="18" charset="0"/>
+              </a:rPr>
+              <a:t>Key Functionalities:</a:t>
+            </a:r>
+            <a:endParaRPr lang="en-US" sz="1200" b="0" i="0" dirty="0">
+              <a:solidFill>
+                <a:schemeClr val="tx1"/>
+              </a:solidFill>
+              <a:effectLst/>
+              <a:latin typeface="Times New Roman" panose="02020603050405020304" pitchFamily="18" charset="0"/>
+              <a:cs typeface="Times New Roman" panose="02020603050405020304" pitchFamily="18" charset="0"/>
+            </a:endParaRPr>
+          </a:p>
+          <a:p>
+            <a:pPr marL="1143000" lvl="2" indent="-228600" algn="l">
+              <a:buFont typeface="+mj-lt"/>
+              <a:buAutoNum type="arabicPeriod"/>
+            </a:pPr>
+            <a:r>
+              <a:rPr lang="en-US" sz="1200" b="1" i="0" dirty="0">
+                <a:solidFill>
+                  <a:schemeClr val="tx1"/>
+                </a:solidFill>
+                <a:effectLst/>
+                <a:latin typeface="Times New Roman" panose="02020603050405020304" pitchFamily="18" charset="0"/>
+                <a:cs typeface="Times New Roman" panose="02020603050405020304" pitchFamily="18" charset="0"/>
+              </a:rPr>
+              <a:t>Wallet Creation:</a:t>
+            </a:r>
+            <a:br>
+              <a:rPr lang="en-US" sz="1200" b="0" i="0" dirty="0">
+                <a:solidFill>
+                  <a:schemeClr val="tx1"/>
+                </a:solidFill>
+                <a:effectLst/>
+                <a:latin typeface="Times New Roman" panose="02020603050405020304" pitchFamily="18" charset="0"/>
+                <a:cs typeface="Times New Roman" panose="02020603050405020304" pitchFamily="18" charset="0"/>
+              </a:rPr>
+            </a:br>
+            <a:r>
+              <a:rPr lang="en-US" sz="1200" b="0" i="0" dirty="0">
+                <a:solidFill>
+                  <a:schemeClr val="tx1"/>
+                </a:solidFill>
+                <a:effectLst/>
+                <a:latin typeface="Times New Roman" panose="02020603050405020304" pitchFamily="18" charset="0"/>
+                <a:cs typeface="Times New Roman" panose="02020603050405020304" pitchFamily="18" charset="0"/>
+              </a:rPr>
+              <a:t>The </a:t>
+            </a:r>
+            <a:r>
+              <a:rPr lang="en-US" sz="1200" b="0" i="0" dirty="0" err="1">
+                <a:solidFill>
+                  <a:schemeClr val="tx1"/>
+                </a:solidFill>
+                <a:effectLst/>
+                <a:latin typeface="Times New Roman" panose="02020603050405020304" pitchFamily="18" charset="0"/>
+                <a:cs typeface="Times New Roman" panose="02020603050405020304" pitchFamily="18" charset="0"/>
+              </a:rPr>
+              <a:t>createWalletForCar</a:t>
+            </a:r>
+            <a:r>
+              <a:rPr lang="en-US" sz="1200" b="0" i="0" dirty="0">
+                <a:solidFill>
+                  <a:schemeClr val="tx1"/>
+                </a:solidFill>
+                <a:effectLst/>
+                <a:latin typeface="Times New Roman" panose="02020603050405020304" pitchFamily="18" charset="0"/>
+                <a:cs typeface="Times New Roman" panose="02020603050405020304" pitchFamily="18" charset="0"/>
+              </a:rPr>
+              <a:t> function checks if a wallet already exists for a given vehicle (identified by its car ID). If not, it deploys a new </a:t>
+            </a:r>
+            <a:r>
+              <a:rPr lang="en-US" sz="1200" b="0" i="0" dirty="0" err="1">
+                <a:solidFill>
+                  <a:schemeClr val="tx1"/>
+                </a:solidFill>
+                <a:effectLst/>
+                <a:latin typeface="Times New Roman" panose="02020603050405020304" pitchFamily="18" charset="0"/>
+                <a:cs typeface="Times New Roman" panose="02020603050405020304" pitchFamily="18" charset="0"/>
+              </a:rPr>
+              <a:t>UserWallet</a:t>
+            </a:r>
+            <a:r>
+              <a:rPr lang="en-US" sz="1200" b="0" i="0" dirty="0">
+                <a:solidFill>
+                  <a:schemeClr val="tx1"/>
+                </a:solidFill>
+                <a:effectLst/>
+                <a:latin typeface="Times New Roman" panose="02020603050405020304" pitchFamily="18" charset="0"/>
+                <a:cs typeface="Times New Roman" panose="02020603050405020304" pitchFamily="18" charset="0"/>
+              </a:rPr>
+              <a:t> instance, transfers its ownership to the caller (typically a system administrator or user), and records the mapping. This process is logged via the </a:t>
+            </a:r>
+            <a:r>
+              <a:rPr lang="en-US" sz="1200" b="0" i="0" dirty="0" err="1">
+                <a:solidFill>
+                  <a:schemeClr val="tx1"/>
+                </a:solidFill>
+                <a:effectLst/>
+                <a:latin typeface="Times New Roman" panose="02020603050405020304" pitchFamily="18" charset="0"/>
+                <a:cs typeface="Times New Roman" panose="02020603050405020304" pitchFamily="18" charset="0"/>
+              </a:rPr>
+              <a:t>WalletCreated</a:t>
+            </a:r>
+            <a:r>
+              <a:rPr lang="en-US" sz="1200" b="0" i="0" dirty="0">
+                <a:solidFill>
+                  <a:schemeClr val="tx1"/>
+                </a:solidFill>
+                <a:effectLst/>
+                <a:latin typeface="Times New Roman" panose="02020603050405020304" pitchFamily="18" charset="0"/>
+                <a:cs typeface="Times New Roman" panose="02020603050405020304" pitchFamily="18" charset="0"/>
+              </a:rPr>
+              <a:t> event for auditability.</a:t>
+            </a:r>
+          </a:p>
+          <a:p>
+            <a:pPr marL="1143000" lvl="2" indent="-228600" algn="l">
+              <a:buFont typeface="+mj-lt"/>
+              <a:buAutoNum type="arabicPeriod"/>
+            </a:pPr>
+            <a:r>
+              <a:rPr lang="en-US" sz="1200" b="1" i="0" dirty="0">
+                <a:solidFill>
+                  <a:schemeClr val="tx1"/>
+                </a:solidFill>
+                <a:effectLst/>
+                <a:latin typeface="Times New Roman" panose="02020603050405020304" pitchFamily="18" charset="0"/>
+                <a:cs typeface="Times New Roman" panose="02020603050405020304" pitchFamily="18" charset="0"/>
+              </a:rPr>
+              <a:t>Profile Management:</a:t>
+            </a:r>
+            <a:br>
+              <a:rPr lang="en-US" sz="1200" b="0" i="0" dirty="0">
+                <a:solidFill>
+                  <a:schemeClr val="tx1"/>
+                </a:solidFill>
+                <a:effectLst/>
+                <a:latin typeface="Times New Roman" panose="02020603050405020304" pitchFamily="18" charset="0"/>
+                <a:cs typeface="Times New Roman" panose="02020603050405020304" pitchFamily="18" charset="0"/>
+              </a:rPr>
+            </a:br>
+            <a:r>
+              <a:rPr lang="en-US" sz="1200" b="0" i="0" dirty="0">
+                <a:solidFill>
+                  <a:schemeClr val="tx1"/>
+                </a:solidFill>
+                <a:effectLst/>
+                <a:latin typeface="Times New Roman" panose="02020603050405020304" pitchFamily="18" charset="0"/>
+                <a:cs typeface="Times New Roman" panose="02020603050405020304" pitchFamily="18" charset="0"/>
+              </a:rPr>
+              <a:t>Functions </a:t>
+            </a:r>
+            <a:r>
+              <a:rPr lang="en-US" sz="1200" b="0" i="0" dirty="0" err="1">
+                <a:solidFill>
+                  <a:schemeClr val="tx1"/>
+                </a:solidFill>
+                <a:effectLst/>
+                <a:latin typeface="Times New Roman" panose="02020603050405020304" pitchFamily="18" charset="0"/>
+                <a:cs typeface="Times New Roman" panose="02020603050405020304" pitchFamily="18" charset="0"/>
+              </a:rPr>
+              <a:t>setProfile</a:t>
+            </a:r>
+            <a:r>
+              <a:rPr lang="en-US" sz="1200" b="0" i="0" dirty="0">
+                <a:solidFill>
+                  <a:schemeClr val="tx1"/>
+                </a:solidFill>
+                <a:effectLst/>
+                <a:latin typeface="Times New Roman" panose="02020603050405020304" pitchFamily="18" charset="0"/>
+                <a:cs typeface="Times New Roman" panose="02020603050405020304" pitchFamily="18" charset="0"/>
+              </a:rPr>
+              <a:t> and </a:t>
+            </a:r>
+            <a:r>
+              <a:rPr lang="en-US" sz="1200" b="0" i="0" dirty="0" err="1">
+                <a:solidFill>
+                  <a:schemeClr val="tx1"/>
+                </a:solidFill>
+                <a:effectLst/>
+                <a:latin typeface="Times New Roman" panose="02020603050405020304" pitchFamily="18" charset="0"/>
+                <a:cs typeface="Times New Roman" panose="02020603050405020304" pitchFamily="18" charset="0"/>
+              </a:rPr>
+              <a:t>getProfile</a:t>
+            </a:r>
+            <a:r>
+              <a:rPr lang="en-US" sz="1200" b="0" i="0" dirty="0">
+                <a:solidFill>
+                  <a:schemeClr val="tx1"/>
+                </a:solidFill>
+                <a:effectLst/>
+                <a:latin typeface="Times New Roman" panose="02020603050405020304" pitchFamily="18" charset="0"/>
+                <a:cs typeface="Times New Roman" panose="02020603050405020304" pitchFamily="18" charset="0"/>
+              </a:rPr>
+              <a:t> allow users to store and retrieve their personal details (e.g., name, gender, city, </a:t>
+            </a:r>
+            <a:r>
+              <a:rPr lang="en-US" sz="1200" b="0" i="0" dirty="0" err="1">
+                <a:solidFill>
+                  <a:schemeClr val="tx1"/>
+                </a:solidFill>
+                <a:effectLst/>
+                <a:latin typeface="Times New Roman" panose="02020603050405020304" pitchFamily="18" charset="0"/>
+                <a:cs typeface="Times New Roman" panose="02020603050405020304" pitchFamily="18" charset="0"/>
+              </a:rPr>
+              <a:t>pincode</a:t>
+            </a:r>
+            <a:r>
+              <a:rPr lang="en-US" sz="1200" b="0" i="0" dirty="0">
+                <a:solidFill>
+                  <a:schemeClr val="tx1"/>
+                </a:solidFill>
+                <a:effectLst/>
+                <a:latin typeface="Times New Roman" panose="02020603050405020304" pitchFamily="18" charset="0"/>
+                <a:cs typeface="Times New Roman" panose="02020603050405020304" pitchFamily="18" charset="0"/>
+              </a:rPr>
+              <a:t>) in a structured manner, linking these details to their wallet through a secure user proof mechanism.</a:t>
+            </a:r>
+          </a:p>
+          <a:p>
+            <a:pPr marL="1143000" lvl="2" indent="-228600" algn="l">
+              <a:buFont typeface="+mj-lt"/>
+              <a:buAutoNum type="arabicPeriod"/>
+            </a:pPr>
+            <a:r>
+              <a:rPr lang="en-US" sz="1200" b="1" i="0" dirty="0">
+                <a:solidFill>
+                  <a:schemeClr val="tx1"/>
+                </a:solidFill>
+                <a:effectLst/>
+                <a:latin typeface="Times New Roman" panose="02020603050405020304" pitchFamily="18" charset="0"/>
+                <a:cs typeface="Times New Roman" panose="02020603050405020304" pitchFamily="18" charset="0"/>
+              </a:rPr>
+              <a:t>Whitelist Aggregation:</a:t>
+            </a:r>
+            <a:br>
+              <a:rPr lang="en-US" sz="1200" b="0" i="0" dirty="0">
+                <a:solidFill>
+                  <a:schemeClr val="tx1"/>
+                </a:solidFill>
+                <a:effectLst/>
+                <a:latin typeface="Times New Roman" panose="02020603050405020304" pitchFamily="18" charset="0"/>
+                <a:cs typeface="Times New Roman" panose="02020603050405020304" pitchFamily="18" charset="0"/>
+              </a:rPr>
+            </a:br>
+            <a:r>
+              <a:rPr lang="en-US" sz="1200" b="0" i="0" dirty="0">
+                <a:solidFill>
+                  <a:schemeClr val="tx1"/>
+                </a:solidFill>
+                <a:effectLst/>
+                <a:latin typeface="Times New Roman" panose="02020603050405020304" pitchFamily="18" charset="0"/>
+                <a:cs typeface="Times New Roman" panose="02020603050405020304" pitchFamily="18" charset="0"/>
+              </a:rPr>
+              <a:t>The </a:t>
+            </a:r>
+            <a:r>
+              <a:rPr lang="en-US" sz="1200" b="0" i="0" dirty="0" err="1">
+                <a:solidFill>
+                  <a:schemeClr val="tx1"/>
+                </a:solidFill>
+                <a:effectLst/>
+                <a:latin typeface="Times New Roman" panose="02020603050405020304" pitchFamily="18" charset="0"/>
+                <a:cs typeface="Times New Roman" panose="02020603050405020304" pitchFamily="18" charset="0"/>
+              </a:rPr>
+              <a:t>addToWhitelist_UserWallet</a:t>
+            </a:r>
+            <a:r>
+              <a:rPr lang="en-US" sz="1200" b="0" i="0" dirty="0">
+                <a:solidFill>
+                  <a:schemeClr val="tx1"/>
+                </a:solidFill>
+                <a:effectLst/>
+                <a:latin typeface="Times New Roman" panose="02020603050405020304" pitchFamily="18" charset="0"/>
+                <a:cs typeface="Times New Roman" panose="02020603050405020304" pitchFamily="18" charset="0"/>
+              </a:rPr>
+              <a:t> function iterates over an array of addresses and adds them to the whitelist of a specific </a:t>
+            </a:r>
+            <a:r>
+              <a:rPr lang="en-US" sz="1200" b="0" i="0" dirty="0" err="1">
+                <a:solidFill>
+                  <a:schemeClr val="tx1"/>
+                </a:solidFill>
+                <a:effectLst/>
+                <a:latin typeface="Times New Roman" panose="02020603050405020304" pitchFamily="18" charset="0"/>
+                <a:cs typeface="Times New Roman" panose="02020603050405020304" pitchFamily="18" charset="0"/>
+              </a:rPr>
+              <a:t>UserWallet</a:t>
+            </a:r>
+            <a:r>
+              <a:rPr lang="en-US" sz="1200" b="0" i="0" dirty="0">
+                <a:solidFill>
+                  <a:schemeClr val="tx1"/>
+                </a:solidFill>
+                <a:effectLst/>
+                <a:latin typeface="Times New Roman" panose="02020603050405020304" pitchFamily="18" charset="0"/>
+                <a:cs typeface="Times New Roman" panose="02020603050405020304" pitchFamily="18" charset="0"/>
+              </a:rPr>
+              <a:t>, ensuring that only authorized addresses can trigger sensitive operations like fund withdrawals.</a:t>
+            </a:r>
+          </a:p>
+        </p:txBody>
+      </p:sp>
+      <p:sp>
+        <p:nvSpPr>
+          <p:cNvPr id="71" name="Google Shape;71;p15"/>
+          <p:cNvSpPr txBox="1">
+            <a:spLocks noGrp="1"/>
+          </p:cNvSpPr>
+          <p:nvPr>
+            <p:ph type="title" idx="4294967295"/>
+          </p:nvPr>
+        </p:nvSpPr>
+        <p:spPr>
+          <a:xfrm>
+            <a:off x="2537100" y="188723"/>
+            <a:ext cx="4069800" cy="514500"/>
+          </a:xfrm>
+          <a:prstGeom prst="rect">
+            <a:avLst/>
+          </a:prstGeom>
+          <a:noFill/>
+          <a:ln>
+            <a:noFill/>
+          </a:ln>
+        </p:spPr>
+        <p:txBody>
+          <a:bodyPr spcFirstLastPara="1" wrap="square" lIns="0" tIns="6350" rIns="0" bIns="0" anchor="t" anchorCtr="0">
+            <a:spAutoFit/>
+          </a:bodyPr>
+          <a:lstStyle/>
+          <a:p>
+            <a:pPr marL="12700" lvl="0" indent="0" algn="ctr" rtl="0">
+              <a:lnSpc>
+                <a:spcPct val="100000"/>
+              </a:lnSpc>
+              <a:spcBef>
+                <a:spcPts val="0"/>
+              </a:spcBef>
+              <a:spcAft>
+                <a:spcPts val="0"/>
+              </a:spcAft>
+              <a:buSzPts val="2800"/>
+              <a:buNone/>
+            </a:pPr>
+            <a:r>
+              <a:rPr lang="en-GB" sz="3200" dirty="0">
+                <a:latin typeface="Times New Roman" panose="02020603050405020304" pitchFamily="18" charset="0"/>
+                <a:ea typeface="Lucida Sans" panose="020B0602030504020204"/>
+                <a:cs typeface="Times New Roman" panose="02020603050405020304" pitchFamily="18" charset="0"/>
+                <a:sym typeface="Lucida Sans" panose="020B0602030504020204"/>
+              </a:rPr>
+              <a:t>Implementation</a:t>
+            </a:r>
+            <a:endParaRPr sz="3200" dirty="0">
+              <a:latin typeface="Times New Roman" panose="02020603050405020304" pitchFamily="18" charset="0"/>
+              <a:ea typeface="Lucida Sans" panose="020B0602030504020204"/>
+              <a:cs typeface="Times New Roman" panose="02020603050405020304" pitchFamily="18" charset="0"/>
+              <a:sym typeface="Lucida Sans" panose="020B0602030504020204"/>
+            </a:endParaRPr>
+          </a:p>
+        </p:txBody>
+      </p:sp>
+    </p:spTree>
+    <p:extLst>
+      <p:ext uri="{BB962C8B-B14F-4D97-AF65-F5344CB8AC3E}">
+        <p14:creationId xmlns:p14="http://schemas.microsoft.com/office/powerpoint/2010/main" val="2075044225"/>
+      </p:ext>
+    </p:extLst>
+  </p:cSld>
+  <p:clrMapOvr>
+    <a:masterClrMapping/>
+  </p:clrMapOvr>
+</p:sld>
+</file>
+
+<file path=ppt/slides/slide21.xml><?xml version="1.0" encoding="utf-8"?>
+<p:sld xmlns:a="http://schemas.openxmlformats.org/drawingml/2006/main" xmlns:r="http://schemas.openxmlformats.org/officeDocument/2006/relationships" xmlns:p="http://schemas.openxmlformats.org/presentationml/2006/main">
+  <p:cSld>
+    <p:spTree>
+      <p:nvGrpSpPr>
+        <p:cNvPr id="1" name="Shape 68"/>
+        <p:cNvGrpSpPr/>
+        <p:nvPr/>
+      </p:nvGrpSpPr>
+      <p:grpSpPr>
+        <a:xfrm>
+          <a:off x="0" y="0"/>
+          <a:ext cx="0" cy="0"/>
+          <a:chOff x="0" y="0"/>
+          <a:chExt cx="0" cy="0"/>
+        </a:xfrm>
+      </p:grpSpPr>
+      <p:pic>
+        <p:nvPicPr>
+          <p:cNvPr id="69" name="Google Shape;69;p15"/>
+          <p:cNvPicPr preferRelativeResize="0"/>
+          <p:nvPr/>
+        </p:nvPicPr>
+        <p:blipFill rotWithShape="1">
+          <a:blip r:embed="rId3"/>
+          <a:srcRect/>
+          <a:stretch>
+            <a:fillRect/>
+          </a:stretch>
+        </p:blipFill>
+        <p:spPr>
+          <a:xfrm>
+            <a:off x="170327" y="218750"/>
+            <a:ext cx="1968300" cy="666875"/>
+          </a:xfrm>
+          <a:prstGeom prst="rect">
+            <a:avLst/>
+          </a:prstGeom>
+          <a:noFill/>
+          <a:ln>
+            <a:noFill/>
+          </a:ln>
+        </p:spPr>
+      </p:pic>
+      <p:sp>
+        <p:nvSpPr>
+          <p:cNvPr id="70" name="Google Shape;70;p15"/>
+          <p:cNvSpPr txBox="1"/>
+          <p:nvPr/>
+        </p:nvSpPr>
+        <p:spPr>
+          <a:xfrm>
+            <a:off x="316259" y="859668"/>
+            <a:ext cx="8657414" cy="3631733"/>
+          </a:xfrm>
+          <a:prstGeom prst="rect">
+            <a:avLst/>
+          </a:prstGeom>
+          <a:noFill/>
+          <a:ln>
+            <a:noFill/>
+          </a:ln>
+        </p:spPr>
+        <p:txBody>
+          <a:bodyPr spcFirstLastPara="1" wrap="square" lIns="91425" tIns="91425" rIns="91425" bIns="91425" anchor="t" anchorCtr="0">
+            <a:spAutoFit/>
+          </a:bodyPr>
+          <a:lstStyle/>
+          <a:p>
+            <a:pPr algn="l"/>
+            <a:r>
+              <a:rPr lang="en-US" b="1" i="0" dirty="0">
+                <a:solidFill>
+                  <a:schemeClr val="tx1"/>
+                </a:solidFill>
+                <a:effectLst/>
+                <a:latin typeface="Times New Roman" panose="02020603050405020304" pitchFamily="18" charset="0"/>
+                <a:cs typeface="Times New Roman" panose="02020603050405020304" pitchFamily="18" charset="0"/>
+              </a:rPr>
+              <a:t>Phase 3: Frontend and User Interface Development</a:t>
+            </a:r>
+            <a:endParaRPr lang="en-US" b="0" i="0" dirty="0">
+              <a:solidFill>
+                <a:schemeClr val="tx1"/>
+              </a:solidFill>
+              <a:effectLst/>
+              <a:latin typeface="Times New Roman" panose="02020603050405020304" pitchFamily="18" charset="0"/>
+              <a:cs typeface="Times New Roman" panose="02020603050405020304" pitchFamily="18" charset="0"/>
+            </a:endParaRPr>
+          </a:p>
+          <a:p>
+            <a:pPr algn="l">
+              <a:buFont typeface="Arial" panose="020B0604020202020204" pitchFamily="34" charset="0"/>
+              <a:buChar char="•"/>
+            </a:pPr>
+            <a:r>
+              <a:rPr lang="en-US" b="1" i="0" dirty="0">
+                <a:solidFill>
+                  <a:schemeClr val="tx1"/>
+                </a:solidFill>
+                <a:effectLst/>
+                <a:latin typeface="Times New Roman" panose="02020603050405020304" pitchFamily="18" charset="0"/>
+                <a:cs typeface="Times New Roman" panose="02020603050405020304" pitchFamily="18" charset="0"/>
+              </a:rPr>
+              <a:t>Designing the Web and Mobile Interfaces</a:t>
+            </a:r>
+            <a:endParaRPr lang="en-US" b="0" i="0" dirty="0">
+              <a:solidFill>
+                <a:schemeClr val="tx1"/>
+              </a:solidFill>
+              <a:effectLst/>
+              <a:latin typeface="Times New Roman" panose="02020603050405020304" pitchFamily="18" charset="0"/>
+              <a:cs typeface="Times New Roman" panose="02020603050405020304" pitchFamily="18" charset="0"/>
+            </a:endParaRPr>
+          </a:p>
+          <a:p>
+            <a:pPr marL="742950" lvl="1" indent="-285750" algn="l">
+              <a:buFont typeface="Arial" panose="020B0604020202020204" pitchFamily="34" charset="0"/>
+              <a:buChar char="•"/>
+            </a:pPr>
+            <a:r>
+              <a:rPr lang="en-US" b="0" i="0" dirty="0">
+                <a:solidFill>
+                  <a:schemeClr val="tx1"/>
+                </a:solidFill>
+                <a:effectLst/>
+                <a:latin typeface="Times New Roman" panose="02020603050405020304" pitchFamily="18" charset="0"/>
+                <a:cs typeface="Times New Roman" panose="02020603050405020304" pitchFamily="18" charset="0"/>
+              </a:rPr>
+              <a:t>Developing user interfaces with </a:t>
+            </a:r>
+            <a:r>
+              <a:rPr lang="en-US" b="0" i="0" dirty="0" err="1">
+                <a:solidFill>
+                  <a:schemeClr val="tx1"/>
+                </a:solidFill>
+                <a:effectLst/>
+                <a:latin typeface="Times New Roman" panose="02020603050405020304" pitchFamily="18" charset="0"/>
+                <a:cs typeface="Times New Roman" panose="02020603050405020304" pitchFamily="18" charset="0"/>
+              </a:rPr>
+              <a:t>Next.js</a:t>
+            </a:r>
+            <a:r>
+              <a:rPr lang="en-US" b="0" i="0" dirty="0">
+                <a:solidFill>
+                  <a:schemeClr val="tx1"/>
+                </a:solidFill>
+                <a:effectLst/>
+                <a:latin typeface="Times New Roman" panose="02020603050405020304" pitchFamily="18" charset="0"/>
+                <a:cs typeface="Times New Roman" panose="02020603050405020304" pitchFamily="18" charset="0"/>
+              </a:rPr>
+              <a:t>/</a:t>
+            </a:r>
+            <a:r>
+              <a:rPr lang="en-US" b="0" i="0" dirty="0" err="1">
+                <a:solidFill>
+                  <a:schemeClr val="tx1"/>
+                </a:solidFill>
+                <a:effectLst/>
+                <a:latin typeface="Times New Roman" panose="02020603050405020304" pitchFamily="18" charset="0"/>
+                <a:cs typeface="Times New Roman" panose="02020603050405020304" pitchFamily="18" charset="0"/>
+              </a:rPr>
+              <a:t>React.js</a:t>
+            </a:r>
+            <a:r>
+              <a:rPr lang="en-US" b="0" i="0" dirty="0">
+                <a:solidFill>
+                  <a:schemeClr val="tx1"/>
+                </a:solidFill>
+                <a:effectLst/>
+                <a:latin typeface="Times New Roman" panose="02020603050405020304" pitchFamily="18" charset="0"/>
+                <a:cs typeface="Times New Roman" panose="02020603050405020304" pitchFamily="18" charset="0"/>
+              </a:rPr>
+              <a:t> for web and React Native for mobile</a:t>
+            </a:r>
+          </a:p>
+          <a:p>
+            <a:pPr marL="742950" lvl="1" indent="-285750" algn="l">
+              <a:buFont typeface="Arial" panose="020B0604020202020204" pitchFamily="34" charset="0"/>
+              <a:buChar char="•"/>
+            </a:pPr>
+            <a:r>
+              <a:rPr lang="en-US" b="0" i="0" dirty="0">
+                <a:solidFill>
+                  <a:schemeClr val="tx1"/>
+                </a:solidFill>
+                <a:effectLst/>
+                <a:latin typeface="Times New Roman" panose="02020603050405020304" pitchFamily="18" charset="0"/>
+                <a:cs typeface="Times New Roman" panose="02020603050405020304" pitchFamily="18" charset="0"/>
+              </a:rPr>
+              <a:t>Creating key components (e.g., </a:t>
+            </a:r>
+            <a:r>
+              <a:rPr lang="en-US" b="0" i="0" dirty="0" err="1">
+                <a:solidFill>
+                  <a:schemeClr val="tx1"/>
+                </a:solidFill>
+                <a:effectLst/>
+                <a:latin typeface="Times New Roman" panose="02020603050405020304" pitchFamily="18" charset="0"/>
+                <a:cs typeface="Times New Roman" panose="02020603050405020304" pitchFamily="18" charset="0"/>
+              </a:rPr>
+              <a:t>Fastag.js</a:t>
+            </a:r>
+            <a:r>
+              <a:rPr lang="en-US" b="0" i="0" dirty="0">
+                <a:solidFill>
+                  <a:schemeClr val="tx1"/>
+                </a:solidFill>
+                <a:effectLst/>
+                <a:latin typeface="Times New Roman" panose="02020603050405020304" pitchFamily="18" charset="0"/>
+                <a:cs typeface="Times New Roman" panose="02020603050405020304" pitchFamily="18" charset="0"/>
+              </a:rPr>
+              <a:t>, </a:t>
+            </a:r>
+            <a:r>
+              <a:rPr lang="en-US" b="0" i="0" dirty="0" err="1">
+                <a:solidFill>
+                  <a:schemeClr val="tx1"/>
+                </a:solidFill>
+                <a:effectLst/>
+                <a:latin typeface="Times New Roman" panose="02020603050405020304" pitchFamily="18" charset="0"/>
+                <a:cs typeface="Times New Roman" panose="02020603050405020304" pitchFamily="18" charset="0"/>
+              </a:rPr>
+              <a:t>Home.js</a:t>
+            </a:r>
+            <a:r>
+              <a:rPr lang="en-US" b="0" i="0" dirty="0">
+                <a:solidFill>
+                  <a:schemeClr val="tx1"/>
+                </a:solidFill>
+                <a:effectLst/>
+                <a:latin typeface="Times New Roman" panose="02020603050405020304" pitchFamily="18" charset="0"/>
+                <a:cs typeface="Times New Roman" panose="02020603050405020304" pitchFamily="18" charset="0"/>
+              </a:rPr>
+              <a:t>, </a:t>
+            </a:r>
+            <a:r>
+              <a:rPr lang="en-US" b="0" i="0" dirty="0" err="1">
+                <a:solidFill>
+                  <a:schemeClr val="tx1"/>
+                </a:solidFill>
+                <a:effectLst/>
+                <a:latin typeface="Times New Roman" panose="02020603050405020304" pitchFamily="18" charset="0"/>
+                <a:cs typeface="Times New Roman" panose="02020603050405020304" pitchFamily="18" charset="0"/>
+              </a:rPr>
+              <a:t>Login.js</a:t>
+            </a:r>
+            <a:r>
+              <a:rPr lang="en-US" b="0" i="0" dirty="0">
+                <a:solidFill>
+                  <a:schemeClr val="tx1"/>
+                </a:solidFill>
+                <a:effectLst/>
+                <a:latin typeface="Times New Roman" panose="02020603050405020304" pitchFamily="18" charset="0"/>
+                <a:cs typeface="Times New Roman" panose="02020603050405020304" pitchFamily="18" charset="0"/>
+              </a:rPr>
+              <a:t>, </a:t>
+            </a:r>
+            <a:r>
+              <a:rPr lang="en-US" b="0" i="0" dirty="0" err="1">
+                <a:solidFill>
+                  <a:schemeClr val="tx1"/>
+                </a:solidFill>
+                <a:effectLst/>
+                <a:latin typeface="Times New Roman" panose="02020603050405020304" pitchFamily="18" charset="0"/>
+                <a:cs typeface="Times New Roman" panose="02020603050405020304" pitchFamily="18" charset="0"/>
+              </a:rPr>
+              <a:t>Profile.js</a:t>
+            </a:r>
+            <a:r>
+              <a:rPr lang="en-US" b="0" i="0" dirty="0">
+                <a:solidFill>
+                  <a:schemeClr val="tx1"/>
+                </a:solidFill>
+                <a:effectLst/>
+                <a:latin typeface="Times New Roman" panose="02020603050405020304" pitchFamily="18" charset="0"/>
+                <a:cs typeface="Times New Roman" panose="02020603050405020304" pitchFamily="18" charset="0"/>
+              </a:rPr>
+              <a:t>) for wallet management and transaction monitoring</a:t>
+            </a:r>
+          </a:p>
+          <a:p>
+            <a:pPr algn="l">
+              <a:buFont typeface="Arial" panose="020B0604020202020204" pitchFamily="34" charset="0"/>
+              <a:buChar char="•"/>
+            </a:pPr>
+            <a:r>
+              <a:rPr lang="en-US" b="1" i="0" dirty="0">
+                <a:solidFill>
+                  <a:schemeClr val="tx1"/>
+                </a:solidFill>
+                <a:effectLst/>
+                <a:latin typeface="Times New Roman" panose="02020603050405020304" pitchFamily="18" charset="0"/>
+                <a:cs typeface="Times New Roman" panose="02020603050405020304" pitchFamily="18" charset="0"/>
+              </a:rPr>
+              <a:t>Integration with Blockchain Components</a:t>
+            </a:r>
+            <a:endParaRPr lang="en-US" b="0" i="0" dirty="0">
+              <a:solidFill>
+                <a:schemeClr val="tx1"/>
+              </a:solidFill>
+              <a:effectLst/>
+              <a:latin typeface="Times New Roman" panose="02020603050405020304" pitchFamily="18" charset="0"/>
+              <a:cs typeface="Times New Roman" panose="02020603050405020304" pitchFamily="18" charset="0"/>
+            </a:endParaRPr>
+          </a:p>
+          <a:p>
+            <a:pPr marL="742950" lvl="1" indent="-285750" algn="l">
+              <a:buFont typeface="Arial" panose="020B0604020202020204" pitchFamily="34" charset="0"/>
+              <a:buChar char="•"/>
+            </a:pPr>
+            <a:r>
+              <a:rPr lang="en-US" b="0" i="0" dirty="0">
+                <a:solidFill>
+                  <a:schemeClr val="tx1"/>
+                </a:solidFill>
+                <a:effectLst/>
+                <a:latin typeface="Times New Roman" panose="02020603050405020304" pitchFamily="18" charset="0"/>
+                <a:cs typeface="Times New Roman" panose="02020603050405020304" pitchFamily="18" charset="0"/>
+              </a:rPr>
+              <a:t>Utilizing </a:t>
+            </a:r>
+            <a:r>
+              <a:rPr lang="en-US" b="0" i="0" dirty="0" err="1">
+                <a:solidFill>
+                  <a:schemeClr val="tx1"/>
+                </a:solidFill>
+                <a:effectLst/>
+                <a:latin typeface="Times New Roman" panose="02020603050405020304" pitchFamily="18" charset="0"/>
+                <a:cs typeface="Times New Roman" panose="02020603050405020304" pitchFamily="18" charset="0"/>
+              </a:rPr>
+              <a:t>Wagmi</a:t>
+            </a:r>
+            <a:r>
+              <a:rPr lang="en-US" b="0" i="0" dirty="0">
+                <a:solidFill>
+                  <a:schemeClr val="tx1"/>
+                </a:solidFill>
+                <a:effectLst/>
+                <a:latin typeface="Times New Roman" panose="02020603050405020304" pitchFamily="18" charset="0"/>
+                <a:cs typeface="Times New Roman" panose="02020603050405020304" pitchFamily="18" charset="0"/>
+              </a:rPr>
+              <a:t> and </a:t>
+            </a:r>
+            <a:r>
+              <a:rPr lang="en-US" b="0" i="0" dirty="0" err="1">
+                <a:solidFill>
+                  <a:schemeClr val="tx1"/>
+                </a:solidFill>
+                <a:effectLst/>
+                <a:latin typeface="Times New Roman" panose="02020603050405020304" pitchFamily="18" charset="0"/>
+                <a:cs typeface="Times New Roman" panose="02020603050405020304" pitchFamily="18" charset="0"/>
+              </a:rPr>
+              <a:t>RainbowKit</a:t>
+            </a:r>
+            <a:r>
+              <a:rPr lang="en-US" b="0" i="0" dirty="0">
+                <a:solidFill>
+                  <a:schemeClr val="tx1"/>
+                </a:solidFill>
+                <a:effectLst/>
+                <a:latin typeface="Times New Roman" panose="02020603050405020304" pitchFamily="18" charset="0"/>
+                <a:cs typeface="Times New Roman" panose="02020603050405020304" pitchFamily="18" charset="0"/>
+              </a:rPr>
+              <a:t> libraries for seamless wallet connectivity and blockchain interactions</a:t>
+            </a:r>
+          </a:p>
+          <a:p>
+            <a:pPr marL="742950" lvl="1" indent="-285750" algn="l">
+              <a:buFont typeface="Arial" panose="020B0604020202020204" pitchFamily="34" charset="0"/>
+              <a:buChar char="•"/>
+            </a:pPr>
+            <a:r>
+              <a:rPr lang="en-US" b="0" i="0" dirty="0">
+                <a:solidFill>
+                  <a:schemeClr val="tx1"/>
+                </a:solidFill>
+                <a:effectLst/>
+                <a:latin typeface="Times New Roman" panose="02020603050405020304" pitchFamily="18" charset="0"/>
+                <a:cs typeface="Times New Roman" panose="02020603050405020304" pitchFamily="18" charset="0"/>
+              </a:rPr>
+              <a:t>Integrating smart contract methods into the frontend via API calls and React hooks</a:t>
+            </a:r>
+          </a:p>
+          <a:p>
+            <a:pPr marL="742950" lvl="1" indent="-285750" algn="l">
+              <a:buFont typeface="Arial" panose="020B0604020202020204" pitchFamily="34" charset="0"/>
+              <a:buChar char="•"/>
+            </a:pPr>
+            <a:r>
+              <a:rPr lang="en-US" b="0" i="0" dirty="0">
+                <a:solidFill>
+                  <a:schemeClr val="tx1"/>
+                </a:solidFill>
+                <a:effectLst/>
+                <a:latin typeface="Times New Roman" panose="02020603050405020304" pitchFamily="18" charset="0"/>
+                <a:cs typeface="Times New Roman" panose="02020603050405020304" pitchFamily="18" charset="0"/>
+              </a:rPr>
+              <a:t>Styling and responsiveness using Tailwind CSS and </a:t>
+            </a:r>
+            <a:r>
+              <a:rPr lang="en-US" b="0" i="0" dirty="0" err="1">
+                <a:solidFill>
+                  <a:schemeClr val="tx1"/>
+                </a:solidFill>
+                <a:effectLst/>
+                <a:latin typeface="Times New Roman" panose="02020603050405020304" pitchFamily="18" charset="0"/>
+                <a:cs typeface="Times New Roman" panose="02020603050405020304" pitchFamily="18" charset="0"/>
+              </a:rPr>
+              <a:t>Nativewind</a:t>
+            </a:r>
+            <a:endParaRPr lang="en-US" b="0" i="0" dirty="0">
+              <a:solidFill>
+                <a:schemeClr val="tx1"/>
+              </a:solidFill>
+              <a:effectLst/>
+              <a:latin typeface="Times New Roman" panose="02020603050405020304" pitchFamily="18" charset="0"/>
+              <a:cs typeface="Times New Roman" panose="02020603050405020304" pitchFamily="18" charset="0"/>
+            </a:endParaRPr>
+          </a:p>
+          <a:p>
+            <a:pPr algn="l"/>
+            <a:r>
+              <a:rPr lang="en-US" b="1" i="0" dirty="0">
+                <a:solidFill>
+                  <a:schemeClr val="tx1"/>
+                </a:solidFill>
+                <a:effectLst/>
+                <a:latin typeface="Times New Roman" panose="02020603050405020304" pitchFamily="18" charset="0"/>
+                <a:cs typeface="Times New Roman" panose="02020603050405020304" pitchFamily="18" charset="0"/>
+              </a:rPr>
+              <a:t>Phase 4: Integration of Additional Modules and Backend Services</a:t>
+            </a:r>
+            <a:endParaRPr lang="en-US" b="0" i="0" dirty="0">
+              <a:solidFill>
+                <a:schemeClr val="tx1"/>
+              </a:solidFill>
+              <a:effectLst/>
+              <a:latin typeface="Times New Roman" panose="02020603050405020304" pitchFamily="18" charset="0"/>
+              <a:cs typeface="Times New Roman" panose="02020603050405020304" pitchFamily="18" charset="0"/>
+            </a:endParaRPr>
+          </a:p>
+          <a:p>
+            <a:pPr algn="l">
+              <a:buFont typeface="Arial" panose="020B0604020202020204" pitchFamily="34" charset="0"/>
+              <a:buChar char="•"/>
+            </a:pPr>
+            <a:r>
+              <a:rPr lang="en-US" b="1" i="0" dirty="0">
+                <a:solidFill>
+                  <a:schemeClr val="tx1"/>
+                </a:solidFill>
+                <a:effectLst/>
+                <a:latin typeface="Times New Roman" panose="02020603050405020304" pitchFamily="18" charset="0"/>
+                <a:cs typeface="Times New Roman" panose="02020603050405020304" pitchFamily="18" charset="0"/>
+              </a:rPr>
+              <a:t>Web-NFC and RFID Integration</a:t>
+            </a:r>
+            <a:endParaRPr lang="en-US" b="0" i="0" dirty="0">
+              <a:solidFill>
+                <a:schemeClr val="tx1"/>
+              </a:solidFill>
+              <a:effectLst/>
+              <a:latin typeface="Times New Roman" panose="02020603050405020304" pitchFamily="18" charset="0"/>
+              <a:cs typeface="Times New Roman" panose="02020603050405020304" pitchFamily="18" charset="0"/>
+            </a:endParaRPr>
+          </a:p>
+          <a:p>
+            <a:pPr marL="742950" lvl="1" indent="-285750" algn="l">
+              <a:buFont typeface="Arial" panose="020B0604020202020204" pitchFamily="34" charset="0"/>
+              <a:buChar char="•"/>
+            </a:pPr>
+            <a:r>
+              <a:rPr lang="en-US" b="0" i="0" dirty="0">
+                <a:solidFill>
+                  <a:schemeClr val="tx1"/>
+                </a:solidFill>
+                <a:effectLst/>
+                <a:latin typeface="Times New Roman" panose="02020603050405020304" pitchFamily="18" charset="0"/>
+                <a:cs typeface="Times New Roman" panose="02020603050405020304" pitchFamily="18" charset="0"/>
+              </a:rPr>
+              <a:t>Incorporating the web‑</a:t>
+            </a:r>
+            <a:r>
+              <a:rPr lang="en-US" b="0" i="0" dirty="0" err="1">
+                <a:solidFill>
+                  <a:schemeClr val="tx1"/>
+                </a:solidFill>
+                <a:effectLst/>
+                <a:latin typeface="Times New Roman" panose="02020603050405020304" pitchFamily="18" charset="0"/>
+                <a:cs typeface="Times New Roman" panose="02020603050405020304" pitchFamily="18" charset="0"/>
+              </a:rPr>
+              <a:t>nfc</a:t>
+            </a:r>
+            <a:r>
+              <a:rPr lang="en-US" b="0" i="0" dirty="0">
+                <a:solidFill>
+                  <a:schemeClr val="tx1"/>
+                </a:solidFill>
+                <a:effectLst/>
+                <a:latin typeface="Times New Roman" panose="02020603050405020304" pitchFamily="18" charset="0"/>
+                <a:cs typeface="Times New Roman" panose="02020603050405020304" pitchFamily="18" charset="0"/>
+              </a:rPr>
+              <a:t> module to handle near‑field communication for toll detection</a:t>
+            </a:r>
+          </a:p>
+          <a:p>
+            <a:pPr marL="742950" lvl="1" indent="-285750" algn="l">
+              <a:buFont typeface="Arial" panose="020B0604020202020204" pitchFamily="34" charset="0"/>
+              <a:buChar char="•"/>
+            </a:pPr>
+            <a:r>
+              <a:rPr lang="en-US" b="0" i="0" dirty="0">
+                <a:solidFill>
+                  <a:schemeClr val="tx1"/>
+                </a:solidFill>
+                <a:effectLst/>
+                <a:latin typeface="Times New Roman" panose="02020603050405020304" pitchFamily="18" charset="0"/>
+                <a:cs typeface="Times New Roman" panose="02020603050405020304" pitchFamily="18" charset="0"/>
+              </a:rPr>
+              <a:t>Ensuring robust RFID scanner integration at toll plazas to capture </a:t>
+            </a:r>
+            <a:r>
+              <a:rPr lang="en-US" b="0" i="0" dirty="0" err="1">
+                <a:solidFill>
+                  <a:schemeClr val="tx1"/>
+                </a:solidFill>
+                <a:effectLst/>
+                <a:latin typeface="Times New Roman" panose="02020603050405020304" pitchFamily="18" charset="0"/>
+                <a:cs typeface="Times New Roman" panose="02020603050405020304" pitchFamily="18" charset="0"/>
+              </a:rPr>
+              <a:t>FASTag</a:t>
+            </a:r>
+            <a:r>
+              <a:rPr lang="en-US" b="0" i="0" dirty="0">
+                <a:solidFill>
+                  <a:schemeClr val="tx1"/>
+                </a:solidFill>
+                <a:effectLst/>
+                <a:latin typeface="Times New Roman" panose="02020603050405020304" pitchFamily="18" charset="0"/>
+                <a:cs typeface="Times New Roman" panose="02020603050405020304" pitchFamily="18" charset="0"/>
+              </a:rPr>
+              <a:t> data</a:t>
+            </a:r>
+          </a:p>
+          <a:p>
+            <a:pPr algn="l">
+              <a:buFont typeface="Arial" panose="020B0604020202020204" pitchFamily="34" charset="0"/>
+              <a:buChar char="•"/>
+            </a:pPr>
+            <a:r>
+              <a:rPr lang="en-US" b="1" i="0" dirty="0">
+                <a:solidFill>
+                  <a:schemeClr val="tx1"/>
+                </a:solidFill>
+                <a:effectLst/>
+                <a:latin typeface="Times New Roman" panose="02020603050405020304" pitchFamily="18" charset="0"/>
+                <a:cs typeface="Times New Roman" panose="02020603050405020304" pitchFamily="18" charset="0"/>
+              </a:rPr>
+              <a:t>Backend API Development</a:t>
+            </a:r>
+            <a:endParaRPr lang="en-US" b="0" i="0" dirty="0">
+              <a:solidFill>
+                <a:schemeClr val="tx1"/>
+              </a:solidFill>
+              <a:effectLst/>
+              <a:latin typeface="Times New Roman" panose="02020603050405020304" pitchFamily="18" charset="0"/>
+              <a:cs typeface="Times New Roman" panose="02020603050405020304" pitchFamily="18" charset="0"/>
+            </a:endParaRPr>
+          </a:p>
+          <a:p>
+            <a:pPr marL="742950" lvl="1" indent="-285750" algn="l">
+              <a:buFont typeface="Arial" panose="020B0604020202020204" pitchFamily="34" charset="0"/>
+              <a:buChar char="•"/>
+            </a:pPr>
+            <a:r>
+              <a:rPr lang="en-US" b="0" i="0" dirty="0">
+                <a:solidFill>
+                  <a:schemeClr val="tx1"/>
+                </a:solidFill>
+                <a:effectLst/>
+                <a:latin typeface="Times New Roman" panose="02020603050405020304" pitchFamily="18" charset="0"/>
+                <a:cs typeface="Times New Roman" panose="02020603050405020304" pitchFamily="18" charset="0"/>
+              </a:rPr>
+              <a:t>Building API services with Node.js and </a:t>
+            </a:r>
+            <a:r>
+              <a:rPr lang="en-US" b="0" i="0" dirty="0" err="1">
+                <a:solidFill>
+                  <a:schemeClr val="tx1"/>
+                </a:solidFill>
+                <a:effectLst/>
+                <a:latin typeface="Times New Roman" panose="02020603050405020304" pitchFamily="18" charset="0"/>
+                <a:cs typeface="Times New Roman" panose="02020603050405020304" pitchFamily="18" charset="0"/>
+              </a:rPr>
+              <a:t>Express.js</a:t>
+            </a:r>
+            <a:r>
+              <a:rPr lang="en-US" b="0" i="0" dirty="0">
+                <a:solidFill>
+                  <a:schemeClr val="tx1"/>
+                </a:solidFill>
+                <a:effectLst/>
+                <a:latin typeface="Times New Roman" panose="02020603050405020304" pitchFamily="18" charset="0"/>
+                <a:cs typeface="Times New Roman" panose="02020603050405020304" pitchFamily="18" charset="0"/>
+              </a:rPr>
+              <a:t> for additional business logic</a:t>
+            </a:r>
+          </a:p>
+          <a:p>
+            <a:pPr marL="742950" lvl="1" indent="-285750" algn="l">
+              <a:buFont typeface="Arial" panose="020B0604020202020204" pitchFamily="34" charset="0"/>
+              <a:buChar char="•"/>
+            </a:pPr>
+            <a:r>
+              <a:rPr lang="en-US" b="0" i="0" dirty="0">
+                <a:solidFill>
+                  <a:schemeClr val="tx1"/>
+                </a:solidFill>
+                <a:effectLst/>
+                <a:latin typeface="Times New Roman" panose="02020603050405020304" pitchFamily="18" charset="0"/>
+                <a:cs typeface="Times New Roman" panose="02020603050405020304" pitchFamily="18" charset="0"/>
+              </a:rPr>
+              <a:t>Integrating decentralized storage using IPFS for non‑transactional data (e.g., multimedia, documents)</a:t>
+            </a:r>
+          </a:p>
+        </p:txBody>
+      </p:sp>
+      <p:sp>
+        <p:nvSpPr>
+          <p:cNvPr id="71" name="Google Shape;71;p15"/>
+          <p:cNvSpPr txBox="1">
+            <a:spLocks noGrp="1"/>
+          </p:cNvSpPr>
+          <p:nvPr>
+            <p:ph type="title" idx="4294967295"/>
+          </p:nvPr>
+        </p:nvSpPr>
+        <p:spPr>
+          <a:xfrm>
+            <a:off x="2537100" y="188723"/>
+            <a:ext cx="4069800" cy="514500"/>
+          </a:xfrm>
+          <a:prstGeom prst="rect">
+            <a:avLst/>
+          </a:prstGeom>
+          <a:noFill/>
+          <a:ln>
+            <a:noFill/>
+          </a:ln>
+        </p:spPr>
+        <p:txBody>
+          <a:bodyPr spcFirstLastPara="1" wrap="square" lIns="0" tIns="6350" rIns="0" bIns="0" anchor="t" anchorCtr="0">
+            <a:spAutoFit/>
+          </a:bodyPr>
+          <a:lstStyle/>
+          <a:p>
+            <a:pPr marL="12700" lvl="0" indent="0" algn="ctr" rtl="0">
+              <a:lnSpc>
+                <a:spcPct val="100000"/>
+              </a:lnSpc>
+              <a:spcBef>
+                <a:spcPts val="0"/>
+              </a:spcBef>
+              <a:spcAft>
+                <a:spcPts val="0"/>
+              </a:spcAft>
+              <a:buSzPts val="2800"/>
+              <a:buNone/>
+            </a:pPr>
+            <a:r>
+              <a:rPr lang="en-GB" sz="3200" dirty="0">
+                <a:latin typeface="Times New Roman" panose="02020603050405020304" pitchFamily="18" charset="0"/>
+                <a:ea typeface="Lucida Sans" panose="020B0602030504020204"/>
+                <a:cs typeface="Times New Roman" panose="02020603050405020304" pitchFamily="18" charset="0"/>
+                <a:sym typeface="Lucida Sans" panose="020B0602030504020204"/>
+              </a:rPr>
+              <a:t>Implementation</a:t>
+            </a:r>
+            <a:endParaRPr sz="3200" dirty="0">
+              <a:latin typeface="Times New Roman" panose="02020603050405020304" pitchFamily="18" charset="0"/>
+              <a:ea typeface="Lucida Sans" panose="020B0602030504020204"/>
+              <a:cs typeface="Times New Roman" panose="02020603050405020304" pitchFamily="18" charset="0"/>
+              <a:sym typeface="Lucida Sans" panose="020B0602030504020204"/>
+            </a:endParaRPr>
+          </a:p>
+        </p:txBody>
+      </p:sp>
+    </p:spTree>
+    <p:extLst>
+      <p:ext uri="{BB962C8B-B14F-4D97-AF65-F5344CB8AC3E}">
+        <p14:creationId xmlns:p14="http://schemas.microsoft.com/office/powerpoint/2010/main" val="247078389"/>
+      </p:ext>
+    </p:extLst>
+  </p:cSld>
+  <p:clrMapOvr>
+    <a:masterClrMapping/>
+  </p:clrMapOvr>
+</p:sld>
+</file>
+
+<file path=ppt/slides/slide22.xml><?xml version="1.0" encoding="utf-8"?>
+<p:sld xmlns:a="http://schemas.openxmlformats.org/drawingml/2006/main" xmlns:r="http://schemas.openxmlformats.org/officeDocument/2006/relationships" xmlns:p="http://schemas.openxmlformats.org/presentationml/2006/main">
+  <p:cSld>
+    <p:spTree>
+      <p:nvGrpSpPr>
+        <p:cNvPr id="1" name="Shape 68"/>
+        <p:cNvGrpSpPr/>
+        <p:nvPr/>
+      </p:nvGrpSpPr>
+      <p:grpSpPr>
+        <a:xfrm>
+          <a:off x="0" y="0"/>
+          <a:ext cx="0" cy="0"/>
+          <a:chOff x="0" y="0"/>
+          <a:chExt cx="0" cy="0"/>
+        </a:xfrm>
+      </p:grpSpPr>
+      <p:pic>
+        <p:nvPicPr>
+          <p:cNvPr id="69" name="Google Shape;69;p15"/>
+          <p:cNvPicPr preferRelativeResize="0"/>
+          <p:nvPr/>
+        </p:nvPicPr>
+        <p:blipFill rotWithShape="1">
+          <a:blip r:embed="rId3"/>
+          <a:srcRect/>
+          <a:stretch>
+            <a:fillRect/>
+          </a:stretch>
+        </p:blipFill>
+        <p:spPr>
+          <a:xfrm>
+            <a:off x="170327" y="218750"/>
+            <a:ext cx="1968300" cy="666875"/>
+          </a:xfrm>
+          <a:prstGeom prst="rect">
+            <a:avLst/>
+          </a:prstGeom>
+          <a:noFill/>
+          <a:ln>
+            <a:noFill/>
+          </a:ln>
+        </p:spPr>
+      </p:pic>
+      <p:sp>
+        <p:nvSpPr>
+          <p:cNvPr id="70" name="Google Shape;70;p15"/>
+          <p:cNvSpPr txBox="1"/>
+          <p:nvPr/>
+        </p:nvSpPr>
+        <p:spPr>
+          <a:xfrm>
+            <a:off x="316259" y="859668"/>
+            <a:ext cx="8657414" cy="3416290"/>
+          </a:xfrm>
+          <a:prstGeom prst="rect">
+            <a:avLst/>
+          </a:prstGeom>
+          <a:noFill/>
+          <a:ln>
+            <a:noFill/>
+          </a:ln>
+        </p:spPr>
+        <p:txBody>
+          <a:bodyPr spcFirstLastPara="1" wrap="square" lIns="91425" tIns="91425" rIns="91425" bIns="91425" anchor="t" anchorCtr="0">
+            <a:spAutoFit/>
+          </a:bodyPr>
+          <a:lstStyle/>
+          <a:p>
+            <a:pPr algn="l"/>
+            <a:r>
+              <a:rPr lang="en-US" b="1" i="0" dirty="0">
+                <a:solidFill>
+                  <a:schemeClr val="tx1"/>
+                </a:solidFill>
+                <a:effectLst/>
+                <a:latin typeface="Times New Roman" panose="02020603050405020304" pitchFamily="18" charset="0"/>
+                <a:cs typeface="Times New Roman" panose="02020603050405020304" pitchFamily="18" charset="0"/>
+              </a:rPr>
+              <a:t>Phase 5: End-to-End Testing, Deployment, and Iteration</a:t>
+            </a:r>
+            <a:endParaRPr lang="en-US" b="0" i="0" dirty="0">
+              <a:solidFill>
+                <a:schemeClr val="tx1"/>
+              </a:solidFill>
+              <a:effectLst/>
+              <a:latin typeface="Times New Roman" panose="02020603050405020304" pitchFamily="18" charset="0"/>
+              <a:cs typeface="Times New Roman" panose="02020603050405020304" pitchFamily="18" charset="0"/>
+            </a:endParaRPr>
+          </a:p>
+          <a:p>
+            <a:pPr algn="l">
+              <a:buFont typeface="Arial" panose="020B0604020202020204" pitchFamily="34" charset="0"/>
+              <a:buChar char="•"/>
+            </a:pPr>
+            <a:r>
+              <a:rPr lang="en-US" b="1" i="0" dirty="0">
+                <a:solidFill>
+                  <a:schemeClr val="tx1"/>
+                </a:solidFill>
+                <a:effectLst/>
+                <a:latin typeface="Times New Roman" panose="02020603050405020304" pitchFamily="18" charset="0"/>
+                <a:cs typeface="Times New Roman" panose="02020603050405020304" pitchFamily="18" charset="0"/>
+              </a:rPr>
+              <a:t>Local and </a:t>
+            </a:r>
+            <a:r>
+              <a:rPr lang="en-US" b="1" i="0" dirty="0" err="1">
+                <a:solidFill>
+                  <a:schemeClr val="tx1"/>
+                </a:solidFill>
+                <a:effectLst/>
+                <a:latin typeface="Times New Roman" panose="02020603050405020304" pitchFamily="18" charset="0"/>
+                <a:cs typeface="Times New Roman" panose="02020603050405020304" pitchFamily="18" charset="0"/>
+              </a:rPr>
+              <a:t>Testnet</a:t>
+            </a:r>
+            <a:r>
+              <a:rPr lang="en-US" b="1" i="0" dirty="0">
+                <a:solidFill>
+                  <a:schemeClr val="tx1"/>
+                </a:solidFill>
+                <a:effectLst/>
+                <a:latin typeface="Times New Roman" panose="02020603050405020304" pitchFamily="18" charset="0"/>
+                <a:cs typeface="Times New Roman" panose="02020603050405020304" pitchFamily="18" charset="0"/>
+              </a:rPr>
+              <a:t> Deployment</a:t>
+            </a:r>
+            <a:endParaRPr lang="en-US" b="0" i="0" dirty="0">
+              <a:solidFill>
+                <a:schemeClr val="tx1"/>
+              </a:solidFill>
+              <a:effectLst/>
+              <a:latin typeface="Times New Roman" panose="02020603050405020304" pitchFamily="18" charset="0"/>
+              <a:cs typeface="Times New Roman" panose="02020603050405020304" pitchFamily="18" charset="0"/>
+            </a:endParaRPr>
+          </a:p>
+          <a:p>
+            <a:pPr marL="742950" lvl="1" indent="-285750" algn="l">
+              <a:buFont typeface="Arial" panose="020B0604020202020204" pitchFamily="34" charset="0"/>
+              <a:buChar char="•"/>
+            </a:pPr>
+            <a:r>
+              <a:rPr lang="en-US" b="0" i="0" dirty="0">
+                <a:solidFill>
+                  <a:schemeClr val="tx1"/>
+                </a:solidFill>
+                <a:effectLst/>
+                <a:latin typeface="Times New Roman" panose="02020603050405020304" pitchFamily="18" charset="0"/>
+                <a:cs typeface="Times New Roman" panose="02020603050405020304" pitchFamily="18" charset="0"/>
+              </a:rPr>
+              <a:t>Running simulations on local Ethereum nodes (e.g., Anvil) and deploying to </a:t>
+            </a:r>
+            <a:r>
+              <a:rPr lang="en-US" b="0" i="0" dirty="0" err="1">
+                <a:solidFill>
+                  <a:schemeClr val="tx1"/>
+                </a:solidFill>
+                <a:effectLst/>
+                <a:latin typeface="Times New Roman" panose="02020603050405020304" pitchFamily="18" charset="0"/>
+                <a:cs typeface="Times New Roman" panose="02020603050405020304" pitchFamily="18" charset="0"/>
+              </a:rPr>
+              <a:t>testnets</a:t>
+            </a:r>
+            <a:endParaRPr lang="en-US" b="0" i="0" dirty="0">
+              <a:solidFill>
+                <a:schemeClr val="tx1"/>
+              </a:solidFill>
+              <a:effectLst/>
+              <a:latin typeface="Times New Roman" panose="02020603050405020304" pitchFamily="18" charset="0"/>
+              <a:cs typeface="Times New Roman" panose="02020603050405020304" pitchFamily="18" charset="0"/>
+            </a:endParaRPr>
+          </a:p>
+          <a:p>
+            <a:pPr marL="742950" lvl="1" indent="-285750" algn="l">
+              <a:buFont typeface="Arial" panose="020B0604020202020204" pitchFamily="34" charset="0"/>
+              <a:buChar char="•"/>
+            </a:pPr>
+            <a:r>
+              <a:rPr lang="en-US" b="0" i="0" dirty="0">
+                <a:solidFill>
+                  <a:schemeClr val="tx1"/>
+                </a:solidFill>
+                <a:effectLst/>
+                <a:latin typeface="Times New Roman" panose="02020603050405020304" pitchFamily="18" charset="0"/>
+                <a:cs typeface="Times New Roman" panose="02020603050405020304" pitchFamily="18" charset="0"/>
+              </a:rPr>
+              <a:t>Verifying smart contract functionality on-chain and ensuring data integrity</a:t>
+            </a:r>
+          </a:p>
+          <a:p>
+            <a:pPr algn="l">
+              <a:buFont typeface="Arial" panose="020B0604020202020204" pitchFamily="34" charset="0"/>
+              <a:buChar char="•"/>
+            </a:pPr>
+            <a:r>
+              <a:rPr lang="en-US" b="1" i="0" dirty="0">
+                <a:solidFill>
+                  <a:schemeClr val="tx1"/>
+                </a:solidFill>
+                <a:effectLst/>
+                <a:latin typeface="Times New Roman" panose="02020603050405020304" pitchFamily="18" charset="0"/>
+                <a:cs typeface="Times New Roman" panose="02020603050405020304" pitchFamily="18" charset="0"/>
+              </a:rPr>
+              <a:t>User Acceptance and Performance Testing</a:t>
+            </a:r>
+            <a:endParaRPr lang="en-US" b="0" i="0" dirty="0">
+              <a:solidFill>
+                <a:schemeClr val="tx1"/>
+              </a:solidFill>
+              <a:effectLst/>
+              <a:latin typeface="Times New Roman" panose="02020603050405020304" pitchFamily="18" charset="0"/>
+              <a:cs typeface="Times New Roman" panose="02020603050405020304" pitchFamily="18" charset="0"/>
+            </a:endParaRPr>
+          </a:p>
+          <a:p>
+            <a:pPr marL="742950" lvl="1" indent="-285750" algn="l">
+              <a:buFont typeface="Arial" panose="020B0604020202020204" pitchFamily="34" charset="0"/>
+              <a:buChar char="•"/>
+            </a:pPr>
+            <a:r>
+              <a:rPr lang="en-US" b="0" i="0" dirty="0">
+                <a:solidFill>
+                  <a:schemeClr val="tx1"/>
+                </a:solidFill>
+                <a:effectLst/>
+                <a:latin typeface="Times New Roman" panose="02020603050405020304" pitchFamily="18" charset="0"/>
+                <a:cs typeface="Times New Roman" panose="02020603050405020304" pitchFamily="18" charset="0"/>
+              </a:rPr>
+              <a:t>Testing front‑end interfaces for responsiveness and user-friendliness</a:t>
+            </a:r>
+          </a:p>
+          <a:p>
+            <a:pPr marL="742950" lvl="1" indent="-285750" algn="l">
+              <a:buFont typeface="Arial" panose="020B0604020202020204" pitchFamily="34" charset="0"/>
+              <a:buChar char="•"/>
+            </a:pPr>
+            <a:r>
+              <a:rPr lang="en-US" b="0" i="0" dirty="0">
+                <a:solidFill>
+                  <a:schemeClr val="tx1"/>
+                </a:solidFill>
+                <a:effectLst/>
+                <a:latin typeface="Times New Roman" panose="02020603050405020304" pitchFamily="18" charset="0"/>
+                <a:cs typeface="Times New Roman" panose="02020603050405020304" pitchFamily="18" charset="0"/>
+              </a:rPr>
+              <a:t>Monitoring toll transaction flows, processing times, and throughput improvements</a:t>
+            </a:r>
+          </a:p>
+          <a:p>
+            <a:pPr marL="742950" lvl="1" indent="-285750" algn="l">
+              <a:buFont typeface="Arial" panose="020B0604020202020204" pitchFamily="34" charset="0"/>
+              <a:buChar char="•"/>
+            </a:pPr>
+            <a:r>
+              <a:rPr lang="en-US" b="0" i="0" dirty="0">
+                <a:solidFill>
+                  <a:schemeClr val="tx1"/>
+                </a:solidFill>
+                <a:effectLst/>
+                <a:latin typeface="Times New Roman" panose="02020603050405020304" pitchFamily="18" charset="0"/>
+                <a:cs typeface="Times New Roman" panose="02020603050405020304" pitchFamily="18" charset="0"/>
+              </a:rPr>
+              <a:t>Iterating based on performance feedback and bug reports</a:t>
+            </a:r>
+          </a:p>
+          <a:p>
+            <a:pPr algn="l"/>
+            <a:r>
+              <a:rPr lang="en-US" b="1" i="0" dirty="0">
+                <a:solidFill>
+                  <a:schemeClr val="tx1"/>
+                </a:solidFill>
+                <a:effectLst/>
+                <a:latin typeface="Times New Roman" panose="02020603050405020304" pitchFamily="18" charset="0"/>
+                <a:cs typeface="Times New Roman" panose="02020603050405020304" pitchFamily="18" charset="0"/>
+              </a:rPr>
+              <a:t>Phase 6: Advanced Features and Scalability Enhancements</a:t>
+            </a:r>
+            <a:endParaRPr lang="en-US" b="0" i="0" dirty="0">
+              <a:solidFill>
+                <a:schemeClr val="tx1"/>
+              </a:solidFill>
+              <a:effectLst/>
+              <a:latin typeface="Times New Roman" panose="02020603050405020304" pitchFamily="18" charset="0"/>
+              <a:cs typeface="Times New Roman" panose="02020603050405020304" pitchFamily="18" charset="0"/>
+            </a:endParaRPr>
+          </a:p>
+          <a:p>
+            <a:pPr algn="l">
+              <a:buFont typeface="Arial" panose="020B0604020202020204" pitchFamily="34" charset="0"/>
+              <a:buChar char="•"/>
+            </a:pPr>
+            <a:r>
+              <a:rPr lang="en-US" b="1" i="0" dirty="0">
+                <a:solidFill>
+                  <a:schemeClr val="tx1"/>
+                </a:solidFill>
+                <a:effectLst/>
+                <a:latin typeface="Times New Roman" panose="02020603050405020304" pitchFamily="18" charset="0"/>
+                <a:cs typeface="Times New Roman" panose="02020603050405020304" pitchFamily="18" charset="0"/>
+              </a:rPr>
+              <a:t>Implementation of Advanced Features</a:t>
+            </a:r>
+            <a:endParaRPr lang="en-US" b="0" i="0" dirty="0">
+              <a:solidFill>
+                <a:schemeClr val="tx1"/>
+              </a:solidFill>
+              <a:effectLst/>
+              <a:latin typeface="Times New Roman" panose="02020603050405020304" pitchFamily="18" charset="0"/>
+              <a:cs typeface="Times New Roman" panose="02020603050405020304" pitchFamily="18" charset="0"/>
+            </a:endParaRPr>
+          </a:p>
+          <a:p>
+            <a:pPr marL="742950" lvl="1" indent="-285750" algn="l">
+              <a:buFont typeface="Arial" panose="020B0604020202020204" pitchFamily="34" charset="0"/>
+              <a:buChar char="•"/>
+            </a:pPr>
+            <a:r>
+              <a:rPr lang="en-US" b="0" i="0" dirty="0">
+                <a:solidFill>
+                  <a:schemeClr val="tx1"/>
+                </a:solidFill>
+                <a:effectLst/>
+                <a:latin typeface="Times New Roman" panose="02020603050405020304" pitchFamily="18" charset="0"/>
+                <a:cs typeface="Times New Roman" panose="02020603050405020304" pitchFamily="18" charset="0"/>
+              </a:rPr>
+              <a:t>Integrating fraud detection algorithms (e.g., using RNN-based models) for anomaly detection</a:t>
+            </a:r>
+          </a:p>
+          <a:p>
+            <a:pPr marL="742950" lvl="1" indent="-285750" algn="l">
+              <a:buFont typeface="Arial" panose="020B0604020202020204" pitchFamily="34" charset="0"/>
+              <a:buChar char="•"/>
+            </a:pPr>
+            <a:r>
+              <a:rPr lang="en-US" b="0" i="0" dirty="0">
+                <a:solidFill>
+                  <a:schemeClr val="tx1"/>
+                </a:solidFill>
+                <a:effectLst/>
+                <a:latin typeface="Times New Roman" panose="02020603050405020304" pitchFamily="18" charset="0"/>
+                <a:cs typeface="Times New Roman" panose="02020603050405020304" pitchFamily="18" charset="0"/>
+              </a:rPr>
+              <a:t>Enabling gasless transactions with enhanced paymaster contracts for improved user experience</a:t>
+            </a:r>
+          </a:p>
+          <a:p>
+            <a:pPr algn="l">
+              <a:buFont typeface="Arial" panose="020B0604020202020204" pitchFamily="34" charset="0"/>
+              <a:buChar char="•"/>
+            </a:pPr>
+            <a:r>
+              <a:rPr lang="en-US" b="1" i="0" dirty="0">
+                <a:solidFill>
+                  <a:schemeClr val="tx1"/>
+                </a:solidFill>
+                <a:effectLst/>
+                <a:latin typeface="Times New Roman" panose="02020603050405020304" pitchFamily="18" charset="0"/>
+                <a:cs typeface="Times New Roman" panose="02020603050405020304" pitchFamily="18" charset="0"/>
+              </a:rPr>
+              <a:t>Cross-Chain and Interoperability Enhancements</a:t>
+            </a:r>
+            <a:endParaRPr lang="en-US" b="0" i="0" dirty="0">
+              <a:solidFill>
+                <a:schemeClr val="tx1"/>
+              </a:solidFill>
+              <a:effectLst/>
+              <a:latin typeface="Times New Roman" panose="02020603050405020304" pitchFamily="18" charset="0"/>
+              <a:cs typeface="Times New Roman" panose="02020603050405020304" pitchFamily="18" charset="0"/>
+            </a:endParaRPr>
+          </a:p>
+          <a:p>
+            <a:pPr marL="742950" lvl="1" indent="-285750" algn="l">
+              <a:buFont typeface="Arial" panose="020B0604020202020204" pitchFamily="34" charset="0"/>
+              <a:buChar char="•"/>
+            </a:pPr>
+            <a:r>
+              <a:rPr lang="en-US" b="0" i="0" dirty="0">
+                <a:solidFill>
+                  <a:schemeClr val="tx1"/>
+                </a:solidFill>
+                <a:effectLst/>
+                <a:latin typeface="Times New Roman" panose="02020603050405020304" pitchFamily="18" charset="0"/>
+                <a:cs typeface="Times New Roman" panose="02020603050405020304" pitchFamily="18" charset="0"/>
+              </a:rPr>
+              <a:t>Exploring options for cross‑chain wallet top-ups and multi‑chain support</a:t>
+            </a:r>
+          </a:p>
+          <a:p>
+            <a:pPr marL="742950" lvl="1" indent="-285750" algn="l">
+              <a:buFont typeface="Arial" panose="020B0604020202020204" pitchFamily="34" charset="0"/>
+              <a:buChar char="•"/>
+            </a:pPr>
+            <a:r>
+              <a:rPr lang="en-US" b="0" i="0" dirty="0">
+                <a:solidFill>
+                  <a:schemeClr val="tx1"/>
+                </a:solidFill>
+                <a:effectLst/>
+                <a:latin typeface="Times New Roman" panose="02020603050405020304" pitchFamily="18" charset="0"/>
+                <a:cs typeface="Times New Roman" panose="02020603050405020304" pitchFamily="18" charset="0"/>
+              </a:rPr>
+              <a:t>Future-proofing the system with scalability improvements and performance optimizations</a:t>
+            </a:r>
+          </a:p>
+        </p:txBody>
+      </p:sp>
+      <p:sp>
+        <p:nvSpPr>
+          <p:cNvPr id="71" name="Google Shape;71;p15"/>
+          <p:cNvSpPr txBox="1">
+            <a:spLocks noGrp="1"/>
+          </p:cNvSpPr>
+          <p:nvPr>
+            <p:ph type="title" idx="4294967295"/>
+          </p:nvPr>
+        </p:nvSpPr>
+        <p:spPr>
+          <a:xfrm>
+            <a:off x="2537100" y="188723"/>
+            <a:ext cx="4069800" cy="514500"/>
+          </a:xfrm>
+          <a:prstGeom prst="rect">
+            <a:avLst/>
+          </a:prstGeom>
+          <a:noFill/>
+          <a:ln>
+            <a:noFill/>
+          </a:ln>
+        </p:spPr>
+        <p:txBody>
+          <a:bodyPr spcFirstLastPara="1" wrap="square" lIns="0" tIns="6350" rIns="0" bIns="0" anchor="t" anchorCtr="0">
+            <a:spAutoFit/>
+          </a:bodyPr>
+          <a:lstStyle/>
+          <a:p>
+            <a:pPr marL="12700" lvl="0" indent="0" algn="ctr" rtl="0">
+              <a:lnSpc>
+                <a:spcPct val="100000"/>
+              </a:lnSpc>
+              <a:spcBef>
+                <a:spcPts val="0"/>
+              </a:spcBef>
+              <a:spcAft>
+                <a:spcPts val="0"/>
+              </a:spcAft>
+              <a:buSzPts val="2800"/>
+              <a:buNone/>
+            </a:pPr>
+            <a:r>
+              <a:rPr lang="en-GB" sz="3200" dirty="0">
+                <a:latin typeface="Times New Roman" panose="02020603050405020304" pitchFamily="18" charset="0"/>
+                <a:ea typeface="Lucida Sans" panose="020B0602030504020204"/>
+                <a:cs typeface="Times New Roman" panose="02020603050405020304" pitchFamily="18" charset="0"/>
+                <a:sym typeface="Lucida Sans" panose="020B0602030504020204"/>
+              </a:rPr>
+              <a:t>Implementation</a:t>
+            </a:r>
+            <a:endParaRPr sz="3200" dirty="0">
+              <a:latin typeface="Times New Roman" panose="02020603050405020304" pitchFamily="18" charset="0"/>
+              <a:ea typeface="Lucida Sans" panose="020B0602030504020204"/>
+              <a:cs typeface="Times New Roman" panose="02020603050405020304" pitchFamily="18" charset="0"/>
+              <a:sym typeface="Lucida Sans" panose="020B0602030504020204"/>
+            </a:endParaRPr>
+          </a:p>
+        </p:txBody>
+      </p:sp>
+    </p:spTree>
+    <p:extLst>
+      <p:ext uri="{BB962C8B-B14F-4D97-AF65-F5344CB8AC3E}">
+        <p14:creationId xmlns:p14="http://schemas.microsoft.com/office/powerpoint/2010/main" val="1750464328"/>
+      </p:ext>
+    </p:extLst>
+  </p:cSld>
+  <p:clrMapOvr>
+    <a:masterClrMapping/>
+  </p:clrMapOvr>
+</p:sld>
+</file>
+
+<file path=ppt/slides/slide23.xml><?xml version="1.0" encoding="utf-8"?>
 <p:sld xmlns:a="http://schemas.openxmlformats.org/drawingml/2006/main" xmlns:r="http://schemas.openxmlformats.org/officeDocument/2006/relationships" xmlns:p="http://schemas.openxmlformats.org/presentationml/2006/main">
   <p:cSld>
     <p:spTree>
@@ -9237,7 +13923,7 @@
 </p:sld>
 </file>
 
-<file path=ppt/slides/slide17.xml><?xml version="1.0" encoding="utf-8"?>
+<file path=ppt/slides/slide24.xml><?xml version="1.0" encoding="utf-8"?>
 <p:sld xmlns:a="http://schemas.openxmlformats.org/drawingml/2006/main" xmlns:r="http://schemas.openxmlformats.org/officeDocument/2006/relationships" xmlns:p="http://schemas.openxmlformats.org/presentationml/2006/main">
   <p:cSld>
     <p:spTree>
@@ -9901,7 +14587,7 @@
 </p:sld>
 </file>
 
-<file path=ppt/slides/slide18.xml><?xml version="1.0" encoding="utf-8"?>
+<file path=ppt/slides/slide25.xml><?xml version="1.0" encoding="utf-8"?>
 <p:sld xmlns:a="http://schemas.openxmlformats.org/drawingml/2006/main" xmlns:r="http://schemas.openxmlformats.org/officeDocument/2006/relationships" xmlns:p="http://schemas.openxmlformats.org/presentationml/2006/main">
   <p:cSld>
     <p:spTree>
@@ -9984,365 +14670,6 @@
               <a:t>THANK YOU</a:t>
             </a:r>
             <a:endParaRPr sz="4100" b="1"/>
-          </a:p>
-        </p:txBody>
-      </p:sp>
-    </p:spTree>
-  </p:cSld>
-  <p:clrMapOvr>
-    <a:masterClrMapping/>
-  </p:clrMapOvr>
-</p:sld>
-</file>
-
-<file path=ppt/slides/slide2.xml><?xml version="1.0" encoding="utf-8"?>
-<p:sld xmlns:a="http://schemas.openxmlformats.org/drawingml/2006/main" xmlns:r="http://schemas.openxmlformats.org/officeDocument/2006/relationships" xmlns:p="http://schemas.openxmlformats.org/presentationml/2006/main">
-  <p:cSld>
-    <p:spTree>
-      <p:nvGrpSpPr>
-        <p:cNvPr id="1" name="Shape 68"/>
-        <p:cNvGrpSpPr/>
-        <p:nvPr/>
-      </p:nvGrpSpPr>
-      <p:grpSpPr>
-        <a:xfrm>
-          <a:off x="0" y="0"/>
-          <a:ext cx="0" cy="0"/>
-          <a:chOff x="0" y="0"/>
-          <a:chExt cx="0" cy="0"/>
-        </a:xfrm>
-      </p:grpSpPr>
-      <p:pic>
-        <p:nvPicPr>
-          <p:cNvPr id="69" name="Google Shape;69;p15"/>
-          <p:cNvPicPr preferRelativeResize="0"/>
-          <p:nvPr/>
-        </p:nvPicPr>
-        <p:blipFill rotWithShape="1">
-          <a:blip r:embed="rId3"/>
-          <a:srcRect/>
-          <a:stretch>
-            <a:fillRect/>
-          </a:stretch>
-        </p:blipFill>
-        <p:spPr>
-          <a:xfrm>
-            <a:off x="170327" y="218750"/>
-            <a:ext cx="1968300" cy="666875"/>
-          </a:xfrm>
-          <a:prstGeom prst="rect">
-            <a:avLst/>
-          </a:prstGeom>
-          <a:noFill/>
-          <a:ln>
-            <a:noFill/>
-          </a:ln>
-        </p:spPr>
-      </p:pic>
-      <p:sp>
-        <p:nvSpPr>
-          <p:cNvPr id="70" name="Google Shape;70;p15"/>
-          <p:cNvSpPr txBox="1"/>
-          <p:nvPr/>
-        </p:nvSpPr>
-        <p:spPr>
-          <a:xfrm>
-            <a:off x="170327" y="1186770"/>
-            <a:ext cx="8657414" cy="3508623"/>
-          </a:xfrm>
-          <a:prstGeom prst="rect">
-            <a:avLst/>
-          </a:prstGeom>
-          <a:noFill/>
-          <a:ln>
-            <a:noFill/>
-          </a:ln>
-        </p:spPr>
-        <p:txBody>
-          <a:bodyPr spcFirstLastPara="1" wrap="square" lIns="91425" tIns="91425" rIns="91425" bIns="91425" anchor="t" anchorCtr="0">
-            <a:spAutoFit/>
-          </a:bodyPr>
-          <a:lstStyle/>
-          <a:p>
-            <a:pPr marL="802640" lvl="0" indent="-581025" algn="l" rtl="0">
-              <a:spcBef>
-                <a:spcPts val="0"/>
-              </a:spcBef>
-              <a:spcAft>
-                <a:spcPts val="0"/>
-              </a:spcAft>
-              <a:buClr>
-                <a:schemeClr val="dk1"/>
-              </a:buClr>
-              <a:buSzPts val="1900"/>
-              <a:buAutoNum type="arabicPeriod"/>
-            </a:pPr>
-            <a:r>
-              <a:rPr lang="en-GB" sz="2400" dirty="0">
-                <a:solidFill>
-                  <a:schemeClr val="dk1"/>
-                </a:solidFill>
-                <a:latin typeface="Times New Roman" panose="02020603050405020304" pitchFamily="18" charset="0"/>
-                <a:cs typeface="Times New Roman" panose="02020603050405020304" pitchFamily="18" charset="0"/>
-              </a:rPr>
-              <a:t>Problem Statement – Abstract</a:t>
-            </a:r>
-          </a:p>
-          <a:p>
-            <a:pPr marL="802640" lvl="0" indent="-581025" algn="l" rtl="0">
-              <a:spcBef>
-                <a:spcPts val="0"/>
-              </a:spcBef>
-              <a:spcAft>
-                <a:spcPts val="0"/>
-              </a:spcAft>
-              <a:buClr>
-                <a:schemeClr val="dk1"/>
-              </a:buClr>
-              <a:buSzPts val="1900"/>
-              <a:buAutoNum type="arabicPeriod"/>
-            </a:pPr>
-            <a:r>
-              <a:rPr lang="en-GB" sz="2400" dirty="0">
-                <a:solidFill>
-                  <a:schemeClr val="dk1"/>
-                </a:solidFill>
-                <a:latin typeface="Times New Roman" panose="02020603050405020304" pitchFamily="18" charset="0"/>
-                <a:cs typeface="Times New Roman" panose="02020603050405020304" pitchFamily="18" charset="0"/>
-              </a:rPr>
-              <a:t>Objectives</a:t>
-            </a:r>
-          </a:p>
-          <a:p>
-            <a:pPr marL="802640" lvl="0" indent="-581025" algn="l" rtl="0">
-              <a:spcBef>
-                <a:spcPts val="0"/>
-              </a:spcBef>
-              <a:spcAft>
-                <a:spcPts val="0"/>
-              </a:spcAft>
-              <a:buClr>
-                <a:schemeClr val="dk1"/>
-              </a:buClr>
-              <a:buSzPts val="1900"/>
-              <a:buAutoNum type="arabicPeriod"/>
-            </a:pPr>
-            <a:r>
-              <a:rPr lang="en-US" altLang="en-GB" sz="2400" dirty="0">
-                <a:solidFill>
-                  <a:schemeClr val="dk1"/>
-                </a:solidFill>
-                <a:latin typeface="Times New Roman" panose="02020603050405020304" pitchFamily="18" charset="0"/>
-                <a:cs typeface="Times New Roman" panose="02020603050405020304" pitchFamily="18" charset="0"/>
-              </a:rPr>
-              <a:t>Daily Scrum Plan</a:t>
-            </a:r>
-            <a:endParaRPr lang="en-GB" sz="2400" dirty="0">
-              <a:solidFill>
-                <a:schemeClr val="dk1"/>
-              </a:solidFill>
-              <a:latin typeface="Times New Roman" panose="02020603050405020304" pitchFamily="18" charset="0"/>
-              <a:cs typeface="Times New Roman" panose="02020603050405020304" pitchFamily="18" charset="0"/>
-            </a:endParaRPr>
-          </a:p>
-          <a:p>
-            <a:pPr marL="802640" lvl="0" indent="-581025" algn="l" rtl="0">
-              <a:spcBef>
-                <a:spcPts val="0"/>
-              </a:spcBef>
-              <a:spcAft>
-                <a:spcPts val="0"/>
-              </a:spcAft>
-              <a:buClr>
-                <a:schemeClr val="dk1"/>
-              </a:buClr>
-              <a:buSzPts val="1900"/>
-              <a:buAutoNum type="arabicPeriod"/>
-            </a:pPr>
-            <a:r>
-              <a:rPr lang="en-US" sz="2400" dirty="0">
-                <a:solidFill>
-                  <a:schemeClr val="dk1"/>
-                </a:solidFill>
-                <a:latin typeface="Times New Roman" panose="02020603050405020304" pitchFamily="18" charset="0"/>
-                <a:cs typeface="Times New Roman" panose="02020603050405020304" pitchFamily="18" charset="0"/>
-              </a:rPr>
-              <a:t>Proposed System – System Design</a:t>
-            </a:r>
-          </a:p>
-          <a:p>
-            <a:pPr marL="802640" lvl="0" indent="-581025" algn="l" rtl="0">
-              <a:spcBef>
-                <a:spcPts val="0"/>
-              </a:spcBef>
-              <a:spcAft>
-                <a:spcPts val="0"/>
-              </a:spcAft>
-              <a:buClr>
-                <a:schemeClr val="dk1"/>
-              </a:buClr>
-              <a:buSzPts val="1900"/>
-              <a:buAutoNum type="arabicPeriod"/>
-            </a:pPr>
-            <a:r>
-              <a:rPr lang="en-US" sz="2400" dirty="0">
-                <a:solidFill>
-                  <a:schemeClr val="dk1"/>
-                </a:solidFill>
-                <a:latin typeface="Times New Roman" panose="02020603050405020304" pitchFamily="18" charset="0"/>
-                <a:cs typeface="Times New Roman" panose="02020603050405020304" pitchFamily="18" charset="0"/>
-              </a:rPr>
-              <a:t>Proposed System – Architecture </a:t>
-            </a:r>
-          </a:p>
-          <a:p>
-            <a:pPr marL="802640" indent="-581025">
-              <a:buClr>
-                <a:schemeClr val="dk1"/>
-              </a:buClr>
-              <a:buSzPts val="1900"/>
-              <a:buFont typeface="Arial" panose="020B0604020202020204"/>
-              <a:buAutoNum type="arabicPeriod"/>
-            </a:pPr>
-            <a:r>
-              <a:rPr lang="en-US" sz="2400" dirty="0">
-                <a:solidFill>
-                  <a:srgbClr val="000000"/>
-                </a:solidFill>
-                <a:effectLst/>
-                <a:latin typeface="Times New Roman" panose="02020603050405020304" pitchFamily="18" charset="0"/>
-                <a:ea typeface="Droid Sans"/>
-                <a:cs typeface="Times New Roman" panose="02020603050405020304" pitchFamily="18" charset="0"/>
-              </a:rPr>
-              <a:t>Functional Modules</a:t>
-            </a:r>
-          </a:p>
-          <a:p>
-            <a:pPr marL="802640" indent="-581025">
-              <a:buClr>
-                <a:schemeClr val="dk1"/>
-              </a:buClr>
-              <a:buSzPts val="1900"/>
-              <a:buFont typeface="Arial" panose="020B0604020202020204"/>
-              <a:buAutoNum type="arabicPeriod"/>
-            </a:pPr>
-            <a:r>
-              <a:rPr lang="en-US" sz="2400" dirty="0">
-                <a:solidFill>
-                  <a:schemeClr val="dk1"/>
-                </a:solidFill>
-                <a:latin typeface="Times New Roman" panose="02020603050405020304" pitchFamily="18" charset="0"/>
-                <a:cs typeface="Times New Roman" panose="02020603050405020304" pitchFamily="18" charset="0"/>
-              </a:rPr>
-              <a:t>Functional Test Case </a:t>
-            </a:r>
-          </a:p>
-          <a:p>
-            <a:pPr marL="802640" lvl="0" indent="-581025" algn="l" rtl="0">
-              <a:spcBef>
-                <a:spcPts val="0"/>
-              </a:spcBef>
-              <a:spcAft>
-                <a:spcPts val="0"/>
-              </a:spcAft>
-              <a:buClr>
-                <a:schemeClr val="dk1"/>
-              </a:buClr>
-              <a:buSzPts val="1900"/>
-              <a:buAutoNum type="arabicPeriod"/>
-            </a:pPr>
-            <a:r>
-              <a:rPr lang="en-US" sz="2400" dirty="0">
-                <a:solidFill>
-                  <a:schemeClr val="dk1"/>
-                </a:solidFill>
-                <a:latin typeface="Times New Roman" panose="02020603050405020304" pitchFamily="18" charset="0"/>
-                <a:cs typeface="Times New Roman" panose="02020603050405020304" pitchFamily="18" charset="0"/>
-              </a:rPr>
-              <a:t>Result analysis </a:t>
-            </a:r>
-          </a:p>
-          <a:p>
-            <a:pPr marL="802640" lvl="0" indent="-581025" algn="l" rtl="0">
-              <a:spcBef>
-                <a:spcPts val="0"/>
-              </a:spcBef>
-              <a:spcAft>
-                <a:spcPts val="0"/>
-              </a:spcAft>
-              <a:buClr>
-                <a:schemeClr val="dk1"/>
-              </a:buClr>
-              <a:buSzPts val="1900"/>
-              <a:buAutoNum type="arabicPeriod"/>
-            </a:pPr>
-            <a:r>
-              <a:rPr lang="en-US" sz="2400" dirty="0">
-                <a:latin typeface="Times New Roman" panose="02020603050405020304" pitchFamily="18" charset="0"/>
-                <a:cs typeface="Times New Roman" panose="02020603050405020304" pitchFamily="18" charset="0"/>
-              </a:rPr>
-              <a:t>References </a:t>
-            </a:r>
-          </a:p>
-        </p:txBody>
-      </p:sp>
-      <p:sp>
-        <p:nvSpPr>
-          <p:cNvPr id="71" name="Google Shape;71;p15"/>
-          <p:cNvSpPr txBox="1">
-            <a:spLocks noGrp="1"/>
-          </p:cNvSpPr>
-          <p:nvPr>
-            <p:ph type="title" idx="4294967295"/>
-          </p:nvPr>
-        </p:nvSpPr>
-        <p:spPr>
-          <a:xfrm>
-            <a:off x="2537100" y="188723"/>
-            <a:ext cx="4069800" cy="514500"/>
-          </a:xfrm>
-          <a:prstGeom prst="rect">
-            <a:avLst/>
-          </a:prstGeom>
-          <a:noFill/>
-          <a:ln>
-            <a:noFill/>
-          </a:ln>
-        </p:spPr>
-        <p:txBody>
-          <a:bodyPr spcFirstLastPara="1" wrap="square" lIns="0" tIns="6350" rIns="0" bIns="0" anchor="t" anchorCtr="0">
-            <a:spAutoFit/>
-          </a:bodyPr>
-          <a:lstStyle/>
-          <a:p>
-            <a:pPr marL="12700" lvl="0" indent="0" algn="ctr" rtl="0">
-              <a:lnSpc>
-                <a:spcPct val="100000"/>
-              </a:lnSpc>
-              <a:spcBef>
-                <a:spcPts val="0"/>
-              </a:spcBef>
-              <a:spcAft>
-                <a:spcPts val="0"/>
-              </a:spcAft>
-              <a:buSzPts val="2800"/>
-              <a:buNone/>
-            </a:pPr>
-            <a:r>
-              <a:rPr lang="en-GB" sz="3200" dirty="0">
-                <a:latin typeface="Times New Roman" panose="02020603050405020304" pitchFamily="18" charset="0"/>
-                <a:ea typeface="Lucida Sans" panose="020B0602030504020204"/>
-                <a:cs typeface="Times New Roman" panose="02020603050405020304" pitchFamily="18" charset="0"/>
-                <a:sym typeface="Lucida Sans" panose="020B0602030504020204"/>
-              </a:rPr>
-              <a:t>Table of Contents</a:t>
-            </a:r>
-            <a:endParaRPr sz="3200" dirty="0">
-              <a:latin typeface="Times New Roman" panose="02020603050405020304" pitchFamily="18" charset="0"/>
-              <a:ea typeface="Lucida Sans" panose="020B0602030504020204"/>
-              <a:cs typeface="Times New Roman" panose="02020603050405020304" pitchFamily="18" charset="0"/>
-              <a:sym typeface="Lucida Sans" panose="020B0602030504020204"/>
-            </a:endParaRPr>
           </a:p>
         </p:txBody>
       </p:sp>
@@ -11351,6 +15678,1190 @@
       </p:pic>
       <p:sp>
         <p:nvSpPr>
+          <p:cNvPr id="71" name="Google Shape;71;p15"/>
+          <p:cNvSpPr txBox="1">
+            <a:spLocks noGrp="1"/>
+          </p:cNvSpPr>
+          <p:nvPr>
+            <p:ph type="title" idx="4294967295"/>
+          </p:nvPr>
+        </p:nvSpPr>
+        <p:spPr>
+          <a:xfrm>
+            <a:off x="2537100" y="188723"/>
+            <a:ext cx="4069800" cy="514500"/>
+          </a:xfrm>
+          <a:prstGeom prst="rect">
+            <a:avLst/>
+          </a:prstGeom>
+          <a:noFill/>
+          <a:ln>
+            <a:noFill/>
+          </a:ln>
+        </p:spPr>
+        <p:txBody>
+          <a:bodyPr spcFirstLastPara="1" wrap="square" lIns="0" tIns="6350" rIns="0" bIns="0" anchor="t" anchorCtr="0">
+            <a:spAutoFit/>
+          </a:bodyPr>
+          <a:lstStyle/>
+          <a:p>
+            <a:pPr marL="12700" lvl="0" indent="0" algn="ctr" rtl="0">
+              <a:lnSpc>
+                <a:spcPct val="100000"/>
+              </a:lnSpc>
+              <a:spcBef>
+                <a:spcPts val="0"/>
+              </a:spcBef>
+              <a:spcAft>
+                <a:spcPts val="0"/>
+              </a:spcAft>
+              <a:buSzPts val="2800"/>
+              <a:buNone/>
+            </a:pPr>
+            <a:r>
+              <a:rPr lang="en-GB" sz="3200" dirty="0">
+                <a:latin typeface="Times New Roman" panose="02020603050405020304" pitchFamily="18" charset="0"/>
+                <a:ea typeface="Lucida Sans" panose="020B0602030504020204"/>
+                <a:cs typeface="Times New Roman" panose="02020603050405020304" pitchFamily="18" charset="0"/>
+                <a:sym typeface="Lucida Sans" panose="020B0602030504020204"/>
+              </a:rPr>
+              <a:t>Literature Survey</a:t>
+            </a:r>
+            <a:endParaRPr sz="3200" dirty="0">
+              <a:latin typeface="Times New Roman" panose="02020603050405020304" pitchFamily="18" charset="0"/>
+              <a:ea typeface="Lucida Sans" panose="020B0602030504020204"/>
+              <a:cs typeface="Times New Roman" panose="02020603050405020304" pitchFamily="18" charset="0"/>
+              <a:sym typeface="Lucida Sans" panose="020B0602030504020204"/>
+            </a:endParaRPr>
+          </a:p>
+        </p:txBody>
+      </p:sp>
+      <p:graphicFrame>
+        <p:nvGraphicFramePr>
+          <p:cNvPr id="3" name="Table 2">
+            <a:extLst>
+              <a:ext uri="{FF2B5EF4-FFF2-40B4-BE49-F238E27FC236}">
+                <a16:creationId xmlns:a16="http://schemas.microsoft.com/office/drawing/2014/main" id="{EA954DF5-769A-2F32-DF7F-7E5EBDF9F1AC}"/>
+              </a:ext>
+            </a:extLst>
+          </p:cNvPr>
+          <p:cNvGraphicFramePr>
+            <a:graphicFrameLocks noGrp="1"/>
+          </p:cNvGraphicFramePr>
+          <p:nvPr>
+            <p:extLst>
+              <p:ext uri="{D42A27DB-BD31-4B8C-83A1-F6EECF244321}">
+                <p14:modId xmlns:p14="http://schemas.microsoft.com/office/powerpoint/2010/main" val="3336836678"/>
+              </p:ext>
+            </p:extLst>
+          </p:nvPr>
+        </p:nvGraphicFramePr>
+        <p:xfrm>
+          <a:off x="170327" y="1152525"/>
+          <a:ext cx="8752172" cy="3435101"/>
+        </p:xfrm>
+        <a:graphic>
+          <a:graphicData uri="http://schemas.openxmlformats.org/drawingml/2006/table">
+            <a:tbl>
+              <a:tblPr>
+                <a:tableStyleId>{DF880E66-F3ED-471F-8734-495FB9488FD3}</a:tableStyleId>
+              </a:tblPr>
+              <a:tblGrid>
+                <a:gridCol w="346508">
+                  <a:extLst>
+                    <a:ext uri="{9D8B030D-6E8A-4147-A177-3AD203B41FA5}">
+                      <a16:colId xmlns:a16="http://schemas.microsoft.com/office/drawing/2014/main" val="1125239191"/>
+                    </a:ext>
+                  </a:extLst>
+                </a:gridCol>
+                <a:gridCol w="2215006">
+                  <a:extLst>
+                    <a:ext uri="{9D8B030D-6E8A-4147-A177-3AD203B41FA5}">
+                      <a16:colId xmlns:a16="http://schemas.microsoft.com/office/drawing/2014/main" val="989323397"/>
+                    </a:ext>
+                  </a:extLst>
+                </a:gridCol>
+                <a:gridCol w="3623523">
+                  <a:extLst>
+                    <a:ext uri="{9D8B030D-6E8A-4147-A177-3AD203B41FA5}">
+                      <a16:colId xmlns:a16="http://schemas.microsoft.com/office/drawing/2014/main" val="3752244520"/>
+                    </a:ext>
+                  </a:extLst>
+                </a:gridCol>
+                <a:gridCol w="2567135">
+                  <a:extLst>
+                    <a:ext uri="{9D8B030D-6E8A-4147-A177-3AD203B41FA5}">
+                      <a16:colId xmlns:a16="http://schemas.microsoft.com/office/drawing/2014/main" val="680032487"/>
+                    </a:ext>
+                  </a:extLst>
+                </a:gridCol>
+              </a:tblGrid>
+              <a:tr h="162227">
+                <a:tc>
+                  <a:txBody>
+                    <a:bodyPr/>
+                    <a:lstStyle/>
+                    <a:p>
+                      <a:pPr algn="ctr" fontAlgn="b"/>
+                      <a:r>
+                        <a:rPr lang="en-US" sz="1000" b="1" dirty="0">
+                          <a:effectLst/>
+                          <a:latin typeface="Times New Roman" panose="02020603050405020304" pitchFamily="18" charset="0"/>
+                          <a:cs typeface="Times New Roman" panose="02020603050405020304" pitchFamily="18" charset="0"/>
+                        </a:rPr>
+                        <a:t>Ref.</a:t>
+                      </a:r>
+                    </a:p>
+                  </a:txBody>
+                  <a:tcPr marL="28628" marR="28628" marT="14314" marB="14314" anchor="b"/>
+                </a:tc>
+                <a:tc>
+                  <a:txBody>
+                    <a:bodyPr/>
+                    <a:lstStyle/>
+                    <a:p>
+                      <a:pPr algn="ctr" fontAlgn="b"/>
+                      <a:r>
+                        <a:rPr lang="en-US" sz="1000" b="1">
+                          <a:effectLst/>
+                          <a:latin typeface="Times New Roman" panose="02020603050405020304" pitchFamily="18" charset="0"/>
+                          <a:cs typeface="Times New Roman" panose="02020603050405020304" pitchFamily="18" charset="0"/>
+                        </a:rPr>
+                        <a:t>Approach / Focus</a:t>
+                      </a:r>
+                    </a:p>
+                  </a:txBody>
+                  <a:tcPr marL="28628" marR="28628" marT="14314" marB="14314" anchor="b"/>
+                </a:tc>
+                <a:tc>
+                  <a:txBody>
+                    <a:bodyPr/>
+                    <a:lstStyle/>
+                    <a:p>
+                      <a:pPr algn="ctr" fontAlgn="b"/>
+                      <a:r>
+                        <a:rPr lang="en-US" sz="1000" b="1">
+                          <a:effectLst/>
+                          <a:latin typeface="Times New Roman" panose="02020603050405020304" pitchFamily="18" charset="0"/>
+                          <a:cs typeface="Times New Roman" panose="02020603050405020304" pitchFamily="18" charset="0"/>
+                        </a:rPr>
+                        <a:t>Key Findings</a:t>
+                      </a:r>
+                    </a:p>
+                  </a:txBody>
+                  <a:tcPr marL="28628" marR="28628" marT="14314" marB="14314" anchor="b"/>
+                </a:tc>
+                <a:tc>
+                  <a:txBody>
+                    <a:bodyPr/>
+                    <a:lstStyle/>
+                    <a:p>
+                      <a:pPr algn="ctr" fontAlgn="b"/>
+                      <a:r>
+                        <a:rPr lang="en-US" sz="1000" b="1">
+                          <a:effectLst/>
+                          <a:latin typeface="Times New Roman" panose="02020603050405020304" pitchFamily="18" charset="0"/>
+                          <a:cs typeface="Times New Roman" panose="02020603050405020304" pitchFamily="18" charset="0"/>
+                        </a:rPr>
+                        <a:t>Relevance to Proposed Work</a:t>
+                      </a:r>
+                    </a:p>
+                  </a:txBody>
+                  <a:tcPr marL="28628" marR="28628" marT="14314" marB="14314" anchor="b"/>
+                </a:tc>
+                <a:extLst>
+                  <a:ext uri="{0D108BD9-81ED-4DB2-BD59-A6C34878D82A}">
+                    <a16:rowId xmlns:a16="http://schemas.microsoft.com/office/drawing/2014/main" val="158636603"/>
+                  </a:ext>
+                </a:extLst>
+              </a:tr>
+              <a:tr h="696620">
+                <a:tc>
+                  <a:txBody>
+                    <a:bodyPr/>
+                    <a:lstStyle/>
+                    <a:p>
+                      <a:pPr fontAlgn="base"/>
+                      <a:r>
+                        <a:rPr lang="en-US" sz="1000" dirty="0">
+                          <a:effectLst/>
+                          <a:latin typeface="Times New Roman" panose="02020603050405020304" pitchFamily="18" charset="0"/>
+                          <a:cs typeface="Times New Roman" panose="02020603050405020304" pitchFamily="18" charset="0"/>
+                        </a:rPr>
+                        <a:t>[4]</a:t>
+                      </a:r>
+                    </a:p>
+                  </a:txBody>
+                  <a:tcPr marL="28628" marR="28628" marT="14314" marB="14314" anchor="ctr"/>
+                </a:tc>
+                <a:tc>
+                  <a:txBody>
+                    <a:bodyPr/>
+                    <a:lstStyle/>
+                    <a:p>
+                      <a:pPr fontAlgn="base"/>
+                      <a:r>
+                        <a:rPr lang="en-US" sz="1000" dirty="0">
+                          <a:effectLst/>
+                          <a:latin typeface="Times New Roman" panose="02020603050405020304" pitchFamily="18" charset="0"/>
+                          <a:cs typeface="Times New Roman" panose="02020603050405020304" pitchFamily="18" charset="0"/>
+                        </a:rPr>
+                        <a:t>Automatic Toll Collection using RFID</a:t>
+                      </a:r>
+                    </a:p>
+                  </a:txBody>
+                  <a:tcPr marL="28628" marR="28628" marT="14314" marB="14314" anchor="ctr"/>
+                </a:tc>
+                <a:tc>
+                  <a:txBody>
+                    <a:bodyPr/>
+                    <a:lstStyle/>
+                    <a:p>
+                      <a:pPr fontAlgn="base"/>
+                      <a:r>
+                        <a:rPr lang="en-US" sz="1000" dirty="0">
+                          <a:effectLst/>
+                          <a:latin typeface="Times New Roman" panose="02020603050405020304" pitchFamily="18" charset="0"/>
+                          <a:cs typeface="Times New Roman" panose="02020603050405020304" pitchFamily="18" charset="0"/>
+                        </a:rPr>
+                        <a:t>Demonstrated an RFID-based system (e.g., EM-18 reader) for toll payments, but faced issues such as manual top-ups and insufficient balance detection.</a:t>
+                      </a:r>
+                    </a:p>
+                  </a:txBody>
+                  <a:tcPr marL="28628" marR="28628" marT="14314" marB="14314" anchor="ctr"/>
+                </a:tc>
+                <a:tc>
+                  <a:txBody>
+                    <a:bodyPr/>
+                    <a:lstStyle/>
+                    <a:p>
+                      <a:pPr fontAlgn="base"/>
+                      <a:r>
+                        <a:rPr lang="en-US" sz="1000">
+                          <a:effectLst/>
+                          <a:latin typeface="Times New Roman" panose="02020603050405020304" pitchFamily="18" charset="0"/>
+                          <a:cs typeface="Times New Roman" panose="02020603050405020304" pitchFamily="18" charset="0"/>
+                        </a:rPr>
+                        <a:t>Provides insight into the practical challenges of purely RFID-based toll systems, underscoring the need for a robust wallet mechanism and on-chain verification.</a:t>
+                      </a:r>
+                    </a:p>
+                  </a:txBody>
+                  <a:tcPr marL="28628" marR="28628" marT="14314" marB="14314" anchor="ctr"/>
+                </a:tc>
+                <a:extLst>
+                  <a:ext uri="{0D108BD9-81ED-4DB2-BD59-A6C34878D82A}">
+                    <a16:rowId xmlns:a16="http://schemas.microsoft.com/office/drawing/2014/main" val="1838510943"/>
+                  </a:ext>
+                </a:extLst>
+              </a:tr>
+              <a:tr h="830218">
+                <a:tc>
+                  <a:txBody>
+                    <a:bodyPr/>
+                    <a:lstStyle/>
+                    <a:p>
+                      <a:pPr fontAlgn="base"/>
+                      <a:r>
+                        <a:rPr lang="en-US" sz="1000">
+                          <a:effectLst/>
+                          <a:latin typeface="Times New Roman" panose="02020603050405020304" pitchFamily="18" charset="0"/>
+                          <a:cs typeface="Times New Roman" panose="02020603050405020304" pitchFamily="18" charset="0"/>
+                        </a:rPr>
+                        <a:t>[5]</a:t>
+                      </a:r>
+                    </a:p>
+                  </a:txBody>
+                  <a:tcPr marL="28628" marR="28628" marT="14314" marB="14314" anchor="ctr"/>
+                </a:tc>
+                <a:tc>
+                  <a:txBody>
+                    <a:bodyPr/>
+                    <a:lstStyle/>
+                    <a:p>
+                      <a:pPr fontAlgn="base"/>
+                      <a:r>
+                        <a:rPr lang="en-US" sz="1000" dirty="0">
+                          <a:effectLst/>
+                          <a:latin typeface="Times New Roman" panose="02020603050405020304" pitchFamily="18" charset="0"/>
+                          <a:cs typeface="Times New Roman" panose="02020603050405020304" pitchFamily="18" charset="0"/>
+                        </a:rPr>
+                        <a:t>Automated Toll Collection System Based on RFID Sensor</a:t>
+                      </a:r>
+                    </a:p>
+                  </a:txBody>
+                  <a:tcPr marL="28628" marR="28628" marT="14314" marB="14314" anchor="ctr"/>
+                </a:tc>
+                <a:tc>
+                  <a:txBody>
+                    <a:bodyPr/>
+                    <a:lstStyle/>
+                    <a:p>
+                      <a:pPr fontAlgn="base"/>
+                      <a:r>
+                        <a:rPr lang="en-US" sz="1000" dirty="0">
+                          <a:effectLst/>
+                          <a:latin typeface="Times New Roman" panose="02020603050405020304" pitchFamily="18" charset="0"/>
+                          <a:cs typeface="Times New Roman" panose="02020603050405020304" pitchFamily="18" charset="0"/>
+                        </a:rPr>
+                        <a:t>Compared SPI-interface (MFRC522) vs. UART-based RFID modules. Found SPI-based readers to be more reliable and faster. Highlighted hardware-level improvements in scanning efficiency.</a:t>
+                      </a:r>
+                    </a:p>
+                  </a:txBody>
+                  <a:tcPr marL="28628" marR="28628" marT="14314" marB="14314" anchor="ctr"/>
+                </a:tc>
+                <a:tc>
+                  <a:txBody>
+                    <a:bodyPr/>
+                    <a:lstStyle/>
+                    <a:p>
+                      <a:pPr fontAlgn="base"/>
+                      <a:r>
+                        <a:rPr lang="en-US" sz="1000">
+                          <a:effectLst/>
+                          <a:latin typeface="Times New Roman" panose="02020603050405020304" pitchFamily="18" charset="0"/>
+                          <a:cs typeface="Times New Roman" panose="02020603050405020304" pitchFamily="18" charset="0"/>
+                        </a:rPr>
+                        <a:t>Informs hardware selection for RFID scanning and reaffirms the need for integrating reliable modules in a high-throughput environment.</a:t>
+                      </a:r>
+                    </a:p>
+                  </a:txBody>
+                  <a:tcPr marL="28628" marR="28628" marT="14314" marB="14314" anchor="ctr"/>
+                </a:tc>
+                <a:extLst>
+                  <a:ext uri="{0D108BD9-81ED-4DB2-BD59-A6C34878D82A}">
+                    <a16:rowId xmlns:a16="http://schemas.microsoft.com/office/drawing/2014/main" val="3578710399"/>
+                  </a:ext>
+                </a:extLst>
+              </a:tr>
+              <a:tr h="963816">
+                <a:tc>
+                  <a:txBody>
+                    <a:bodyPr/>
+                    <a:lstStyle/>
+                    <a:p>
+                      <a:pPr fontAlgn="base"/>
+                      <a:r>
+                        <a:rPr lang="en-US" sz="1000">
+                          <a:effectLst/>
+                          <a:latin typeface="Times New Roman" panose="02020603050405020304" pitchFamily="18" charset="0"/>
+                          <a:cs typeface="Times New Roman" panose="02020603050405020304" pitchFamily="18" charset="0"/>
+                        </a:rPr>
+                        <a:t>[6]</a:t>
+                      </a:r>
+                    </a:p>
+                  </a:txBody>
+                  <a:tcPr marL="28628" marR="28628" marT="14314" marB="14314" anchor="ctr"/>
+                </a:tc>
+                <a:tc>
+                  <a:txBody>
+                    <a:bodyPr/>
+                    <a:lstStyle/>
+                    <a:p>
+                      <a:pPr fontAlgn="base"/>
+                      <a:r>
+                        <a:rPr lang="en-US" sz="1000" dirty="0">
+                          <a:effectLst/>
+                          <a:latin typeface="Times New Roman" panose="02020603050405020304" pitchFamily="18" charset="0"/>
+                          <a:cs typeface="Times New Roman" panose="02020603050405020304" pitchFamily="18" charset="0"/>
+                        </a:rPr>
+                        <a:t>Secure Blockchain Model for Vehicle Toll Collection (Case Study of India)</a:t>
+                      </a:r>
+                    </a:p>
+                  </a:txBody>
+                  <a:tcPr marL="28628" marR="28628" marT="14314" marB="14314" anchor="ctr"/>
+                </a:tc>
+                <a:tc>
+                  <a:txBody>
+                    <a:bodyPr/>
+                    <a:lstStyle/>
+                    <a:p>
+                      <a:pPr fontAlgn="base"/>
+                      <a:r>
+                        <a:rPr lang="en-US" sz="1000" dirty="0">
+                          <a:effectLst/>
+                          <a:latin typeface="Times New Roman" panose="02020603050405020304" pitchFamily="18" charset="0"/>
+                          <a:cs typeface="Times New Roman" panose="02020603050405020304" pitchFamily="18" charset="0"/>
+                        </a:rPr>
+                        <a:t>Showed how Ethereum-based smart contracts can track vehicle toll payments, employing GPS verification for location-based toll triggers. Emphasized tamper-proof, immutable records via decentralized ledgers.</a:t>
+                      </a:r>
+                    </a:p>
+                  </a:txBody>
+                  <a:tcPr marL="28628" marR="28628" marT="14314" marB="14314" anchor="ctr"/>
+                </a:tc>
+                <a:tc>
+                  <a:txBody>
+                    <a:bodyPr/>
+                    <a:lstStyle/>
+                    <a:p>
+                      <a:pPr fontAlgn="base"/>
+                      <a:r>
+                        <a:rPr lang="en-US" sz="1000">
+                          <a:effectLst/>
+                          <a:latin typeface="Times New Roman" panose="02020603050405020304" pitchFamily="18" charset="0"/>
+                          <a:cs typeface="Times New Roman" panose="02020603050405020304" pitchFamily="18" charset="0"/>
+                        </a:rPr>
+                        <a:t>Reinforces the role of blockchain for immutability and trust, although the proposed system replaces GPS-based triggers with RFID and account abstraction.</a:t>
+                      </a:r>
+                    </a:p>
+                  </a:txBody>
+                  <a:tcPr marL="28628" marR="28628" marT="14314" marB="14314" anchor="ctr"/>
+                </a:tc>
+                <a:extLst>
+                  <a:ext uri="{0D108BD9-81ED-4DB2-BD59-A6C34878D82A}">
+                    <a16:rowId xmlns:a16="http://schemas.microsoft.com/office/drawing/2014/main" val="2709445069"/>
+                  </a:ext>
+                </a:extLst>
+              </a:tr>
+              <a:tr h="763419">
+                <a:tc>
+                  <a:txBody>
+                    <a:bodyPr/>
+                    <a:lstStyle/>
+                    <a:p>
+                      <a:pPr fontAlgn="base"/>
+                      <a:r>
+                        <a:rPr lang="en-US" sz="1000">
+                          <a:effectLst/>
+                          <a:latin typeface="Times New Roman" panose="02020603050405020304" pitchFamily="18" charset="0"/>
+                          <a:cs typeface="Times New Roman" panose="02020603050405020304" pitchFamily="18" charset="0"/>
+                        </a:rPr>
+                        <a:t>[7]</a:t>
+                      </a:r>
+                    </a:p>
+                  </a:txBody>
+                  <a:tcPr marL="28628" marR="28628" marT="14314" marB="14314" anchor="ctr"/>
+                </a:tc>
+                <a:tc>
+                  <a:txBody>
+                    <a:bodyPr/>
+                    <a:lstStyle/>
+                    <a:p>
+                      <a:pPr fontAlgn="base"/>
+                      <a:r>
+                        <a:rPr lang="en-US" sz="1000">
+                          <a:effectLst/>
+                          <a:latin typeface="Times New Roman" panose="02020603050405020304" pitchFamily="18" charset="0"/>
+                          <a:cs typeface="Times New Roman" panose="02020603050405020304" pitchFamily="18" charset="0"/>
+                        </a:rPr>
+                        <a:t>A Survey on FAScam: FASTag Fraud Detection System</a:t>
+                      </a:r>
+                    </a:p>
+                  </a:txBody>
+                  <a:tcPr marL="28628" marR="28628" marT="14314" marB="14314" anchor="ctr"/>
+                </a:tc>
+                <a:tc>
+                  <a:txBody>
+                    <a:bodyPr/>
+                    <a:lstStyle/>
+                    <a:p>
+                      <a:pPr fontAlgn="base"/>
+                      <a:r>
+                        <a:rPr lang="en-US" sz="1000" dirty="0">
+                          <a:effectLst/>
+                          <a:latin typeface="Times New Roman" panose="02020603050405020304" pitchFamily="18" charset="0"/>
+                          <a:cs typeface="Times New Roman" panose="02020603050405020304" pitchFamily="18" charset="0"/>
+                        </a:rPr>
+                        <a:t>Explored fraudulent activities in </a:t>
+                      </a:r>
+                      <a:r>
+                        <a:rPr lang="en-US" sz="1000" dirty="0" err="1">
+                          <a:effectLst/>
+                          <a:latin typeface="Times New Roman" panose="02020603050405020304" pitchFamily="18" charset="0"/>
+                          <a:cs typeface="Times New Roman" panose="02020603050405020304" pitchFamily="18" charset="0"/>
+                        </a:rPr>
+                        <a:t>FASTag</a:t>
+                      </a:r>
+                      <a:r>
+                        <a:rPr lang="en-US" sz="1000" dirty="0">
+                          <a:effectLst/>
+                          <a:latin typeface="Times New Roman" panose="02020603050405020304" pitchFamily="18" charset="0"/>
+                          <a:cs typeface="Times New Roman" panose="02020603050405020304" pitchFamily="18" charset="0"/>
+                        </a:rPr>
+                        <a:t> usage (e.g., misusing tags for different vehicle categories). Proposed machine learning–based detection (RNN) and image processing.</a:t>
+                      </a:r>
+                    </a:p>
+                  </a:txBody>
+                  <a:tcPr marL="28628" marR="28628" marT="14314" marB="14314" anchor="ctr"/>
+                </a:tc>
+                <a:tc>
+                  <a:txBody>
+                    <a:bodyPr/>
+                    <a:lstStyle/>
+                    <a:p>
+                      <a:pPr fontAlgn="base"/>
+                      <a:r>
+                        <a:rPr lang="en-US" sz="1000" dirty="0">
+                          <a:effectLst/>
+                          <a:latin typeface="Times New Roman" panose="02020603050405020304" pitchFamily="18" charset="0"/>
+                          <a:cs typeface="Times New Roman" panose="02020603050405020304" pitchFamily="18" charset="0"/>
+                        </a:rPr>
+                        <a:t>Highlights real-world vulnerabilities in </a:t>
+                      </a:r>
+                      <a:r>
+                        <a:rPr lang="en-US" sz="1000" dirty="0" err="1">
+                          <a:effectLst/>
+                          <a:latin typeface="Times New Roman" panose="02020603050405020304" pitchFamily="18" charset="0"/>
+                          <a:cs typeface="Times New Roman" panose="02020603050405020304" pitchFamily="18" charset="0"/>
+                        </a:rPr>
+                        <a:t>FASTag</a:t>
+                      </a:r>
+                      <a:r>
+                        <a:rPr lang="en-US" sz="1000" dirty="0">
+                          <a:effectLst/>
+                          <a:latin typeface="Times New Roman" panose="02020603050405020304" pitchFamily="18" charset="0"/>
+                          <a:cs typeface="Times New Roman" panose="02020603050405020304" pitchFamily="18" charset="0"/>
+                        </a:rPr>
+                        <a:t> systems, justifying the need for advanced, on-chain validation and improved authentication (Anon Aadhaar).</a:t>
+                      </a:r>
+                    </a:p>
+                  </a:txBody>
+                  <a:tcPr marL="28628" marR="28628" marT="14314" marB="14314" anchor="ctr"/>
+                </a:tc>
+                <a:extLst>
+                  <a:ext uri="{0D108BD9-81ED-4DB2-BD59-A6C34878D82A}">
+                    <a16:rowId xmlns:a16="http://schemas.microsoft.com/office/drawing/2014/main" val="3077097168"/>
+                  </a:ext>
+                </a:extLst>
+              </a:tr>
+            </a:tbl>
+          </a:graphicData>
+        </a:graphic>
+      </p:graphicFrame>
+    </p:spTree>
+    <p:extLst>
+      <p:ext uri="{BB962C8B-B14F-4D97-AF65-F5344CB8AC3E}">
+        <p14:creationId xmlns:p14="http://schemas.microsoft.com/office/powerpoint/2010/main" val="937826872"/>
+      </p:ext>
+    </p:extLst>
+  </p:cSld>
+  <p:clrMapOvr>
+    <a:masterClrMapping/>
+  </p:clrMapOvr>
+</p:sld>
+</file>
+
+<file path=ppt/slides/slide7.xml><?xml version="1.0" encoding="utf-8"?>
+<p:sld xmlns:a="http://schemas.openxmlformats.org/drawingml/2006/main" xmlns:r="http://schemas.openxmlformats.org/officeDocument/2006/relationships" xmlns:p="http://schemas.openxmlformats.org/presentationml/2006/main">
+  <p:cSld>
+    <p:spTree>
+      <p:nvGrpSpPr>
+        <p:cNvPr id="1" name="Shape 68"/>
+        <p:cNvGrpSpPr/>
+        <p:nvPr/>
+      </p:nvGrpSpPr>
+      <p:grpSpPr>
+        <a:xfrm>
+          <a:off x="0" y="0"/>
+          <a:ext cx="0" cy="0"/>
+          <a:chOff x="0" y="0"/>
+          <a:chExt cx="0" cy="0"/>
+        </a:xfrm>
+      </p:grpSpPr>
+      <p:pic>
+        <p:nvPicPr>
+          <p:cNvPr id="69" name="Google Shape;69;p15"/>
+          <p:cNvPicPr preferRelativeResize="0"/>
+          <p:nvPr/>
+        </p:nvPicPr>
+        <p:blipFill rotWithShape="1">
+          <a:blip r:embed="rId3"/>
+          <a:srcRect/>
+          <a:stretch>
+            <a:fillRect/>
+          </a:stretch>
+        </p:blipFill>
+        <p:spPr>
+          <a:xfrm>
+            <a:off x="170327" y="218750"/>
+            <a:ext cx="1968300" cy="666875"/>
+          </a:xfrm>
+          <a:prstGeom prst="rect">
+            <a:avLst/>
+          </a:prstGeom>
+          <a:noFill/>
+          <a:ln>
+            <a:noFill/>
+          </a:ln>
+        </p:spPr>
+      </p:pic>
+      <p:sp>
+        <p:nvSpPr>
+          <p:cNvPr id="71" name="Google Shape;71;p15"/>
+          <p:cNvSpPr txBox="1">
+            <a:spLocks noGrp="1"/>
+          </p:cNvSpPr>
+          <p:nvPr>
+            <p:ph type="title" idx="4294967295"/>
+          </p:nvPr>
+        </p:nvSpPr>
+        <p:spPr>
+          <a:xfrm>
+            <a:off x="2537100" y="188723"/>
+            <a:ext cx="4069800" cy="514500"/>
+          </a:xfrm>
+          <a:prstGeom prst="rect">
+            <a:avLst/>
+          </a:prstGeom>
+          <a:noFill/>
+          <a:ln>
+            <a:noFill/>
+          </a:ln>
+        </p:spPr>
+        <p:txBody>
+          <a:bodyPr spcFirstLastPara="1" wrap="square" lIns="0" tIns="6350" rIns="0" bIns="0" anchor="t" anchorCtr="0">
+            <a:spAutoFit/>
+          </a:bodyPr>
+          <a:lstStyle/>
+          <a:p>
+            <a:pPr marL="12700" lvl="0" indent="0" algn="ctr" rtl="0">
+              <a:lnSpc>
+                <a:spcPct val="100000"/>
+              </a:lnSpc>
+              <a:spcBef>
+                <a:spcPts val="0"/>
+              </a:spcBef>
+              <a:spcAft>
+                <a:spcPts val="0"/>
+              </a:spcAft>
+              <a:buSzPts val="2800"/>
+              <a:buNone/>
+            </a:pPr>
+            <a:r>
+              <a:rPr lang="en-GB" sz="3200" dirty="0">
+                <a:latin typeface="Times New Roman" panose="02020603050405020304" pitchFamily="18" charset="0"/>
+                <a:ea typeface="Lucida Sans" panose="020B0602030504020204"/>
+                <a:cs typeface="Times New Roman" panose="02020603050405020304" pitchFamily="18" charset="0"/>
+                <a:sym typeface="Lucida Sans" panose="020B0602030504020204"/>
+              </a:rPr>
+              <a:t>Literature Survey</a:t>
+            </a:r>
+            <a:endParaRPr sz="3200" dirty="0">
+              <a:latin typeface="Times New Roman" panose="02020603050405020304" pitchFamily="18" charset="0"/>
+              <a:ea typeface="Lucida Sans" panose="020B0602030504020204"/>
+              <a:cs typeface="Times New Roman" panose="02020603050405020304" pitchFamily="18" charset="0"/>
+              <a:sym typeface="Lucida Sans" panose="020B0602030504020204"/>
+            </a:endParaRPr>
+          </a:p>
+        </p:txBody>
+      </p:sp>
+      <p:graphicFrame>
+        <p:nvGraphicFramePr>
+          <p:cNvPr id="3" name="Table 2">
+            <a:extLst>
+              <a:ext uri="{FF2B5EF4-FFF2-40B4-BE49-F238E27FC236}">
+                <a16:creationId xmlns:a16="http://schemas.microsoft.com/office/drawing/2014/main" id="{EA954DF5-769A-2F32-DF7F-7E5EBDF9F1AC}"/>
+              </a:ext>
+            </a:extLst>
+          </p:cNvPr>
+          <p:cNvGraphicFramePr>
+            <a:graphicFrameLocks noGrp="1"/>
+          </p:cNvGraphicFramePr>
+          <p:nvPr>
+            <p:extLst>
+              <p:ext uri="{D42A27DB-BD31-4B8C-83A1-F6EECF244321}">
+                <p14:modId xmlns:p14="http://schemas.microsoft.com/office/powerpoint/2010/main" val="1881758454"/>
+              </p:ext>
+            </p:extLst>
+          </p:nvPr>
+        </p:nvGraphicFramePr>
+        <p:xfrm>
+          <a:off x="170327" y="965217"/>
+          <a:ext cx="8752172" cy="3959533"/>
+        </p:xfrm>
+        <a:graphic>
+          <a:graphicData uri="http://schemas.openxmlformats.org/drawingml/2006/table">
+            <a:tbl>
+              <a:tblPr>
+                <a:tableStyleId>{DF880E66-F3ED-471F-8734-495FB9488FD3}</a:tableStyleId>
+              </a:tblPr>
+              <a:tblGrid>
+                <a:gridCol w="346508">
+                  <a:extLst>
+                    <a:ext uri="{9D8B030D-6E8A-4147-A177-3AD203B41FA5}">
+                      <a16:colId xmlns:a16="http://schemas.microsoft.com/office/drawing/2014/main" val="1125239191"/>
+                    </a:ext>
+                  </a:extLst>
+                </a:gridCol>
+                <a:gridCol w="2215006">
+                  <a:extLst>
+                    <a:ext uri="{9D8B030D-6E8A-4147-A177-3AD203B41FA5}">
+                      <a16:colId xmlns:a16="http://schemas.microsoft.com/office/drawing/2014/main" val="989323397"/>
+                    </a:ext>
+                  </a:extLst>
+                </a:gridCol>
+                <a:gridCol w="3623523">
+                  <a:extLst>
+                    <a:ext uri="{9D8B030D-6E8A-4147-A177-3AD203B41FA5}">
+                      <a16:colId xmlns:a16="http://schemas.microsoft.com/office/drawing/2014/main" val="3752244520"/>
+                    </a:ext>
+                  </a:extLst>
+                </a:gridCol>
+                <a:gridCol w="2567135">
+                  <a:extLst>
+                    <a:ext uri="{9D8B030D-6E8A-4147-A177-3AD203B41FA5}">
+                      <a16:colId xmlns:a16="http://schemas.microsoft.com/office/drawing/2014/main" val="680032487"/>
+                    </a:ext>
+                  </a:extLst>
+                </a:gridCol>
+              </a:tblGrid>
+              <a:tr h="162227">
+                <a:tc>
+                  <a:txBody>
+                    <a:bodyPr/>
+                    <a:lstStyle/>
+                    <a:p>
+                      <a:pPr fontAlgn="base"/>
+                      <a:r>
+                        <a:rPr lang="en-US" sz="1000">
+                          <a:effectLst/>
+                          <a:latin typeface="Times New Roman" panose="02020603050405020304" pitchFamily="18" charset="0"/>
+                          <a:cs typeface="Times New Roman" panose="02020603050405020304" pitchFamily="18" charset="0"/>
+                        </a:rPr>
+                        <a:t>[8]</a:t>
+                      </a:r>
+                    </a:p>
+                  </a:txBody>
+                  <a:tcPr anchor="ctr"/>
+                </a:tc>
+                <a:tc>
+                  <a:txBody>
+                    <a:bodyPr/>
+                    <a:lstStyle/>
+                    <a:p>
+                      <a:pPr fontAlgn="base"/>
+                      <a:r>
+                        <a:rPr lang="en-US" sz="1000">
+                          <a:effectLst/>
+                          <a:latin typeface="Times New Roman" panose="02020603050405020304" pitchFamily="18" charset="0"/>
+                          <a:cs typeface="Times New Roman" panose="02020603050405020304" pitchFamily="18" charset="0"/>
+                        </a:rPr>
+                        <a:t>Computer Vision-Based Toll Collection Using OCR &amp; Image Processing</a:t>
+                      </a:r>
+                    </a:p>
+                  </a:txBody>
+                  <a:tcPr anchor="ctr"/>
+                </a:tc>
+                <a:tc>
+                  <a:txBody>
+                    <a:bodyPr/>
+                    <a:lstStyle/>
+                    <a:p>
+                      <a:pPr fontAlgn="base"/>
+                      <a:r>
+                        <a:rPr lang="en-US" sz="1000" dirty="0">
+                          <a:effectLst/>
+                          <a:latin typeface="Times New Roman" panose="02020603050405020304" pitchFamily="18" charset="0"/>
+                          <a:cs typeface="Times New Roman" panose="02020603050405020304" pitchFamily="18" charset="0"/>
+                        </a:rPr>
+                        <a:t>Demonstrated how vehicle number plates can be identified via edge detection (Canny), Hough transforms, and OCR. Achieved high accuracy in controlled setups, but faced issues with lighting and motion blur in real deployments.</a:t>
+                      </a:r>
+                    </a:p>
+                  </a:txBody>
+                  <a:tcPr anchor="ctr"/>
+                </a:tc>
+                <a:tc>
+                  <a:txBody>
+                    <a:bodyPr/>
+                    <a:lstStyle/>
+                    <a:p>
+                      <a:pPr fontAlgn="base"/>
+                      <a:r>
+                        <a:rPr lang="en-US" sz="1000">
+                          <a:effectLst/>
+                          <a:latin typeface="Times New Roman" panose="02020603050405020304" pitchFamily="18" charset="0"/>
+                          <a:cs typeface="Times New Roman" panose="02020603050405020304" pitchFamily="18" charset="0"/>
+                        </a:rPr>
+                        <a:t>Validates the potential of computer vision as a secondary verification mechanism, although it may require significant computational overhead and environment control.</a:t>
+                      </a:r>
+                    </a:p>
+                  </a:txBody>
+                  <a:tcPr anchor="ctr"/>
+                </a:tc>
+                <a:extLst>
+                  <a:ext uri="{0D108BD9-81ED-4DB2-BD59-A6C34878D82A}">
+                    <a16:rowId xmlns:a16="http://schemas.microsoft.com/office/drawing/2014/main" val="158636603"/>
+                  </a:ext>
+                </a:extLst>
+              </a:tr>
+              <a:tr h="696620">
+                <a:tc>
+                  <a:txBody>
+                    <a:bodyPr/>
+                    <a:lstStyle/>
+                    <a:p>
+                      <a:pPr fontAlgn="base"/>
+                      <a:r>
+                        <a:rPr lang="en-US" sz="1000">
+                          <a:effectLst/>
+                          <a:latin typeface="Times New Roman" panose="02020603050405020304" pitchFamily="18" charset="0"/>
+                          <a:cs typeface="Times New Roman" panose="02020603050405020304" pitchFamily="18" charset="0"/>
+                        </a:rPr>
+                        <a:t>[9]</a:t>
+                      </a:r>
+                    </a:p>
+                  </a:txBody>
+                  <a:tcPr anchor="ctr"/>
+                </a:tc>
+                <a:tc>
+                  <a:txBody>
+                    <a:bodyPr/>
+                    <a:lstStyle/>
+                    <a:p>
+                      <a:pPr fontAlgn="base"/>
+                      <a:r>
+                        <a:rPr lang="en-US" sz="1000">
+                          <a:effectLst/>
+                          <a:latin typeface="Times New Roman" panose="02020603050405020304" pitchFamily="18" charset="0"/>
+                          <a:cs typeface="Times New Roman" panose="02020603050405020304" pitchFamily="18" charset="0"/>
+                        </a:rPr>
+                        <a:t>Blockchain-Based Booth-less Tolling System (GPS &amp; Image Processing)</a:t>
+                      </a:r>
+                    </a:p>
+                  </a:txBody>
+                  <a:tcPr anchor="ctr"/>
+                </a:tc>
+                <a:tc>
+                  <a:txBody>
+                    <a:bodyPr/>
+                    <a:lstStyle/>
+                    <a:p>
+                      <a:pPr fontAlgn="base"/>
+                      <a:r>
+                        <a:rPr lang="en-US" sz="1000" dirty="0">
+                          <a:effectLst/>
+                          <a:latin typeface="Times New Roman" panose="02020603050405020304" pitchFamily="18" charset="0"/>
+                          <a:cs typeface="Times New Roman" panose="02020603050405020304" pitchFamily="18" charset="0"/>
+                        </a:rPr>
+                        <a:t>Proposed a decentralized approach combining GPS location checks with license plate recognition. Showed a reduction in service time by up to 60%. Emphasized booth-less design and the importance of secure data management.</a:t>
+                      </a:r>
+                    </a:p>
+                  </a:txBody>
+                  <a:tcPr anchor="ctr"/>
+                </a:tc>
+                <a:tc>
+                  <a:txBody>
+                    <a:bodyPr/>
+                    <a:lstStyle/>
+                    <a:p>
+                      <a:pPr fontAlgn="base"/>
+                      <a:r>
+                        <a:rPr lang="en-US" sz="1000">
+                          <a:effectLst/>
+                          <a:latin typeface="Times New Roman" panose="02020603050405020304" pitchFamily="18" charset="0"/>
+                          <a:cs typeface="Times New Roman" panose="02020603050405020304" pitchFamily="18" charset="0"/>
+                        </a:rPr>
+                        <a:t>Underscores how blockchain can reduce processing delays and automate toll verification, aligning with the proposed system’s decentralized approach.</a:t>
+                      </a:r>
+                    </a:p>
+                  </a:txBody>
+                  <a:tcPr anchor="ctr"/>
+                </a:tc>
+                <a:extLst>
+                  <a:ext uri="{0D108BD9-81ED-4DB2-BD59-A6C34878D82A}">
+                    <a16:rowId xmlns:a16="http://schemas.microsoft.com/office/drawing/2014/main" val="1838510943"/>
+                  </a:ext>
+                </a:extLst>
+              </a:tr>
+              <a:tr h="830218">
+                <a:tc>
+                  <a:txBody>
+                    <a:bodyPr/>
+                    <a:lstStyle/>
+                    <a:p>
+                      <a:pPr fontAlgn="base"/>
+                      <a:r>
+                        <a:rPr lang="en-US" sz="1000">
+                          <a:effectLst/>
+                          <a:latin typeface="Times New Roman" panose="02020603050405020304" pitchFamily="18" charset="0"/>
+                          <a:cs typeface="Times New Roman" panose="02020603050405020304" pitchFamily="18" charset="0"/>
+                        </a:rPr>
+                        <a:t>[10]</a:t>
+                      </a:r>
+                    </a:p>
+                  </a:txBody>
+                  <a:tcPr anchor="ctr"/>
+                </a:tc>
+                <a:tc>
+                  <a:txBody>
+                    <a:bodyPr/>
+                    <a:lstStyle/>
+                    <a:p>
+                      <a:pPr fontAlgn="base"/>
+                      <a:r>
+                        <a:rPr lang="en-US" sz="1000">
+                          <a:effectLst/>
+                          <a:latin typeface="Times New Roman" panose="02020603050405020304" pitchFamily="18" charset="0"/>
+                          <a:cs typeface="Times New Roman" panose="02020603050405020304" pitchFamily="18" charset="0"/>
+                        </a:rPr>
+                        <a:t>Scaffold-ETH 2: A Modern Toolkit for Building Decentralized Applications on Ethereum</a:t>
+                      </a:r>
+                    </a:p>
+                  </a:txBody>
+                  <a:tcPr anchor="ctr"/>
+                </a:tc>
+                <a:tc>
+                  <a:txBody>
+                    <a:bodyPr/>
+                    <a:lstStyle/>
+                    <a:p>
+                      <a:pPr fontAlgn="base"/>
+                      <a:r>
+                        <a:rPr lang="en-US" sz="1000">
+                          <a:effectLst/>
+                          <a:latin typeface="Times New Roman" panose="02020603050405020304" pitchFamily="18" charset="0"/>
+                          <a:cs typeface="Times New Roman" panose="02020603050405020304" pitchFamily="18" charset="0"/>
+                        </a:rPr>
+                        <a:t>Offers a full-stack environment (Hardhat/Foundry, RainbowKit, Wagmi, Next.js) for rapid dApp development. Includes contract hot reload, local faucet, and integrated wallet support.</a:t>
+                      </a:r>
+                    </a:p>
+                  </a:txBody>
+                  <a:tcPr anchor="ctr"/>
+                </a:tc>
+                <a:tc>
+                  <a:txBody>
+                    <a:bodyPr/>
+                    <a:lstStyle/>
+                    <a:p>
+                      <a:pPr fontAlgn="base"/>
+                      <a:r>
+                        <a:rPr lang="en-US" sz="1000">
+                          <a:effectLst/>
+                          <a:latin typeface="Times New Roman" panose="02020603050405020304" pitchFamily="18" charset="0"/>
+                          <a:cs typeface="Times New Roman" panose="02020603050405020304" pitchFamily="18" charset="0"/>
+                        </a:rPr>
+                        <a:t>Provides a streamlined development workflow, facilitating quick iterations of smart contracts, user interfaces, and testing in the proposed toll solution.</a:t>
+                      </a:r>
+                    </a:p>
+                  </a:txBody>
+                  <a:tcPr anchor="ctr"/>
+                </a:tc>
+                <a:extLst>
+                  <a:ext uri="{0D108BD9-81ED-4DB2-BD59-A6C34878D82A}">
+                    <a16:rowId xmlns:a16="http://schemas.microsoft.com/office/drawing/2014/main" val="3578710399"/>
+                  </a:ext>
+                </a:extLst>
+              </a:tr>
+              <a:tr h="963816">
+                <a:tc>
+                  <a:txBody>
+                    <a:bodyPr/>
+                    <a:lstStyle/>
+                    <a:p>
+                      <a:pPr fontAlgn="base"/>
+                      <a:r>
+                        <a:rPr lang="en-US" sz="1000">
+                          <a:effectLst/>
+                          <a:latin typeface="Times New Roman" panose="02020603050405020304" pitchFamily="18" charset="0"/>
+                          <a:cs typeface="Times New Roman" panose="02020603050405020304" pitchFamily="18" charset="0"/>
+                        </a:rPr>
+                        <a:t>[11]</a:t>
+                      </a:r>
+                    </a:p>
+                  </a:txBody>
+                  <a:tcPr anchor="ctr"/>
+                </a:tc>
+                <a:tc>
+                  <a:txBody>
+                    <a:bodyPr/>
+                    <a:lstStyle/>
+                    <a:p>
+                      <a:pPr fontAlgn="base"/>
+                      <a:r>
+                        <a:rPr lang="en-US" sz="1000">
+                          <a:effectLst/>
+                          <a:latin typeface="Times New Roman" panose="02020603050405020304" pitchFamily="18" charset="0"/>
+                          <a:cs typeface="Times New Roman" panose="02020603050405020304" pitchFamily="18" charset="0"/>
+                        </a:rPr>
+                        <a:t>Anon Aadhaar Documentation: Privacy-Preserving Identity Verification via ZK Proofs</a:t>
+                      </a:r>
+                    </a:p>
+                  </a:txBody>
+                  <a:tcPr anchor="ctr"/>
+                </a:tc>
+                <a:tc>
+                  <a:txBody>
+                    <a:bodyPr/>
+                    <a:lstStyle/>
+                    <a:p>
+                      <a:pPr fontAlgn="base"/>
+                      <a:r>
+                        <a:rPr lang="en-US" sz="1000">
+                          <a:effectLst/>
+                          <a:latin typeface="Times New Roman" panose="02020603050405020304" pitchFamily="18" charset="0"/>
+                          <a:cs typeface="Times New Roman" panose="02020603050405020304" pitchFamily="18" charset="0"/>
+                        </a:rPr>
+                        <a:t>Introduces a method to prove Aadhaar-based identity with minimal data exposure using zero-knowledge circuits. Enables on-chain verification while preserving privacy.</a:t>
+                      </a:r>
+                    </a:p>
+                  </a:txBody>
+                  <a:tcPr anchor="ctr"/>
+                </a:tc>
+                <a:tc>
+                  <a:txBody>
+                    <a:bodyPr/>
+                    <a:lstStyle/>
+                    <a:p>
+                      <a:pPr fontAlgn="base"/>
+                      <a:r>
+                        <a:rPr lang="en-US" sz="1000">
+                          <a:effectLst/>
+                          <a:latin typeface="Times New Roman" panose="02020603050405020304" pitchFamily="18" charset="0"/>
+                          <a:cs typeface="Times New Roman" panose="02020603050405020304" pitchFamily="18" charset="0"/>
+                        </a:rPr>
+                        <a:t>Directly applicable to user authentication in the proposed system, reducing personal data exposure and enhancing trust in toll transactions.</a:t>
+                      </a:r>
+                    </a:p>
+                  </a:txBody>
+                  <a:tcPr anchor="ctr"/>
+                </a:tc>
+                <a:extLst>
+                  <a:ext uri="{0D108BD9-81ED-4DB2-BD59-A6C34878D82A}">
+                    <a16:rowId xmlns:a16="http://schemas.microsoft.com/office/drawing/2014/main" val="2709445069"/>
+                  </a:ext>
+                </a:extLst>
+              </a:tr>
+              <a:tr h="763419">
+                <a:tc>
+                  <a:txBody>
+                    <a:bodyPr/>
+                    <a:lstStyle/>
+                    <a:p>
+                      <a:pPr fontAlgn="base"/>
+                      <a:r>
+                        <a:rPr lang="en-US" sz="1000">
+                          <a:effectLst/>
+                          <a:latin typeface="Times New Roman" panose="02020603050405020304" pitchFamily="18" charset="0"/>
+                          <a:cs typeface="Times New Roman" panose="02020603050405020304" pitchFamily="18" charset="0"/>
+                        </a:rPr>
+                        <a:t>[8]</a:t>
+                      </a:r>
+                    </a:p>
+                  </a:txBody>
+                  <a:tcPr anchor="ctr"/>
+                </a:tc>
+                <a:tc>
+                  <a:txBody>
+                    <a:bodyPr/>
+                    <a:lstStyle/>
+                    <a:p>
+                      <a:pPr fontAlgn="base"/>
+                      <a:r>
+                        <a:rPr lang="en-US" sz="1000">
+                          <a:effectLst/>
+                          <a:latin typeface="Times New Roman" panose="02020603050405020304" pitchFamily="18" charset="0"/>
+                          <a:cs typeface="Times New Roman" panose="02020603050405020304" pitchFamily="18" charset="0"/>
+                        </a:rPr>
+                        <a:t>Computer Vision-Based Toll Collection Using OCR &amp; Image Processing</a:t>
+                      </a:r>
+                    </a:p>
+                  </a:txBody>
+                  <a:tcPr anchor="ctr"/>
+                </a:tc>
+                <a:tc>
+                  <a:txBody>
+                    <a:bodyPr/>
+                    <a:lstStyle/>
+                    <a:p>
+                      <a:pPr fontAlgn="base"/>
+                      <a:r>
+                        <a:rPr lang="en-US" sz="1000">
+                          <a:effectLst/>
+                          <a:latin typeface="Times New Roman" panose="02020603050405020304" pitchFamily="18" charset="0"/>
+                          <a:cs typeface="Times New Roman" panose="02020603050405020304" pitchFamily="18" charset="0"/>
+                        </a:rPr>
+                        <a:t>Demonstrated how vehicle number plates can be identified via edge detection (Canny), Hough transforms, and OCR. Achieved high accuracy in controlled setups, but faced issues with lighting and motion blur in real deployments.</a:t>
+                      </a:r>
+                    </a:p>
+                  </a:txBody>
+                  <a:tcPr anchor="ctr"/>
+                </a:tc>
+                <a:tc>
+                  <a:txBody>
+                    <a:bodyPr/>
+                    <a:lstStyle/>
+                    <a:p>
+                      <a:pPr fontAlgn="base"/>
+                      <a:r>
+                        <a:rPr lang="en-US" sz="1000" dirty="0">
+                          <a:effectLst/>
+                          <a:latin typeface="Times New Roman" panose="02020603050405020304" pitchFamily="18" charset="0"/>
+                          <a:cs typeface="Times New Roman" panose="02020603050405020304" pitchFamily="18" charset="0"/>
+                        </a:rPr>
+                        <a:t>Validates the potential of computer vision as a secondary verification mechanism, although it may require significant computational overhead and environment control.</a:t>
+                      </a:r>
+                    </a:p>
+                  </a:txBody>
+                  <a:tcPr anchor="ctr"/>
+                </a:tc>
+                <a:extLst>
+                  <a:ext uri="{0D108BD9-81ED-4DB2-BD59-A6C34878D82A}">
+                    <a16:rowId xmlns:a16="http://schemas.microsoft.com/office/drawing/2014/main" val="3077097168"/>
+                  </a:ext>
+                </a:extLst>
+              </a:tr>
+            </a:tbl>
+          </a:graphicData>
+        </a:graphic>
+      </p:graphicFrame>
+    </p:spTree>
+    <p:extLst>
+      <p:ext uri="{BB962C8B-B14F-4D97-AF65-F5344CB8AC3E}">
+        <p14:creationId xmlns:p14="http://schemas.microsoft.com/office/powerpoint/2010/main" val="2657192089"/>
+      </p:ext>
+    </p:extLst>
+  </p:cSld>
+  <p:clrMapOvr>
+    <a:masterClrMapping/>
+  </p:clrMapOvr>
+</p:sld>
+</file>
+
+<file path=ppt/slides/slide8.xml><?xml version="1.0" encoding="utf-8"?>
+<p:sld xmlns:a="http://schemas.openxmlformats.org/drawingml/2006/main" xmlns:r="http://schemas.openxmlformats.org/officeDocument/2006/relationships" xmlns:p="http://schemas.openxmlformats.org/presentationml/2006/main">
+  <p:cSld>
+    <p:spTree>
+      <p:nvGrpSpPr>
+        <p:cNvPr id="1" name="Shape 68"/>
+        <p:cNvGrpSpPr/>
+        <p:nvPr/>
+      </p:nvGrpSpPr>
+      <p:grpSpPr>
+        <a:xfrm>
+          <a:off x="0" y="0"/>
+          <a:ext cx="0" cy="0"/>
+          <a:chOff x="0" y="0"/>
+          <a:chExt cx="0" cy="0"/>
+        </a:xfrm>
+      </p:grpSpPr>
+      <p:pic>
+        <p:nvPicPr>
+          <p:cNvPr id="69" name="Google Shape;69;p15"/>
+          <p:cNvPicPr preferRelativeResize="0"/>
+          <p:nvPr/>
+        </p:nvPicPr>
+        <p:blipFill rotWithShape="1">
+          <a:blip r:embed="rId3"/>
+          <a:srcRect/>
+          <a:stretch>
+            <a:fillRect/>
+          </a:stretch>
+        </p:blipFill>
+        <p:spPr>
+          <a:xfrm>
+            <a:off x="170327" y="218750"/>
+            <a:ext cx="1968300" cy="666875"/>
+          </a:xfrm>
+          <a:prstGeom prst="rect">
+            <a:avLst/>
+          </a:prstGeom>
+          <a:noFill/>
+          <a:ln>
+            <a:noFill/>
+          </a:ln>
+        </p:spPr>
+      </p:pic>
+      <p:sp>
+        <p:nvSpPr>
           <p:cNvPr id="70" name="Google Shape;70;p15"/>
           <p:cNvSpPr txBox="1"/>
           <p:nvPr/>
@@ -11652,7 +17163,7 @@
 </p:sld>
 </file>
 
-<file path=ppt/slides/slide7.xml><?xml version="1.0" encoding="utf-8"?>
+<file path=ppt/slides/slide9.xml><?xml version="1.0" encoding="utf-8"?>
 <p:sld xmlns:a="http://schemas.openxmlformats.org/drawingml/2006/main" xmlns:r="http://schemas.openxmlformats.org/officeDocument/2006/relationships" xmlns:p="http://schemas.openxmlformats.org/presentationml/2006/main">
   <p:cSld>
     <p:spTree>
@@ -11950,515 +17461,6 @@
     <p:extLst>
       <p:ext uri="{BB962C8B-B14F-4D97-AF65-F5344CB8AC3E}">
         <p14:creationId xmlns:p14="http://schemas.microsoft.com/office/powerpoint/2010/main" val="3558840905"/>
-      </p:ext>
-    </p:extLst>
-  </p:cSld>
-  <p:clrMapOvr>
-    <a:masterClrMapping/>
-  </p:clrMapOvr>
-</p:sld>
-</file>
-
-<file path=ppt/slides/slide8.xml><?xml version="1.0" encoding="utf-8"?>
-<p:sld xmlns:a="http://schemas.openxmlformats.org/drawingml/2006/main" xmlns:r="http://schemas.openxmlformats.org/officeDocument/2006/relationships" xmlns:p="http://schemas.openxmlformats.org/presentationml/2006/main">
-  <p:cSld>
-    <p:spTree>
-      <p:nvGrpSpPr>
-        <p:cNvPr id="1" name="Shape 68"/>
-        <p:cNvGrpSpPr/>
-        <p:nvPr/>
-      </p:nvGrpSpPr>
-      <p:grpSpPr>
-        <a:xfrm>
-          <a:off x="0" y="0"/>
-          <a:ext cx="0" cy="0"/>
-          <a:chOff x="0" y="0"/>
-          <a:chExt cx="0" cy="0"/>
-        </a:xfrm>
-      </p:grpSpPr>
-      <p:pic>
-        <p:nvPicPr>
-          <p:cNvPr id="69" name="Google Shape;69;p15"/>
-          <p:cNvPicPr preferRelativeResize="0"/>
-          <p:nvPr/>
-        </p:nvPicPr>
-        <p:blipFill rotWithShape="1">
-          <a:blip r:embed="rId3"/>
-          <a:srcRect/>
-          <a:stretch>
-            <a:fillRect/>
-          </a:stretch>
-        </p:blipFill>
-        <p:spPr>
-          <a:xfrm>
-            <a:off x="170327" y="218750"/>
-            <a:ext cx="1968300" cy="666875"/>
-          </a:xfrm>
-          <a:prstGeom prst="rect">
-            <a:avLst/>
-          </a:prstGeom>
-          <a:noFill/>
-          <a:ln>
-            <a:noFill/>
-          </a:ln>
-        </p:spPr>
-      </p:pic>
-      <p:sp>
-        <p:nvSpPr>
-          <p:cNvPr id="70" name="Google Shape;70;p15"/>
-          <p:cNvSpPr txBox="1"/>
-          <p:nvPr/>
-        </p:nvSpPr>
-        <p:spPr>
-          <a:xfrm>
-            <a:off x="243293" y="1071049"/>
-            <a:ext cx="8657414" cy="923299"/>
-          </a:xfrm>
-          <a:prstGeom prst="rect">
-            <a:avLst/>
-          </a:prstGeom>
-          <a:noFill/>
-          <a:ln>
-            <a:noFill/>
-          </a:ln>
-        </p:spPr>
-        <p:txBody>
-          <a:bodyPr spcFirstLastPara="1" wrap="square" lIns="91425" tIns="91425" rIns="91425" bIns="91425" anchor="t" anchorCtr="0">
-            <a:spAutoFit/>
-          </a:bodyPr>
-          <a:lstStyle/>
-          <a:p>
-            <a:r>
-              <a:rPr lang="en-US" sz="2400" b="1" dirty="0">
-                <a:latin typeface="Times New Roman" panose="02020603050405020304" pitchFamily="18" charset="0"/>
-                <a:cs typeface="Times New Roman" panose="02020603050405020304" pitchFamily="18" charset="0"/>
-              </a:rPr>
-              <a:t>System Design Diagram:</a:t>
-            </a:r>
-          </a:p>
-          <a:p>
-            <a:endParaRPr lang="en-US" sz="2400" b="1" dirty="0">
-              <a:latin typeface="Times New Roman" panose="02020603050405020304" pitchFamily="18" charset="0"/>
-              <a:cs typeface="Times New Roman" panose="02020603050405020304" pitchFamily="18" charset="0"/>
-            </a:endParaRPr>
-          </a:p>
-        </p:txBody>
-      </p:sp>
-      <p:sp>
-        <p:nvSpPr>
-          <p:cNvPr id="71" name="Google Shape;71;p15"/>
-          <p:cNvSpPr txBox="1">
-            <a:spLocks noGrp="1"/>
-          </p:cNvSpPr>
-          <p:nvPr>
-            <p:ph type="title" idx="4294967295"/>
-          </p:nvPr>
-        </p:nvSpPr>
-        <p:spPr>
-          <a:xfrm>
-            <a:off x="2537100" y="188723"/>
-            <a:ext cx="4069800" cy="514500"/>
-          </a:xfrm>
-          <a:prstGeom prst="rect">
-            <a:avLst/>
-          </a:prstGeom>
-          <a:noFill/>
-          <a:ln>
-            <a:noFill/>
-          </a:ln>
-        </p:spPr>
-        <p:txBody>
-          <a:bodyPr spcFirstLastPara="1" wrap="square" lIns="0" tIns="6350" rIns="0" bIns="0" anchor="t" anchorCtr="0">
-            <a:spAutoFit/>
-          </a:bodyPr>
-          <a:lstStyle/>
-          <a:p>
-            <a:pPr marL="12700" lvl="0" indent="0" algn="ctr" rtl="0">
-              <a:lnSpc>
-                <a:spcPct val="100000"/>
-              </a:lnSpc>
-              <a:spcBef>
-                <a:spcPts val="0"/>
-              </a:spcBef>
-              <a:spcAft>
-                <a:spcPts val="0"/>
-              </a:spcAft>
-              <a:buSzPts val="2800"/>
-              <a:buNone/>
-            </a:pPr>
-            <a:r>
-              <a:rPr lang="en-GB" sz="3200" dirty="0">
-                <a:latin typeface="Times New Roman" panose="02020603050405020304" pitchFamily="18" charset="0"/>
-                <a:ea typeface="Lucida Sans" panose="020B0602030504020204"/>
-                <a:cs typeface="Times New Roman" panose="02020603050405020304" pitchFamily="18" charset="0"/>
-                <a:sym typeface="Lucida Sans" panose="020B0602030504020204"/>
-              </a:rPr>
-              <a:t>Proposed System</a:t>
-            </a:r>
-            <a:endParaRPr sz="3200" dirty="0">
-              <a:latin typeface="Times New Roman" panose="02020603050405020304" pitchFamily="18" charset="0"/>
-              <a:ea typeface="Lucida Sans" panose="020B0602030504020204"/>
-              <a:cs typeface="Times New Roman" panose="02020603050405020304" pitchFamily="18" charset="0"/>
-              <a:sym typeface="Lucida Sans" panose="020B0602030504020204"/>
-            </a:endParaRPr>
-          </a:p>
-        </p:txBody>
-      </p:sp>
-      <p:pic>
-        <p:nvPicPr>
-          <p:cNvPr id="3" name="Picture 2">
-            <a:extLst>
-              <a:ext uri="{FF2B5EF4-FFF2-40B4-BE49-F238E27FC236}">
-                <a16:creationId xmlns:a16="http://schemas.microsoft.com/office/drawing/2014/main" id="{A52A713B-A6CD-5092-B942-D67A3EBA5186}"/>
-              </a:ext>
-            </a:extLst>
-          </p:cNvPr>
-          <p:cNvPicPr>
-            <a:picLocks noChangeAspect="1"/>
-          </p:cNvPicPr>
-          <p:nvPr/>
-        </p:nvPicPr>
-        <p:blipFill>
-          <a:blip r:embed="rId4"/>
-          <a:stretch>
-            <a:fillRect/>
-          </a:stretch>
-        </p:blipFill>
-        <p:spPr>
-          <a:xfrm>
-            <a:off x="170327" y="1769791"/>
-            <a:ext cx="8820001" cy="2758723"/>
-          </a:xfrm>
-          <a:prstGeom prst="rect">
-            <a:avLst/>
-          </a:prstGeom>
-        </p:spPr>
-      </p:pic>
-    </p:spTree>
-    <p:extLst>
-      <p:ext uri="{BB962C8B-B14F-4D97-AF65-F5344CB8AC3E}">
-        <p14:creationId xmlns:p14="http://schemas.microsoft.com/office/powerpoint/2010/main" val="4207119221"/>
-      </p:ext>
-    </p:extLst>
-  </p:cSld>
-  <p:clrMapOvr>
-    <a:masterClrMapping/>
-  </p:clrMapOvr>
-</p:sld>
-</file>
-
-<file path=ppt/slides/slide9.xml><?xml version="1.0" encoding="utf-8"?>
-<p:sld xmlns:a="http://schemas.openxmlformats.org/drawingml/2006/main" xmlns:r="http://schemas.openxmlformats.org/officeDocument/2006/relationships" xmlns:p="http://schemas.openxmlformats.org/presentationml/2006/main">
-  <p:cSld>
-    <p:spTree>
-      <p:nvGrpSpPr>
-        <p:cNvPr id="1" name="Shape 68"/>
-        <p:cNvGrpSpPr/>
-        <p:nvPr/>
-      </p:nvGrpSpPr>
-      <p:grpSpPr>
-        <a:xfrm>
-          <a:off x="0" y="0"/>
-          <a:ext cx="0" cy="0"/>
-          <a:chOff x="0" y="0"/>
-          <a:chExt cx="0" cy="0"/>
-        </a:xfrm>
-      </p:grpSpPr>
-      <p:pic>
-        <p:nvPicPr>
-          <p:cNvPr id="69" name="Google Shape;69;p15"/>
-          <p:cNvPicPr preferRelativeResize="0"/>
-          <p:nvPr/>
-        </p:nvPicPr>
-        <p:blipFill rotWithShape="1">
-          <a:blip r:embed="rId3"/>
-          <a:srcRect/>
-          <a:stretch>
-            <a:fillRect/>
-          </a:stretch>
-        </p:blipFill>
-        <p:spPr>
-          <a:xfrm>
-            <a:off x="170327" y="218750"/>
-            <a:ext cx="1968300" cy="666875"/>
-          </a:xfrm>
-          <a:prstGeom prst="rect">
-            <a:avLst/>
-          </a:prstGeom>
-          <a:noFill/>
-          <a:ln>
-            <a:noFill/>
-          </a:ln>
-        </p:spPr>
-      </p:pic>
-      <p:sp>
-        <p:nvSpPr>
-          <p:cNvPr id="70" name="Google Shape;70;p15"/>
-          <p:cNvSpPr txBox="1"/>
-          <p:nvPr/>
-        </p:nvSpPr>
-        <p:spPr>
-          <a:xfrm>
-            <a:off x="243293" y="1071049"/>
-            <a:ext cx="8657414" cy="3293179"/>
-          </a:xfrm>
-          <a:prstGeom prst="rect">
-            <a:avLst/>
-          </a:prstGeom>
-          <a:noFill/>
-          <a:ln>
-            <a:noFill/>
-          </a:ln>
-        </p:spPr>
-        <p:txBody>
-          <a:bodyPr spcFirstLastPara="1" wrap="square" lIns="91425" tIns="91425" rIns="91425" bIns="91425" anchor="t" anchorCtr="0">
-            <a:spAutoFit/>
-          </a:bodyPr>
-          <a:lstStyle/>
-          <a:p>
-            <a:r>
-              <a:rPr lang="en-US" sz="2400" b="1" dirty="0">
-                <a:latin typeface="Times New Roman" panose="02020603050405020304" pitchFamily="18" charset="0"/>
-                <a:cs typeface="Times New Roman" panose="02020603050405020304" pitchFamily="18" charset="0"/>
-              </a:rPr>
-              <a:t>Architecture:</a:t>
-            </a:r>
-          </a:p>
-          <a:p>
-            <a:endParaRPr lang="en-US" sz="2400" b="1" dirty="0">
-              <a:latin typeface="Times New Roman" panose="02020603050405020304" pitchFamily="18" charset="0"/>
-              <a:cs typeface="Times New Roman" panose="02020603050405020304" pitchFamily="18" charset="0"/>
-            </a:endParaRPr>
-          </a:p>
-          <a:p>
-            <a:r>
-              <a:rPr lang="en-US" dirty="0">
-                <a:latin typeface="Times New Roman" panose="02020603050405020304" pitchFamily="18" charset="0"/>
-                <a:cs typeface="Times New Roman" panose="02020603050405020304" pitchFamily="18" charset="0"/>
-              </a:rPr>
-              <a:t>The </a:t>
-            </a:r>
-            <a:r>
-              <a:rPr lang="en-US" b="1" dirty="0">
-                <a:latin typeface="Times New Roman" panose="02020603050405020304" pitchFamily="18" charset="0"/>
-                <a:cs typeface="Times New Roman" panose="02020603050405020304" pitchFamily="18" charset="0"/>
-              </a:rPr>
-              <a:t>Architecture Diagram</a:t>
-            </a:r>
-            <a:r>
-              <a:rPr lang="en-US" dirty="0">
-                <a:latin typeface="Times New Roman" panose="02020603050405020304" pitchFamily="18" charset="0"/>
-                <a:cs typeface="Times New Roman" panose="02020603050405020304" pitchFamily="18" charset="0"/>
-              </a:rPr>
-              <a:t> for </a:t>
-            </a:r>
-            <a:r>
-              <a:rPr lang="en-US" dirty="0" err="1">
-                <a:latin typeface="Times New Roman" panose="02020603050405020304" pitchFamily="18" charset="0"/>
-                <a:cs typeface="Times New Roman" panose="02020603050405020304" pitchFamily="18" charset="0"/>
-              </a:rPr>
-              <a:t>FASTChain</a:t>
-            </a:r>
-            <a:r>
-              <a:rPr lang="en-US" dirty="0">
-                <a:latin typeface="Times New Roman" panose="02020603050405020304" pitchFamily="18" charset="0"/>
-                <a:cs typeface="Times New Roman" panose="02020603050405020304" pitchFamily="18" charset="0"/>
-              </a:rPr>
-              <a:t> demonstrates a layered and modular design that ensures security, scalability, and user-friendliness. At the </a:t>
-            </a:r>
-            <a:r>
-              <a:rPr lang="en-US" b="1" dirty="0">
-                <a:latin typeface="Times New Roman" panose="02020603050405020304" pitchFamily="18" charset="0"/>
-                <a:cs typeface="Times New Roman" panose="02020603050405020304" pitchFamily="18" charset="0"/>
-              </a:rPr>
-              <a:t>User Interaction Layer</a:t>
-            </a:r>
-            <a:r>
-              <a:rPr lang="en-US" dirty="0">
-                <a:latin typeface="Times New Roman" panose="02020603050405020304" pitchFamily="18" charset="0"/>
-                <a:cs typeface="Times New Roman" panose="02020603050405020304" pitchFamily="18" charset="0"/>
-              </a:rPr>
-              <a:t>, users interact with the system through a web application for Anon-Aadhaar login, </a:t>
-            </a:r>
-            <a:r>
-              <a:rPr lang="en-US" dirty="0" err="1">
-                <a:latin typeface="Times New Roman" panose="02020603050405020304" pitchFamily="18" charset="0"/>
-                <a:cs typeface="Times New Roman" panose="02020603050405020304" pitchFamily="18" charset="0"/>
-              </a:rPr>
-              <a:t>FASTag</a:t>
-            </a:r>
-            <a:r>
-              <a:rPr lang="en-US" dirty="0">
-                <a:latin typeface="Times New Roman" panose="02020603050405020304" pitchFamily="18" charset="0"/>
-                <a:cs typeface="Times New Roman" panose="02020603050405020304" pitchFamily="18" charset="0"/>
-              </a:rPr>
-              <a:t> registration, and wallet top-ups or balance monitoring. This layer connects to the </a:t>
-            </a:r>
-            <a:r>
-              <a:rPr lang="en-US" b="1" dirty="0">
-                <a:latin typeface="Times New Roman" panose="02020603050405020304" pitchFamily="18" charset="0"/>
-                <a:cs typeface="Times New Roman" panose="02020603050405020304" pitchFamily="18" charset="0"/>
-              </a:rPr>
-              <a:t>Service Layer</a:t>
-            </a:r>
-            <a:r>
-              <a:rPr lang="en-US" dirty="0">
-                <a:latin typeface="Times New Roman" panose="02020603050405020304" pitchFamily="18" charset="0"/>
-                <a:cs typeface="Times New Roman" panose="02020603050405020304" pitchFamily="18" charset="0"/>
-              </a:rPr>
-              <a:t>, which handles core operations like authentication, registration, and wallet management via dedicated services. The </a:t>
-            </a:r>
-            <a:r>
-              <a:rPr lang="en-US" b="1" dirty="0">
-                <a:latin typeface="Times New Roman" panose="02020603050405020304" pitchFamily="18" charset="0"/>
-                <a:cs typeface="Times New Roman" panose="02020603050405020304" pitchFamily="18" charset="0"/>
-              </a:rPr>
-              <a:t>RFID and Toll Plaza Layer</a:t>
-            </a:r>
-            <a:r>
-              <a:rPr lang="en-US" dirty="0">
-                <a:latin typeface="Times New Roman" panose="02020603050405020304" pitchFamily="18" charset="0"/>
-                <a:cs typeface="Times New Roman" panose="02020603050405020304" pitchFamily="18" charset="0"/>
-              </a:rPr>
-              <a:t> facilitates toll payment processing, where RFID readers identify vehicles using </a:t>
-            </a:r>
-            <a:r>
-              <a:rPr lang="en-US" dirty="0" err="1">
-                <a:latin typeface="Times New Roman" panose="02020603050405020304" pitchFamily="18" charset="0"/>
-                <a:cs typeface="Times New Roman" panose="02020603050405020304" pitchFamily="18" charset="0"/>
-              </a:rPr>
-              <a:t>FASTag</a:t>
-            </a:r>
-            <a:r>
-              <a:rPr lang="en-US" dirty="0">
-                <a:latin typeface="Times New Roman" panose="02020603050405020304" pitchFamily="18" charset="0"/>
-                <a:cs typeface="Times New Roman" panose="02020603050405020304" pitchFamily="18" charset="0"/>
-              </a:rPr>
-              <a:t> IDs and forward payment requests to the blockchain. At the </a:t>
-            </a:r>
-            <a:r>
-              <a:rPr lang="en-US" b="1" dirty="0">
-                <a:latin typeface="Times New Roman" panose="02020603050405020304" pitchFamily="18" charset="0"/>
-                <a:cs typeface="Times New Roman" panose="02020603050405020304" pitchFamily="18" charset="0"/>
-              </a:rPr>
-              <a:t>Blockchain Layer</a:t>
-            </a:r>
-            <a:r>
-              <a:rPr lang="en-US" dirty="0">
-                <a:latin typeface="Times New Roman" panose="02020603050405020304" pitchFamily="18" charset="0"/>
-                <a:cs typeface="Times New Roman" panose="02020603050405020304" pitchFamily="18" charset="0"/>
-              </a:rPr>
-              <a:t>, smart contracts such as </a:t>
-            </a:r>
-            <a:r>
-              <a:rPr lang="en-US" dirty="0" err="1">
-                <a:latin typeface="Times New Roman" panose="02020603050405020304" pitchFamily="18" charset="0"/>
-                <a:cs typeface="Times New Roman" panose="02020603050405020304" pitchFamily="18" charset="0"/>
-              </a:rPr>
-              <a:t>UserWallet.sol</a:t>
-            </a:r>
-            <a:r>
-              <a:rPr lang="en-US" dirty="0">
-                <a:latin typeface="Times New Roman" panose="02020603050405020304" pitchFamily="18" charset="0"/>
-                <a:cs typeface="Times New Roman" panose="02020603050405020304" pitchFamily="18" charset="0"/>
-              </a:rPr>
-              <a:t>, </a:t>
-            </a:r>
-            <a:r>
-              <a:rPr lang="en-US" dirty="0" err="1">
-                <a:latin typeface="Times New Roman" panose="02020603050405020304" pitchFamily="18" charset="0"/>
-                <a:cs typeface="Times New Roman" panose="02020603050405020304" pitchFamily="18" charset="0"/>
-              </a:rPr>
-              <a:t>WalletManager.sol</a:t>
-            </a:r>
-            <a:r>
-              <a:rPr lang="en-US" dirty="0">
-                <a:latin typeface="Times New Roman" panose="02020603050405020304" pitchFamily="18" charset="0"/>
-                <a:cs typeface="Times New Roman" panose="02020603050405020304" pitchFamily="18" charset="0"/>
-              </a:rPr>
-              <a:t>, and the Paymaster Contract handle transaction logic, gasless operations, and wallet management, while the blockchain ledger stores immutable transaction records for transparency and dispute resolution. Lastly, the </a:t>
-            </a:r>
-            <a:r>
-              <a:rPr lang="en-US" b="1" dirty="0">
-                <a:latin typeface="Times New Roman" panose="02020603050405020304" pitchFamily="18" charset="0"/>
-                <a:cs typeface="Times New Roman" panose="02020603050405020304" pitchFamily="18" charset="0"/>
-              </a:rPr>
-              <a:t>Cross-Chain Integration Layer</a:t>
-            </a:r>
-            <a:r>
-              <a:rPr lang="en-US" dirty="0">
-                <a:latin typeface="Times New Roman" panose="02020603050405020304" pitchFamily="18" charset="0"/>
-                <a:cs typeface="Times New Roman" panose="02020603050405020304" pitchFamily="18" charset="0"/>
-              </a:rPr>
-              <a:t> supports wallet top-ups via fiat or cryptocurrency and enables multi-chain payment compatibility through a payment gateway. The interconnected layers ensure a seamless, secure, and decentralized toll collection experience.</a:t>
-            </a:r>
-          </a:p>
-        </p:txBody>
-      </p:sp>
-      <p:sp>
-        <p:nvSpPr>
-          <p:cNvPr id="71" name="Google Shape;71;p15"/>
-          <p:cNvSpPr txBox="1">
-            <a:spLocks noGrp="1"/>
-          </p:cNvSpPr>
-          <p:nvPr>
-            <p:ph type="title" idx="4294967295"/>
-          </p:nvPr>
-        </p:nvSpPr>
-        <p:spPr>
-          <a:xfrm>
-            <a:off x="2537100" y="188723"/>
-            <a:ext cx="4069800" cy="514500"/>
-          </a:xfrm>
-          <a:prstGeom prst="rect">
-            <a:avLst/>
-          </a:prstGeom>
-          <a:noFill/>
-          <a:ln>
-            <a:noFill/>
-          </a:ln>
-        </p:spPr>
-        <p:txBody>
-          <a:bodyPr spcFirstLastPara="1" wrap="square" lIns="0" tIns="6350" rIns="0" bIns="0" anchor="t" anchorCtr="0">
-            <a:spAutoFit/>
-          </a:bodyPr>
-          <a:lstStyle/>
-          <a:p>
-            <a:pPr marL="12700" lvl="0" indent="0" algn="ctr" rtl="0">
-              <a:lnSpc>
-                <a:spcPct val="100000"/>
-              </a:lnSpc>
-              <a:spcBef>
-                <a:spcPts val="0"/>
-              </a:spcBef>
-              <a:spcAft>
-                <a:spcPts val="0"/>
-              </a:spcAft>
-              <a:buSzPts val="2800"/>
-              <a:buNone/>
-            </a:pPr>
-            <a:r>
-              <a:rPr lang="en-GB" sz="3200" dirty="0">
-                <a:latin typeface="Times New Roman" panose="02020603050405020304" pitchFamily="18" charset="0"/>
-                <a:ea typeface="Lucida Sans" panose="020B0602030504020204"/>
-                <a:cs typeface="Times New Roman" panose="02020603050405020304" pitchFamily="18" charset="0"/>
-                <a:sym typeface="Lucida Sans" panose="020B0602030504020204"/>
-              </a:rPr>
-              <a:t>Proposed System</a:t>
-            </a:r>
-            <a:endParaRPr sz="3200" dirty="0">
-              <a:latin typeface="Times New Roman" panose="02020603050405020304" pitchFamily="18" charset="0"/>
-              <a:ea typeface="Lucida Sans" panose="020B0602030504020204"/>
-              <a:cs typeface="Times New Roman" panose="02020603050405020304" pitchFamily="18" charset="0"/>
-              <a:sym typeface="Lucida Sans" panose="020B0602030504020204"/>
-            </a:endParaRPr>
-          </a:p>
-        </p:txBody>
-      </p:sp>
-    </p:spTree>
-    <p:extLst>
-      <p:ext uri="{BB962C8B-B14F-4D97-AF65-F5344CB8AC3E}">
-        <p14:creationId xmlns:p14="http://schemas.microsoft.com/office/powerpoint/2010/main" val="2602786689"/>
       </p:ext>
     </p:extLst>
   </p:cSld>
